--- a/Big City Data.pptx
+++ b/Big City Data.pptx
@@ -2,24 +2,27 @@
 <file path=ppt/presentation.xml><?xml version="1.0" encoding="utf-8"?>
 <p:presentation xmlns:a="http://schemas.openxmlformats.org/drawingml/2006/main" xmlns:r="http://schemas.openxmlformats.org/officeDocument/2006/relationships" xmlns:p="http://schemas.openxmlformats.org/presentationml/2006/main" autoCompressPictures="0">
   <p:sldMasterIdLst>
-    <p:sldMasterId id="2147483648" r:id="rId1"/>
+    <p:sldMasterId id="2147483660" r:id="rId1"/>
   </p:sldMasterIdLst>
   <p:notesMasterIdLst>
-    <p:notesMasterId r:id="rId14"/>
+    <p:notesMasterId r:id="rId17"/>
   </p:notesMasterIdLst>
   <p:sldIdLst>
     <p:sldId id="257" r:id="rId2"/>
     <p:sldId id="259" r:id="rId3"/>
-    <p:sldId id="261" r:id="rId4"/>
-    <p:sldId id="260" r:id="rId5"/>
-    <p:sldId id="265" r:id="rId6"/>
-    <p:sldId id="266" r:id="rId7"/>
-    <p:sldId id="267" r:id="rId8"/>
-    <p:sldId id="262" r:id="rId9"/>
-    <p:sldId id="263" r:id="rId10"/>
-    <p:sldId id="269" r:id="rId11"/>
-    <p:sldId id="264" r:id="rId12"/>
-    <p:sldId id="268" r:id="rId13"/>
+    <p:sldId id="279" r:id="rId4"/>
+    <p:sldId id="261" r:id="rId5"/>
+    <p:sldId id="260" r:id="rId6"/>
+    <p:sldId id="271" r:id="rId7"/>
+    <p:sldId id="270" r:id="rId8"/>
+    <p:sldId id="273" r:id="rId9"/>
+    <p:sldId id="274" r:id="rId10"/>
+    <p:sldId id="275" r:id="rId11"/>
+    <p:sldId id="280" r:id="rId12"/>
+    <p:sldId id="276" r:id="rId13"/>
+    <p:sldId id="264" r:id="rId14"/>
+    <p:sldId id="278" r:id="rId15"/>
+    <p:sldId id="277" r:id="rId16"/>
   </p:sldIdLst>
   <p:sldSz cx="12192000" cy="6858000"/>
   <p:notesSz cx="6858000" cy="9144000"/>
@@ -125,22 +128,4092 @@
           <p14:sldIdLst>
             <p14:sldId id="257"/>
             <p14:sldId id="259"/>
+            <p14:sldId id="279"/>
             <p14:sldId id="261"/>
             <p14:sldId id="260"/>
-            <p14:sldId id="265"/>
-            <p14:sldId id="266"/>
-            <p14:sldId id="267"/>
-            <p14:sldId id="262"/>
-            <p14:sldId id="263"/>
-            <p14:sldId id="269"/>
+            <p14:sldId id="271"/>
+            <p14:sldId id="270"/>
+            <p14:sldId id="273"/>
+            <p14:sldId id="274"/>
+            <p14:sldId id="275"/>
+            <p14:sldId id="280"/>
+            <p14:sldId id="276"/>
             <p14:sldId id="264"/>
-            <p14:sldId id="268"/>
+            <p14:sldId id="278"/>
+            <p14:sldId id="277"/>
           </p14:sldIdLst>
         </p14:section>
       </p14:sectionLst>
     </p:ext>
+    <p:ext uri="{EFAFB233-063F-42B5-8137-9DF3F51BA10A}">
+      <p15:sldGuideLst xmlns:p15="http://schemas.microsoft.com/office/powerpoint/2012/main"/>
+    </p:ext>
   </p:extLst>
 </p:presentation>
+</file>
+
+<file path=ppt/diagrams/colors1.xml><?xml version="1.0" encoding="utf-8"?>
+<dgm:colorsDef xmlns:dgm="http://schemas.openxmlformats.org/drawingml/2006/diagram" xmlns:a="http://schemas.openxmlformats.org/drawingml/2006/main" uniqueId="urn:microsoft.com/office/officeart/2005/8/colors/accent1_2">
+  <dgm:title val=""/>
+  <dgm:desc val=""/>
+  <dgm:catLst>
+    <dgm:cat type="accent1" pri="11200"/>
+  </dgm:catLst>
+  <dgm:styleLbl name="node0">
+    <dgm:fillClrLst meth="repeat">
+      <a:schemeClr val="accent1"/>
+    </dgm:fillClrLst>
+    <dgm:linClrLst meth="repeat">
+      <a:schemeClr val="lt1"/>
+    </dgm:linClrLst>
+    <dgm:effectClrLst/>
+    <dgm:txLinClrLst/>
+    <dgm:txFillClrLst/>
+    <dgm:txEffectClrLst/>
+  </dgm:styleLbl>
+  <dgm:styleLbl name="alignNode1">
+    <dgm:fillClrLst meth="repeat">
+      <a:schemeClr val="accent1"/>
+    </dgm:fillClrLst>
+    <dgm:linClrLst meth="repeat">
+      <a:schemeClr val="accent1"/>
+    </dgm:linClrLst>
+    <dgm:effectClrLst/>
+    <dgm:txLinClrLst/>
+    <dgm:txFillClrLst/>
+    <dgm:txEffectClrLst/>
+  </dgm:styleLbl>
+  <dgm:styleLbl name="node1">
+    <dgm:fillClrLst meth="repeat">
+      <a:schemeClr val="accent1"/>
+    </dgm:fillClrLst>
+    <dgm:linClrLst meth="repeat">
+      <a:schemeClr val="lt1"/>
+    </dgm:linClrLst>
+    <dgm:effectClrLst/>
+    <dgm:txLinClrLst/>
+    <dgm:txFillClrLst/>
+    <dgm:txEffectClrLst/>
+  </dgm:styleLbl>
+  <dgm:styleLbl name="lnNode1">
+    <dgm:fillClrLst meth="repeat">
+      <a:schemeClr val="accent1"/>
+    </dgm:fillClrLst>
+    <dgm:linClrLst meth="repeat">
+      <a:schemeClr val="lt1"/>
+    </dgm:linClrLst>
+    <dgm:effectClrLst/>
+    <dgm:txLinClrLst/>
+    <dgm:txFillClrLst/>
+    <dgm:txEffectClrLst/>
+  </dgm:styleLbl>
+  <dgm:styleLbl name="vennNode1">
+    <dgm:fillClrLst meth="repeat">
+      <a:schemeClr val="accent1">
+        <a:alpha val="50000"/>
+      </a:schemeClr>
+    </dgm:fillClrLst>
+    <dgm:linClrLst meth="repeat">
+      <a:schemeClr val="lt1"/>
+    </dgm:linClrLst>
+    <dgm:effectClrLst/>
+    <dgm:txLinClrLst/>
+    <dgm:txFillClrLst/>
+    <dgm:txEffectClrLst/>
+  </dgm:styleLbl>
+  <dgm:styleLbl name="node2">
+    <dgm:fillClrLst meth="repeat">
+      <a:schemeClr val="accent1"/>
+    </dgm:fillClrLst>
+    <dgm:linClrLst meth="repeat">
+      <a:schemeClr val="lt1"/>
+    </dgm:linClrLst>
+    <dgm:effectClrLst/>
+    <dgm:txLinClrLst/>
+    <dgm:txFillClrLst/>
+    <dgm:txEffectClrLst/>
+  </dgm:styleLbl>
+  <dgm:styleLbl name="node3">
+    <dgm:fillClrLst meth="repeat">
+      <a:schemeClr val="accent1"/>
+    </dgm:fillClrLst>
+    <dgm:linClrLst meth="repeat">
+      <a:schemeClr val="lt1"/>
+    </dgm:linClrLst>
+    <dgm:effectClrLst/>
+    <dgm:txLinClrLst/>
+    <dgm:txFillClrLst/>
+    <dgm:txEffectClrLst/>
+  </dgm:styleLbl>
+  <dgm:styleLbl name="node4">
+    <dgm:fillClrLst meth="repeat">
+      <a:schemeClr val="accent1"/>
+    </dgm:fillClrLst>
+    <dgm:linClrLst meth="repeat">
+      <a:schemeClr val="lt1"/>
+    </dgm:linClrLst>
+    <dgm:effectClrLst/>
+    <dgm:txLinClrLst/>
+    <dgm:txFillClrLst/>
+    <dgm:txEffectClrLst/>
+  </dgm:styleLbl>
+  <dgm:styleLbl name="fgImgPlace1">
+    <dgm:fillClrLst meth="repeat">
+      <a:schemeClr val="accent1">
+        <a:tint val="50000"/>
+      </a:schemeClr>
+    </dgm:fillClrLst>
+    <dgm:linClrLst meth="repeat">
+      <a:schemeClr val="lt1"/>
+    </dgm:linClrLst>
+    <dgm:effectClrLst/>
+    <dgm:txLinClrLst/>
+    <dgm:txFillClrLst meth="repeat">
+      <a:schemeClr val="lt1"/>
+    </dgm:txFillClrLst>
+    <dgm:txEffectClrLst/>
+  </dgm:styleLbl>
+  <dgm:styleLbl name="alignImgPlace1">
+    <dgm:fillClrLst meth="repeat">
+      <a:schemeClr val="accent1">
+        <a:tint val="50000"/>
+      </a:schemeClr>
+    </dgm:fillClrLst>
+    <dgm:linClrLst meth="repeat">
+      <a:schemeClr val="lt1"/>
+    </dgm:linClrLst>
+    <dgm:effectClrLst/>
+    <dgm:txLinClrLst/>
+    <dgm:txFillClrLst meth="repeat">
+      <a:schemeClr val="lt1"/>
+    </dgm:txFillClrLst>
+    <dgm:txEffectClrLst/>
+  </dgm:styleLbl>
+  <dgm:styleLbl name="bgImgPlace1">
+    <dgm:fillClrLst meth="repeat">
+      <a:schemeClr val="accent1">
+        <a:tint val="50000"/>
+      </a:schemeClr>
+    </dgm:fillClrLst>
+    <dgm:linClrLst meth="repeat">
+      <a:schemeClr val="lt1"/>
+    </dgm:linClrLst>
+    <dgm:effectClrLst/>
+    <dgm:txLinClrLst/>
+    <dgm:txFillClrLst meth="repeat">
+      <a:schemeClr val="lt1"/>
+    </dgm:txFillClrLst>
+    <dgm:txEffectClrLst/>
+  </dgm:styleLbl>
+  <dgm:styleLbl name="sibTrans2D1">
+    <dgm:fillClrLst meth="repeat">
+      <a:schemeClr val="accent1">
+        <a:tint val="60000"/>
+      </a:schemeClr>
+    </dgm:fillClrLst>
+    <dgm:linClrLst meth="repeat">
+      <a:schemeClr val="accent1">
+        <a:tint val="60000"/>
+      </a:schemeClr>
+    </dgm:linClrLst>
+    <dgm:effectClrLst/>
+    <dgm:txLinClrLst/>
+    <dgm:txFillClrLst/>
+    <dgm:txEffectClrLst/>
+  </dgm:styleLbl>
+  <dgm:styleLbl name="fgSibTrans2D1">
+    <dgm:fillClrLst meth="repeat">
+      <a:schemeClr val="accent1">
+        <a:tint val="60000"/>
+      </a:schemeClr>
+    </dgm:fillClrLst>
+    <dgm:linClrLst meth="repeat">
+      <a:schemeClr val="accent1">
+        <a:tint val="60000"/>
+      </a:schemeClr>
+    </dgm:linClrLst>
+    <dgm:effectClrLst/>
+    <dgm:txLinClrLst/>
+    <dgm:txFillClrLst/>
+    <dgm:txEffectClrLst/>
+  </dgm:styleLbl>
+  <dgm:styleLbl name="bgSibTrans2D1">
+    <dgm:fillClrLst meth="repeat">
+      <a:schemeClr val="accent1">
+        <a:tint val="60000"/>
+      </a:schemeClr>
+    </dgm:fillClrLst>
+    <dgm:linClrLst meth="repeat">
+      <a:schemeClr val="accent1">
+        <a:tint val="60000"/>
+      </a:schemeClr>
+    </dgm:linClrLst>
+    <dgm:effectClrLst/>
+    <dgm:txLinClrLst/>
+    <dgm:txFillClrLst/>
+    <dgm:txEffectClrLst/>
+  </dgm:styleLbl>
+  <dgm:styleLbl name="sibTrans1D1">
+    <dgm:fillClrLst meth="repeat">
+      <a:schemeClr val="accent1"/>
+    </dgm:fillClrLst>
+    <dgm:linClrLst meth="repeat">
+      <a:schemeClr val="accent1"/>
+    </dgm:linClrLst>
+    <dgm:effectClrLst/>
+    <dgm:txLinClrLst/>
+    <dgm:txFillClrLst meth="repeat">
+      <a:schemeClr val="tx1"/>
+    </dgm:txFillClrLst>
+    <dgm:txEffectClrLst/>
+  </dgm:styleLbl>
+  <dgm:styleLbl name="callout">
+    <dgm:fillClrLst meth="repeat">
+      <a:schemeClr val="accent1"/>
+    </dgm:fillClrLst>
+    <dgm:linClrLst meth="repeat">
+      <a:schemeClr val="accent1">
+        <a:tint val="50000"/>
+      </a:schemeClr>
+    </dgm:linClrLst>
+    <dgm:effectClrLst/>
+    <dgm:txLinClrLst/>
+    <dgm:txFillClrLst meth="repeat">
+      <a:schemeClr val="tx1"/>
+    </dgm:txFillClrLst>
+    <dgm:txEffectClrLst/>
+  </dgm:styleLbl>
+  <dgm:styleLbl name="asst0">
+    <dgm:fillClrLst meth="repeat">
+      <a:schemeClr val="accent1"/>
+    </dgm:fillClrLst>
+    <dgm:linClrLst meth="repeat">
+      <a:schemeClr val="lt1"/>
+    </dgm:linClrLst>
+    <dgm:effectClrLst/>
+    <dgm:txLinClrLst/>
+    <dgm:txFillClrLst/>
+    <dgm:txEffectClrLst/>
+  </dgm:styleLbl>
+  <dgm:styleLbl name="asst1">
+    <dgm:fillClrLst meth="repeat">
+      <a:schemeClr val="accent1"/>
+    </dgm:fillClrLst>
+    <dgm:linClrLst meth="repeat">
+      <a:schemeClr val="lt1"/>
+    </dgm:linClrLst>
+    <dgm:effectClrLst/>
+    <dgm:txLinClrLst/>
+    <dgm:txFillClrLst/>
+    <dgm:txEffectClrLst/>
+  </dgm:styleLbl>
+  <dgm:styleLbl name="asst2">
+    <dgm:fillClrLst meth="repeat">
+      <a:schemeClr val="accent1"/>
+    </dgm:fillClrLst>
+    <dgm:linClrLst meth="repeat">
+      <a:schemeClr val="lt1"/>
+    </dgm:linClrLst>
+    <dgm:effectClrLst/>
+    <dgm:txLinClrLst/>
+    <dgm:txFillClrLst/>
+    <dgm:txEffectClrLst/>
+  </dgm:styleLbl>
+  <dgm:styleLbl name="asst3">
+    <dgm:fillClrLst meth="repeat">
+      <a:schemeClr val="accent1"/>
+    </dgm:fillClrLst>
+    <dgm:linClrLst meth="repeat">
+      <a:schemeClr val="lt1"/>
+    </dgm:linClrLst>
+    <dgm:effectClrLst/>
+    <dgm:txLinClrLst/>
+    <dgm:txFillClrLst/>
+    <dgm:txEffectClrLst/>
+  </dgm:styleLbl>
+  <dgm:styleLbl name="asst4">
+    <dgm:fillClrLst meth="repeat">
+      <a:schemeClr val="accent1"/>
+    </dgm:fillClrLst>
+    <dgm:linClrLst meth="repeat">
+      <a:schemeClr val="lt1"/>
+    </dgm:linClrLst>
+    <dgm:effectClrLst/>
+    <dgm:txLinClrLst/>
+    <dgm:txFillClrLst/>
+    <dgm:txEffectClrLst/>
+  </dgm:styleLbl>
+  <dgm:styleLbl name="parChTrans2D1">
+    <dgm:fillClrLst meth="repeat">
+      <a:schemeClr val="accent1">
+        <a:tint val="60000"/>
+      </a:schemeClr>
+    </dgm:fillClrLst>
+    <dgm:linClrLst meth="repeat">
+      <a:schemeClr val="accent1">
+        <a:tint val="60000"/>
+      </a:schemeClr>
+    </dgm:linClrLst>
+    <dgm:effectClrLst/>
+    <dgm:txLinClrLst/>
+    <dgm:txFillClrLst meth="repeat">
+      <a:schemeClr val="lt1"/>
+    </dgm:txFillClrLst>
+    <dgm:txEffectClrLst/>
+  </dgm:styleLbl>
+  <dgm:styleLbl name="parChTrans2D2">
+    <dgm:fillClrLst meth="repeat">
+      <a:schemeClr val="accent1"/>
+    </dgm:fillClrLst>
+    <dgm:linClrLst meth="repeat">
+      <a:schemeClr val="accent1"/>
+    </dgm:linClrLst>
+    <dgm:effectClrLst/>
+    <dgm:txLinClrLst/>
+    <dgm:txFillClrLst meth="repeat">
+      <a:schemeClr val="lt1"/>
+    </dgm:txFillClrLst>
+    <dgm:txEffectClrLst/>
+  </dgm:styleLbl>
+  <dgm:styleLbl name="parChTrans2D3">
+    <dgm:fillClrLst meth="repeat">
+      <a:schemeClr val="accent1"/>
+    </dgm:fillClrLst>
+    <dgm:linClrLst meth="repeat">
+      <a:schemeClr val="accent1"/>
+    </dgm:linClrLst>
+    <dgm:effectClrLst/>
+    <dgm:txLinClrLst/>
+    <dgm:txFillClrLst meth="repeat">
+      <a:schemeClr val="lt1"/>
+    </dgm:txFillClrLst>
+    <dgm:txEffectClrLst/>
+  </dgm:styleLbl>
+  <dgm:styleLbl name="parChTrans2D4">
+    <dgm:fillClrLst meth="repeat">
+      <a:schemeClr val="accent1"/>
+    </dgm:fillClrLst>
+    <dgm:linClrLst meth="repeat">
+      <a:schemeClr val="accent1"/>
+    </dgm:linClrLst>
+    <dgm:effectClrLst/>
+    <dgm:txLinClrLst/>
+    <dgm:txFillClrLst meth="repeat">
+      <a:schemeClr val="lt1"/>
+    </dgm:txFillClrLst>
+    <dgm:txEffectClrLst/>
+  </dgm:styleLbl>
+  <dgm:styleLbl name="parChTrans1D1">
+    <dgm:fillClrLst meth="repeat">
+      <a:schemeClr val="accent1"/>
+    </dgm:fillClrLst>
+    <dgm:linClrLst meth="repeat">
+      <a:schemeClr val="accent1">
+        <a:shade val="60000"/>
+      </a:schemeClr>
+    </dgm:linClrLst>
+    <dgm:effectClrLst/>
+    <dgm:txLinClrLst/>
+    <dgm:txFillClrLst meth="repeat">
+      <a:schemeClr val="tx1"/>
+    </dgm:txFillClrLst>
+    <dgm:txEffectClrLst/>
+  </dgm:styleLbl>
+  <dgm:styleLbl name="parChTrans1D2">
+    <dgm:fillClrLst meth="repeat">
+      <a:schemeClr val="accent1"/>
+    </dgm:fillClrLst>
+    <dgm:linClrLst meth="repeat">
+      <a:schemeClr val="accent1">
+        <a:shade val="60000"/>
+      </a:schemeClr>
+    </dgm:linClrLst>
+    <dgm:effectClrLst/>
+    <dgm:txLinClrLst/>
+    <dgm:txFillClrLst meth="repeat">
+      <a:schemeClr val="tx1"/>
+    </dgm:txFillClrLst>
+    <dgm:txEffectClrLst/>
+  </dgm:styleLbl>
+  <dgm:styleLbl name="parChTrans1D3">
+    <dgm:fillClrLst meth="repeat">
+      <a:schemeClr val="accent1"/>
+    </dgm:fillClrLst>
+    <dgm:linClrLst meth="repeat">
+      <a:schemeClr val="accent1">
+        <a:shade val="80000"/>
+      </a:schemeClr>
+    </dgm:linClrLst>
+    <dgm:effectClrLst/>
+    <dgm:txLinClrLst/>
+    <dgm:txFillClrLst meth="repeat">
+      <a:schemeClr val="tx1"/>
+    </dgm:txFillClrLst>
+    <dgm:txEffectClrLst/>
+  </dgm:styleLbl>
+  <dgm:styleLbl name="parChTrans1D4">
+    <dgm:fillClrLst meth="repeat">
+      <a:schemeClr val="accent1"/>
+    </dgm:fillClrLst>
+    <dgm:linClrLst meth="repeat">
+      <a:schemeClr val="accent1">
+        <a:shade val="80000"/>
+      </a:schemeClr>
+    </dgm:linClrLst>
+    <dgm:effectClrLst/>
+    <dgm:txLinClrLst/>
+    <dgm:txFillClrLst meth="repeat">
+      <a:schemeClr val="tx1"/>
+    </dgm:txFillClrLst>
+    <dgm:txEffectClrLst/>
+  </dgm:styleLbl>
+  <dgm:styleLbl name="fgAcc1">
+    <dgm:fillClrLst meth="repeat">
+      <a:schemeClr val="lt1">
+        <a:alpha val="90000"/>
+      </a:schemeClr>
+    </dgm:fillClrLst>
+    <dgm:linClrLst meth="repeat">
+      <a:schemeClr val="accent1"/>
+    </dgm:linClrLst>
+    <dgm:effectClrLst/>
+    <dgm:txLinClrLst/>
+    <dgm:txFillClrLst meth="repeat">
+      <a:schemeClr val="dk1"/>
+    </dgm:txFillClrLst>
+    <dgm:txEffectClrLst/>
+  </dgm:styleLbl>
+  <dgm:styleLbl name="conFgAcc1">
+    <dgm:fillClrLst meth="repeat">
+      <a:schemeClr val="lt1">
+        <a:alpha val="90000"/>
+      </a:schemeClr>
+    </dgm:fillClrLst>
+    <dgm:linClrLst meth="repeat">
+      <a:schemeClr val="accent1"/>
+    </dgm:linClrLst>
+    <dgm:effectClrLst/>
+    <dgm:txLinClrLst/>
+    <dgm:txFillClrLst meth="repeat">
+      <a:schemeClr val="dk1"/>
+    </dgm:txFillClrLst>
+    <dgm:txEffectClrLst/>
+  </dgm:styleLbl>
+  <dgm:styleLbl name="alignAcc1">
+    <dgm:fillClrLst meth="repeat">
+      <a:schemeClr val="lt1">
+        <a:alpha val="90000"/>
+      </a:schemeClr>
+    </dgm:fillClrLst>
+    <dgm:linClrLst meth="repeat">
+      <a:schemeClr val="accent1"/>
+    </dgm:linClrLst>
+    <dgm:effectClrLst/>
+    <dgm:txLinClrLst/>
+    <dgm:txFillClrLst meth="repeat">
+      <a:schemeClr val="dk1"/>
+    </dgm:txFillClrLst>
+    <dgm:txEffectClrLst/>
+  </dgm:styleLbl>
+  <dgm:styleLbl name="trAlignAcc1">
+    <dgm:fillClrLst meth="repeat">
+      <a:schemeClr val="lt1">
+        <a:alpha val="40000"/>
+      </a:schemeClr>
+    </dgm:fillClrLst>
+    <dgm:linClrLst meth="repeat">
+      <a:schemeClr val="accent1"/>
+    </dgm:linClrLst>
+    <dgm:effectClrLst/>
+    <dgm:txLinClrLst/>
+    <dgm:txFillClrLst meth="repeat">
+      <a:schemeClr val="dk1"/>
+    </dgm:txFillClrLst>
+    <dgm:txEffectClrLst/>
+  </dgm:styleLbl>
+  <dgm:styleLbl name="bgAcc1">
+    <dgm:fillClrLst meth="repeat">
+      <a:schemeClr val="lt1">
+        <a:alpha val="90000"/>
+      </a:schemeClr>
+    </dgm:fillClrLst>
+    <dgm:linClrLst meth="repeat">
+      <a:schemeClr val="accent1"/>
+    </dgm:linClrLst>
+    <dgm:effectClrLst/>
+    <dgm:txLinClrLst/>
+    <dgm:txFillClrLst meth="repeat">
+      <a:schemeClr val="dk1"/>
+    </dgm:txFillClrLst>
+    <dgm:txEffectClrLst/>
+  </dgm:styleLbl>
+  <dgm:styleLbl name="solidFgAcc1">
+    <dgm:fillClrLst meth="repeat">
+      <a:schemeClr val="lt1"/>
+    </dgm:fillClrLst>
+    <dgm:linClrLst meth="repeat">
+      <a:schemeClr val="accent1"/>
+    </dgm:linClrLst>
+    <dgm:effectClrLst/>
+    <dgm:txLinClrLst/>
+    <dgm:txFillClrLst meth="repeat">
+      <a:schemeClr val="dk1"/>
+    </dgm:txFillClrLst>
+    <dgm:txEffectClrLst/>
+  </dgm:styleLbl>
+  <dgm:styleLbl name="solidAlignAcc1">
+    <dgm:fillClrLst meth="repeat">
+      <a:schemeClr val="lt1"/>
+    </dgm:fillClrLst>
+    <dgm:linClrLst meth="repeat">
+      <a:schemeClr val="accent1"/>
+    </dgm:linClrLst>
+    <dgm:effectClrLst/>
+    <dgm:txLinClrLst/>
+    <dgm:txFillClrLst meth="repeat">
+      <a:schemeClr val="dk1"/>
+    </dgm:txFillClrLst>
+    <dgm:txEffectClrLst/>
+  </dgm:styleLbl>
+  <dgm:styleLbl name="solidBgAcc1">
+    <dgm:fillClrLst meth="repeat">
+      <a:schemeClr val="lt1"/>
+    </dgm:fillClrLst>
+    <dgm:linClrLst meth="repeat">
+      <a:schemeClr val="accent1"/>
+    </dgm:linClrLst>
+    <dgm:effectClrLst/>
+    <dgm:txLinClrLst/>
+    <dgm:txFillClrLst meth="repeat">
+      <a:schemeClr val="dk1"/>
+    </dgm:txFillClrLst>
+    <dgm:txEffectClrLst/>
+  </dgm:styleLbl>
+  <dgm:styleLbl name="fgAccFollowNode1">
+    <dgm:fillClrLst meth="repeat">
+      <a:schemeClr val="accent1">
+        <a:alpha val="90000"/>
+        <a:tint val="40000"/>
+      </a:schemeClr>
+    </dgm:fillClrLst>
+    <dgm:linClrLst meth="repeat">
+      <a:schemeClr val="accent1">
+        <a:alpha val="90000"/>
+        <a:tint val="40000"/>
+      </a:schemeClr>
+    </dgm:linClrLst>
+    <dgm:effectClrLst/>
+    <dgm:txLinClrLst/>
+    <dgm:txFillClrLst meth="repeat">
+      <a:schemeClr val="dk1"/>
+    </dgm:txFillClrLst>
+    <dgm:txEffectClrLst/>
+  </dgm:styleLbl>
+  <dgm:styleLbl name="alignAccFollowNode1">
+    <dgm:fillClrLst meth="repeat">
+      <a:schemeClr val="accent1">
+        <a:alpha val="90000"/>
+        <a:tint val="40000"/>
+      </a:schemeClr>
+    </dgm:fillClrLst>
+    <dgm:linClrLst meth="repeat">
+      <a:schemeClr val="accent1">
+        <a:alpha val="90000"/>
+        <a:tint val="40000"/>
+      </a:schemeClr>
+    </dgm:linClrLst>
+    <dgm:effectClrLst/>
+    <dgm:txLinClrLst/>
+    <dgm:txFillClrLst meth="repeat">
+      <a:schemeClr val="dk1"/>
+    </dgm:txFillClrLst>
+    <dgm:txEffectClrLst/>
+  </dgm:styleLbl>
+  <dgm:styleLbl name="bgAccFollowNode1">
+    <dgm:fillClrLst meth="repeat">
+      <a:schemeClr val="accent1">
+        <a:alpha val="90000"/>
+        <a:tint val="40000"/>
+      </a:schemeClr>
+    </dgm:fillClrLst>
+    <dgm:linClrLst meth="repeat">
+      <a:schemeClr val="accent1">
+        <a:alpha val="90000"/>
+        <a:tint val="40000"/>
+      </a:schemeClr>
+    </dgm:linClrLst>
+    <dgm:effectClrLst/>
+    <dgm:txLinClrLst/>
+    <dgm:txFillClrLst meth="repeat">
+      <a:schemeClr val="dk1"/>
+    </dgm:txFillClrLst>
+    <dgm:txEffectClrLst/>
+  </dgm:styleLbl>
+  <dgm:styleLbl name="fgAcc0">
+    <dgm:fillClrLst meth="repeat">
+      <a:schemeClr val="lt1">
+        <a:alpha val="90000"/>
+      </a:schemeClr>
+    </dgm:fillClrLst>
+    <dgm:linClrLst meth="repeat">
+      <a:schemeClr val="accent1"/>
+    </dgm:linClrLst>
+    <dgm:effectClrLst/>
+    <dgm:txLinClrLst/>
+    <dgm:txFillClrLst meth="repeat">
+      <a:schemeClr val="dk1"/>
+    </dgm:txFillClrLst>
+    <dgm:txEffectClrLst/>
+  </dgm:styleLbl>
+  <dgm:styleLbl name="fgAcc2">
+    <dgm:fillClrLst meth="repeat">
+      <a:schemeClr val="lt1">
+        <a:alpha val="90000"/>
+      </a:schemeClr>
+    </dgm:fillClrLst>
+    <dgm:linClrLst meth="repeat">
+      <a:schemeClr val="accent1"/>
+    </dgm:linClrLst>
+    <dgm:effectClrLst/>
+    <dgm:txLinClrLst/>
+    <dgm:txFillClrLst meth="repeat">
+      <a:schemeClr val="dk1"/>
+    </dgm:txFillClrLst>
+    <dgm:txEffectClrLst/>
+  </dgm:styleLbl>
+  <dgm:styleLbl name="fgAcc3">
+    <dgm:fillClrLst meth="repeat">
+      <a:schemeClr val="lt1">
+        <a:alpha val="90000"/>
+      </a:schemeClr>
+    </dgm:fillClrLst>
+    <dgm:linClrLst meth="repeat">
+      <a:schemeClr val="accent1"/>
+    </dgm:linClrLst>
+    <dgm:effectClrLst/>
+    <dgm:txLinClrLst/>
+    <dgm:txFillClrLst meth="repeat">
+      <a:schemeClr val="dk1"/>
+    </dgm:txFillClrLst>
+    <dgm:txEffectClrLst/>
+  </dgm:styleLbl>
+  <dgm:styleLbl name="fgAcc4">
+    <dgm:fillClrLst meth="repeat">
+      <a:schemeClr val="lt1">
+        <a:alpha val="90000"/>
+      </a:schemeClr>
+    </dgm:fillClrLst>
+    <dgm:linClrLst meth="repeat">
+      <a:schemeClr val="accent1"/>
+    </dgm:linClrLst>
+    <dgm:effectClrLst/>
+    <dgm:txLinClrLst/>
+    <dgm:txFillClrLst meth="repeat">
+      <a:schemeClr val="dk1"/>
+    </dgm:txFillClrLst>
+    <dgm:txEffectClrLst/>
+  </dgm:styleLbl>
+  <dgm:styleLbl name="bgShp">
+    <dgm:fillClrLst meth="repeat">
+      <a:schemeClr val="accent1">
+        <a:tint val="40000"/>
+      </a:schemeClr>
+    </dgm:fillClrLst>
+    <dgm:linClrLst meth="repeat">
+      <a:schemeClr val="accent1"/>
+    </dgm:linClrLst>
+    <dgm:effectClrLst/>
+    <dgm:txLinClrLst/>
+    <dgm:txFillClrLst meth="repeat">
+      <a:schemeClr val="dk1"/>
+    </dgm:txFillClrLst>
+    <dgm:txEffectClrLst/>
+  </dgm:styleLbl>
+  <dgm:styleLbl name="dkBgShp">
+    <dgm:fillClrLst meth="repeat">
+      <a:schemeClr val="accent1">
+        <a:shade val="80000"/>
+      </a:schemeClr>
+    </dgm:fillClrLst>
+    <dgm:linClrLst meth="repeat">
+      <a:schemeClr val="accent1"/>
+    </dgm:linClrLst>
+    <dgm:effectClrLst/>
+    <dgm:txLinClrLst/>
+    <dgm:txFillClrLst meth="repeat">
+      <a:schemeClr val="lt1"/>
+    </dgm:txFillClrLst>
+    <dgm:txEffectClrLst/>
+  </dgm:styleLbl>
+  <dgm:styleLbl name="trBgShp">
+    <dgm:fillClrLst meth="repeat">
+      <a:schemeClr val="accent1">
+        <a:tint val="50000"/>
+        <a:alpha val="40000"/>
+      </a:schemeClr>
+    </dgm:fillClrLst>
+    <dgm:linClrLst meth="repeat">
+      <a:schemeClr val="accent1"/>
+    </dgm:linClrLst>
+    <dgm:effectClrLst/>
+    <dgm:txLinClrLst/>
+    <dgm:txFillClrLst meth="repeat">
+      <a:schemeClr val="lt1"/>
+    </dgm:txFillClrLst>
+    <dgm:txEffectClrLst/>
+  </dgm:styleLbl>
+  <dgm:styleLbl name="fgShp">
+    <dgm:fillClrLst meth="repeat">
+      <a:schemeClr val="accent1">
+        <a:tint val="60000"/>
+      </a:schemeClr>
+    </dgm:fillClrLst>
+    <dgm:linClrLst meth="repeat">
+      <a:schemeClr val="lt1"/>
+    </dgm:linClrLst>
+    <dgm:effectClrLst/>
+    <dgm:txLinClrLst/>
+    <dgm:txFillClrLst meth="repeat">
+      <a:schemeClr val="dk1"/>
+    </dgm:txFillClrLst>
+    <dgm:txEffectClrLst/>
+  </dgm:styleLbl>
+  <dgm:styleLbl name="revTx">
+    <dgm:fillClrLst meth="repeat">
+      <a:schemeClr val="lt1">
+        <a:alpha val="0"/>
+      </a:schemeClr>
+    </dgm:fillClrLst>
+    <dgm:linClrLst meth="repeat">
+      <a:schemeClr val="dk1">
+        <a:alpha val="0"/>
+      </a:schemeClr>
+    </dgm:linClrLst>
+    <dgm:effectClrLst/>
+    <dgm:txLinClrLst/>
+    <dgm:txFillClrLst meth="repeat">
+      <a:schemeClr val="tx1"/>
+    </dgm:txFillClrLst>
+    <dgm:txEffectClrLst/>
+  </dgm:styleLbl>
+</dgm:colorsDef>
+</file>
+
+<file path=ppt/diagrams/data1.xml><?xml version="1.0" encoding="utf-8"?>
+<dgm:dataModel xmlns:dgm="http://schemas.openxmlformats.org/drawingml/2006/diagram" xmlns:a="http://schemas.openxmlformats.org/drawingml/2006/main">
+  <dgm:ptLst>
+    <dgm:pt modelId="{FB099B35-10B8-438C-9CD2-69FAEBECA79B}" type="doc">
+      <dgm:prSet loTypeId="urn:microsoft.com/office/officeart/2005/8/layout/vList3" loCatId="list" qsTypeId="urn:microsoft.com/office/officeart/2005/8/quickstyle/3d7" qsCatId="3D" csTypeId="urn:microsoft.com/office/officeart/2005/8/colors/accent1_2" csCatId="accent1" phldr="1"/>
+      <dgm:spPr/>
+    </dgm:pt>
+    <dgm:pt modelId="{6C973CD0-C4BE-474D-9AD9-EC12AD9A0984}">
+      <dgm:prSet phldrT="[Text]" custT="1"/>
+      <dgm:spPr/>
+      <dgm:t>
+        <a:bodyPr/>
+        <a:lstStyle/>
+        <a:p>
+          <a:pPr algn="l"/>
+          <a:r>
+            <a:rPr lang="en-US" sz="2400" b="1" dirty="0"/>
+            <a:t>5. Data/App Architecture</a:t>
+          </a:r>
+          <a:endParaRPr lang="en-US" sz="2400" b="1" dirty="0">
+            <a:effectLst>
+              <a:outerShdw blurRad="38100" dist="38100" dir="2700000" algn="tl">
+                <a:srgbClr val="000000">
+                  <a:alpha val="43137"/>
+                </a:srgbClr>
+              </a:outerShdw>
+            </a:effectLst>
+          </a:endParaRPr>
+        </a:p>
+      </dgm:t>
+    </dgm:pt>
+    <dgm:pt modelId="{049F277E-593D-400C-B899-33CE452D83F9}" type="parTrans" cxnId="{0194CDC4-28D1-4087-A521-125109CF8F90}">
+      <dgm:prSet/>
+      <dgm:spPr/>
+      <dgm:t>
+        <a:bodyPr/>
+        <a:lstStyle/>
+        <a:p>
+          <a:endParaRPr lang="en-US"/>
+        </a:p>
+      </dgm:t>
+    </dgm:pt>
+    <dgm:pt modelId="{EE1D60FF-CC80-49BD-BFCC-20FF7B29BA49}" type="sibTrans" cxnId="{0194CDC4-28D1-4087-A521-125109CF8F90}">
+      <dgm:prSet/>
+      <dgm:spPr/>
+      <dgm:t>
+        <a:bodyPr/>
+        <a:lstStyle/>
+        <a:p>
+          <a:endParaRPr lang="en-US"/>
+        </a:p>
+      </dgm:t>
+    </dgm:pt>
+    <dgm:pt modelId="{7D6D2AE7-F33E-4B1F-AB23-09137B6B56CF}">
+      <dgm:prSet phldrT="[Text]" custT="1"/>
+      <dgm:spPr/>
+      <dgm:t>
+        <a:bodyPr/>
+        <a:lstStyle/>
+        <a:p>
+          <a:pPr algn="l"/>
+          <a:r>
+            <a:rPr lang="en-US" sz="2400" b="1" dirty="0">
+              <a:effectLst>
+                <a:outerShdw blurRad="38100" dist="38100" dir="2700000" algn="tl">
+                  <a:srgbClr val="000000">
+                    <a:alpha val="43137"/>
+                  </a:srgbClr>
+                </a:outerShdw>
+              </a:effectLst>
+            </a:rPr>
+            <a:t>2. Business Objective</a:t>
+          </a:r>
+        </a:p>
+      </dgm:t>
+    </dgm:pt>
+    <dgm:pt modelId="{06988208-18E6-4D90-8593-4097CAB1B736}" type="parTrans" cxnId="{7BCACAD8-02C6-4975-BC0E-F2AA7F571109}">
+      <dgm:prSet/>
+      <dgm:spPr/>
+      <dgm:t>
+        <a:bodyPr/>
+        <a:lstStyle/>
+        <a:p>
+          <a:endParaRPr lang="en-US"/>
+        </a:p>
+      </dgm:t>
+    </dgm:pt>
+    <dgm:pt modelId="{768CEF3A-2C04-4982-9E65-16A3B73E13B9}" type="sibTrans" cxnId="{7BCACAD8-02C6-4975-BC0E-F2AA7F571109}">
+      <dgm:prSet/>
+      <dgm:spPr/>
+      <dgm:t>
+        <a:bodyPr/>
+        <a:lstStyle/>
+        <a:p>
+          <a:endParaRPr lang="en-US"/>
+        </a:p>
+      </dgm:t>
+    </dgm:pt>
+    <dgm:pt modelId="{C53E2BCA-DCCD-419B-A3F1-75AD86BF198C}">
+      <dgm:prSet phldrT="[Text]" custT="1"/>
+      <dgm:spPr/>
+      <dgm:t>
+        <a:bodyPr/>
+        <a:lstStyle/>
+        <a:p>
+          <a:pPr algn="l"/>
+          <a:r>
+            <a:rPr lang="en-US" sz="2400" b="1" dirty="0">
+              <a:effectLst>
+                <a:outerShdw blurRad="38100" dist="38100" dir="2700000" algn="tl">
+                  <a:srgbClr val="000000">
+                    <a:alpha val="43137"/>
+                  </a:srgbClr>
+                </a:outerShdw>
+              </a:effectLst>
+            </a:rPr>
+            <a:t>3. Data Manipulation</a:t>
+          </a:r>
+        </a:p>
+      </dgm:t>
+    </dgm:pt>
+    <dgm:pt modelId="{DF6A1067-E253-4642-90FD-51DBFE9CDE38}" type="parTrans" cxnId="{4F935EE9-2048-4900-A428-8B6E37757ACD}">
+      <dgm:prSet/>
+      <dgm:spPr/>
+      <dgm:t>
+        <a:bodyPr/>
+        <a:lstStyle/>
+        <a:p>
+          <a:endParaRPr lang="en-US"/>
+        </a:p>
+      </dgm:t>
+    </dgm:pt>
+    <dgm:pt modelId="{6C91C4FE-9F48-4067-9B9C-F08191A9A58E}" type="sibTrans" cxnId="{4F935EE9-2048-4900-A428-8B6E37757ACD}">
+      <dgm:prSet/>
+      <dgm:spPr/>
+      <dgm:t>
+        <a:bodyPr/>
+        <a:lstStyle/>
+        <a:p>
+          <a:endParaRPr lang="en-US"/>
+        </a:p>
+      </dgm:t>
+    </dgm:pt>
+    <dgm:pt modelId="{ACA69067-75C1-4BD5-821D-522FC8DE19F5}">
+      <dgm:prSet phldrT="[Text]" custT="1"/>
+      <dgm:spPr/>
+      <dgm:t>
+        <a:bodyPr/>
+        <a:lstStyle/>
+        <a:p>
+          <a:pPr algn="l"/>
+          <a:r>
+            <a:rPr lang="en-US" sz="2400" b="1" dirty="0">
+              <a:effectLst>
+                <a:outerShdw blurRad="38100" dist="38100" dir="2700000" algn="tl">
+                  <a:srgbClr val="000000">
+                    <a:alpha val="43137"/>
+                  </a:srgbClr>
+                </a:outerShdw>
+              </a:effectLst>
+            </a:rPr>
+            <a:t>4. Coding Approach</a:t>
+          </a:r>
+        </a:p>
+      </dgm:t>
+    </dgm:pt>
+    <dgm:pt modelId="{476B741B-6F14-4C48-988E-1A805B5B230F}" type="parTrans" cxnId="{B5A2C759-7AEB-4771-B91E-37949F21FF29}">
+      <dgm:prSet/>
+      <dgm:spPr/>
+      <dgm:t>
+        <a:bodyPr/>
+        <a:lstStyle/>
+        <a:p>
+          <a:endParaRPr lang="en-US"/>
+        </a:p>
+      </dgm:t>
+    </dgm:pt>
+    <dgm:pt modelId="{FB640399-B837-4AC1-8902-AF8C741DEBE9}" type="sibTrans" cxnId="{B5A2C759-7AEB-4771-B91E-37949F21FF29}">
+      <dgm:prSet/>
+      <dgm:spPr/>
+      <dgm:t>
+        <a:bodyPr/>
+        <a:lstStyle/>
+        <a:p>
+          <a:endParaRPr lang="en-US"/>
+        </a:p>
+      </dgm:t>
+    </dgm:pt>
+    <dgm:pt modelId="{13C84837-D5D7-4E12-87E7-86506E6E06F1}">
+      <dgm:prSet phldrT="[Text]" custT="1"/>
+      <dgm:spPr/>
+      <dgm:t>
+        <a:bodyPr/>
+        <a:lstStyle/>
+        <a:p>
+          <a:pPr algn="l"/>
+          <a:r>
+            <a:rPr lang="en-US" sz="2400" b="1" dirty="0"/>
+            <a:t>6. Visualizations</a:t>
+          </a:r>
+          <a:endParaRPr lang="en-US" sz="2400" b="1" dirty="0">
+            <a:effectLst>
+              <a:outerShdw blurRad="38100" dist="38100" dir="2700000" algn="tl">
+                <a:srgbClr val="000000">
+                  <a:alpha val="43137"/>
+                </a:srgbClr>
+              </a:outerShdw>
+            </a:effectLst>
+          </a:endParaRPr>
+        </a:p>
+      </dgm:t>
+    </dgm:pt>
+    <dgm:pt modelId="{9A928A8B-BCB2-4B37-B121-DCC15348527E}" type="parTrans" cxnId="{5EAD12E5-E34C-4E20-95E0-80F98DBFE604}">
+      <dgm:prSet/>
+      <dgm:spPr/>
+      <dgm:t>
+        <a:bodyPr/>
+        <a:lstStyle/>
+        <a:p>
+          <a:endParaRPr lang="en-US"/>
+        </a:p>
+      </dgm:t>
+    </dgm:pt>
+    <dgm:pt modelId="{51991B9E-997A-450B-8E47-6E5A8869D6D2}" type="sibTrans" cxnId="{5EAD12E5-E34C-4E20-95E0-80F98DBFE604}">
+      <dgm:prSet/>
+      <dgm:spPr/>
+      <dgm:t>
+        <a:bodyPr/>
+        <a:lstStyle/>
+        <a:p>
+          <a:endParaRPr lang="en-US"/>
+        </a:p>
+      </dgm:t>
+    </dgm:pt>
+    <dgm:pt modelId="{7E1E103B-53A9-40A6-ABBE-B2DB10F753EF}">
+      <dgm:prSet phldrT="[Text]" custT="1"/>
+      <dgm:spPr/>
+      <dgm:t>
+        <a:bodyPr/>
+        <a:lstStyle/>
+        <a:p>
+          <a:pPr algn="l"/>
+          <a:r>
+            <a:rPr lang="en-US" sz="2400" b="1" dirty="0">
+              <a:effectLst>
+                <a:outerShdw blurRad="38100" dist="38100" dir="2700000" algn="tl">
+                  <a:srgbClr val="000000">
+                    <a:alpha val="43137"/>
+                  </a:srgbClr>
+                </a:outerShdw>
+              </a:effectLst>
+            </a:rPr>
+            <a:t>7. Future Enhancements</a:t>
+          </a:r>
+        </a:p>
+      </dgm:t>
+    </dgm:pt>
+    <dgm:pt modelId="{2735090B-158E-4BA2-BF5D-AEF4317FA840}" type="parTrans" cxnId="{7A41E2CC-B5A5-4445-93F2-A643E185518F}">
+      <dgm:prSet/>
+      <dgm:spPr/>
+      <dgm:t>
+        <a:bodyPr/>
+        <a:lstStyle/>
+        <a:p>
+          <a:endParaRPr lang="en-US"/>
+        </a:p>
+      </dgm:t>
+    </dgm:pt>
+    <dgm:pt modelId="{176280C0-9056-4980-8B81-5553FCC838FC}" type="sibTrans" cxnId="{7A41E2CC-B5A5-4445-93F2-A643E185518F}">
+      <dgm:prSet/>
+      <dgm:spPr/>
+      <dgm:t>
+        <a:bodyPr/>
+        <a:lstStyle/>
+        <a:p>
+          <a:endParaRPr lang="en-US"/>
+        </a:p>
+      </dgm:t>
+    </dgm:pt>
+    <dgm:pt modelId="{9B69CD9A-8228-4029-989D-92B81E639DC9}">
+      <dgm:prSet phldrT="[Text]" custT="1"/>
+      <dgm:spPr/>
+      <dgm:t>
+        <a:bodyPr/>
+        <a:lstStyle/>
+        <a:p>
+          <a:pPr algn="l"/>
+          <a:r>
+            <a:rPr lang="en-US" sz="2400" b="1" dirty="0">
+              <a:effectLst>
+                <a:outerShdw blurRad="38100" dist="38100" dir="2700000" algn="tl">
+                  <a:srgbClr val="000000">
+                    <a:alpha val="43137"/>
+                  </a:srgbClr>
+                </a:outerShdw>
+              </a:effectLst>
+            </a:rPr>
+            <a:t>1. Research Questions</a:t>
+          </a:r>
+        </a:p>
+      </dgm:t>
+    </dgm:pt>
+    <dgm:pt modelId="{76A0FD78-5DE5-41C2-9B03-29A020E1DF1B}" type="parTrans" cxnId="{2F944385-5445-4FF3-8EAE-BC48AFA2080D}">
+      <dgm:prSet/>
+      <dgm:spPr/>
+      <dgm:t>
+        <a:bodyPr/>
+        <a:lstStyle/>
+        <a:p>
+          <a:endParaRPr lang="en-US"/>
+        </a:p>
+      </dgm:t>
+    </dgm:pt>
+    <dgm:pt modelId="{43FE0F96-09A4-4956-BB9C-41DAB192ECF1}" type="sibTrans" cxnId="{2F944385-5445-4FF3-8EAE-BC48AFA2080D}">
+      <dgm:prSet/>
+      <dgm:spPr/>
+      <dgm:t>
+        <a:bodyPr/>
+        <a:lstStyle/>
+        <a:p>
+          <a:endParaRPr lang="en-US"/>
+        </a:p>
+      </dgm:t>
+    </dgm:pt>
+    <dgm:pt modelId="{217953FF-C69B-488A-82B9-5C3F07DBAAC5}">
+      <dgm:prSet phldrT="[Text]" custT="1"/>
+      <dgm:spPr/>
+      <dgm:t>
+        <a:bodyPr/>
+        <a:lstStyle/>
+        <a:p>
+          <a:pPr algn="l"/>
+          <a:r>
+            <a:rPr lang="en-US" sz="2400" b="1" dirty="0">
+              <a:effectLst>
+                <a:outerShdw blurRad="38100" dist="38100" dir="2700000" algn="tl">
+                  <a:srgbClr val="000000">
+                    <a:alpha val="43137"/>
+                  </a:srgbClr>
+                </a:outerShdw>
+              </a:effectLst>
+            </a:rPr>
+            <a:t>8. Appendix</a:t>
+          </a:r>
+        </a:p>
+      </dgm:t>
+    </dgm:pt>
+    <dgm:pt modelId="{BFD76546-EB74-4DEA-A351-12A349CF2ECB}" type="parTrans" cxnId="{04AA55F0-FC1D-49ED-957D-88B51033AB7F}">
+      <dgm:prSet/>
+      <dgm:spPr/>
+      <dgm:t>
+        <a:bodyPr/>
+        <a:lstStyle/>
+        <a:p>
+          <a:endParaRPr lang="en-US"/>
+        </a:p>
+      </dgm:t>
+    </dgm:pt>
+    <dgm:pt modelId="{7F0149D4-85BE-4ABB-84CB-58EA33E0B74C}" type="sibTrans" cxnId="{04AA55F0-FC1D-49ED-957D-88B51033AB7F}">
+      <dgm:prSet/>
+      <dgm:spPr/>
+      <dgm:t>
+        <a:bodyPr/>
+        <a:lstStyle/>
+        <a:p>
+          <a:endParaRPr lang="en-US"/>
+        </a:p>
+      </dgm:t>
+    </dgm:pt>
+    <dgm:pt modelId="{664D1FFC-D80D-4560-BEA1-561E16584FB7}">
+      <dgm:prSet phldrT="[Text]" custT="1"/>
+      <dgm:spPr/>
+      <dgm:t>
+        <a:bodyPr/>
+        <a:lstStyle/>
+        <a:p>
+          <a:pPr algn="l"/>
+          <a:r>
+            <a:rPr lang="en-US" sz="2400" b="1" dirty="0">
+              <a:effectLst>
+                <a:outerShdw blurRad="38100" dist="38100" dir="2700000" algn="tl">
+                  <a:srgbClr val="000000">
+                    <a:alpha val="43137"/>
+                  </a:srgbClr>
+                </a:outerShdw>
+              </a:effectLst>
+            </a:rPr>
+            <a:t>9. Q&amp;A</a:t>
+          </a:r>
+        </a:p>
+      </dgm:t>
+    </dgm:pt>
+    <dgm:pt modelId="{D69F3670-6597-4238-8AD9-5B3AD069A6BA}" type="parTrans" cxnId="{B695B330-3005-4453-90A7-D2B974ECBFC3}">
+      <dgm:prSet/>
+      <dgm:spPr/>
+      <dgm:t>
+        <a:bodyPr/>
+        <a:lstStyle/>
+        <a:p>
+          <a:endParaRPr lang="en-US"/>
+        </a:p>
+      </dgm:t>
+    </dgm:pt>
+    <dgm:pt modelId="{7E5F5E61-AC1F-4A46-9E3A-013C7D747033}" type="sibTrans" cxnId="{B695B330-3005-4453-90A7-D2B974ECBFC3}">
+      <dgm:prSet/>
+      <dgm:spPr/>
+      <dgm:t>
+        <a:bodyPr/>
+        <a:lstStyle/>
+        <a:p>
+          <a:endParaRPr lang="en-US"/>
+        </a:p>
+      </dgm:t>
+    </dgm:pt>
+    <dgm:pt modelId="{5A0FAAE5-12C3-464C-99C7-80B95F7D9C35}" type="pres">
+      <dgm:prSet presAssocID="{FB099B35-10B8-438C-9CD2-69FAEBECA79B}" presName="linearFlow" presStyleCnt="0">
+        <dgm:presLayoutVars>
+          <dgm:dir/>
+          <dgm:resizeHandles val="exact"/>
+        </dgm:presLayoutVars>
+      </dgm:prSet>
+      <dgm:spPr/>
+    </dgm:pt>
+    <dgm:pt modelId="{A765F23A-286F-49B1-BD4F-1AF92FE94B78}" type="pres">
+      <dgm:prSet presAssocID="{9B69CD9A-8228-4029-989D-92B81E639DC9}" presName="composite" presStyleCnt="0"/>
+      <dgm:spPr/>
+    </dgm:pt>
+    <dgm:pt modelId="{670E73FC-433A-448F-B0CC-BCA459EDC19E}" type="pres">
+      <dgm:prSet presAssocID="{9B69CD9A-8228-4029-989D-92B81E639DC9}" presName="imgShp" presStyleLbl="fgImgPlace1" presStyleIdx="0" presStyleCnt="9"/>
+      <dgm:spPr>
+        <a:blipFill>
+          <a:blip xmlns:r="http://schemas.openxmlformats.org/officeDocument/2006/relationships" r:embed="rId1">
+            <a:extLst>
+              <a:ext uri="{28A0092B-C50C-407E-A947-70E740481C1C}">
+                <a14:useLocalDpi xmlns:a14="http://schemas.microsoft.com/office/drawing/2010/main" val="0"/>
+              </a:ext>
+              <a:ext uri="{837473B0-CC2E-450A-ABE3-18F120FF3D39}">
+                <a1611:picAttrSrcUrl xmlns:a1611="http://schemas.microsoft.com/office/drawing/2016/11/main" r:id="rId2"/>
+              </a:ext>
+            </a:extLst>
+          </a:blip>
+          <a:srcRect/>
+          <a:stretch>
+            <a:fillRect/>
+          </a:stretch>
+        </a:blipFill>
+      </dgm:spPr>
+    </dgm:pt>
+    <dgm:pt modelId="{3DE5D4EB-523B-4398-8EE2-4F92B528654C}" type="pres">
+      <dgm:prSet presAssocID="{9B69CD9A-8228-4029-989D-92B81E639DC9}" presName="txShp" presStyleLbl="node1" presStyleIdx="0" presStyleCnt="9">
+        <dgm:presLayoutVars>
+          <dgm:bulletEnabled val="1"/>
+        </dgm:presLayoutVars>
+      </dgm:prSet>
+      <dgm:spPr/>
+    </dgm:pt>
+    <dgm:pt modelId="{A2B405D1-09DE-452E-B7C8-09ECB5608C15}" type="pres">
+      <dgm:prSet presAssocID="{43FE0F96-09A4-4956-BB9C-41DAB192ECF1}" presName="spacing" presStyleCnt="0"/>
+      <dgm:spPr/>
+    </dgm:pt>
+    <dgm:pt modelId="{C2BBA608-91BA-45EB-A173-839D35A7B569}" type="pres">
+      <dgm:prSet presAssocID="{7D6D2AE7-F33E-4B1F-AB23-09137B6B56CF}" presName="composite" presStyleCnt="0"/>
+      <dgm:spPr/>
+    </dgm:pt>
+    <dgm:pt modelId="{51C7991E-5881-45E2-B40B-FE5AA1E4584D}" type="pres">
+      <dgm:prSet presAssocID="{7D6D2AE7-F33E-4B1F-AB23-09137B6B56CF}" presName="imgShp" presStyleLbl="fgImgPlace1" presStyleIdx="1" presStyleCnt="9"/>
+      <dgm:spPr>
+        <a:blipFill>
+          <a:blip xmlns:r="http://schemas.openxmlformats.org/officeDocument/2006/relationships" r:embed="rId3">
+            <a:extLst>
+              <a:ext uri="{28A0092B-C50C-407E-A947-70E740481C1C}">
+                <a14:useLocalDpi xmlns:a14="http://schemas.microsoft.com/office/drawing/2010/main" val="0"/>
+              </a:ext>
+              <a:ext uri="{837473B0-CC2E-450A-ABE3-18F120FF3D39}">
+                <a1611:picAttrSrcUrl xmlns:a1611="http://schemas.microsoft.com/office/drawing/2016/11/main" r:id="rId4"/>
+              </a:ext>
+            </a:extLst>
+          </a:blip>
+          <a:srcRect/>
+          <a:stretch>
+            <a:fillRect l="-25000" r="-25000"/>
+          </a:stretch>
+        </a:blipFill>
+      </dgm:spPr>
+    </dgm:pt>
+    <dgm:pt modelId="{8944368B-9F7C-4BFA-A61D-5F49B74482A3}" type="pres">
+      <dgm:prSet presAssocID="{7D6D2AE7-F33E-4B1F-AB23-09137B6B56CF}" presName="txShp" presStyleLbl="node1" presStyleIdx="1" presStyleCnt="9">
+        <dgm:presLayoutVars>
+          <dgm:bulletEnabled val="1"/>
+        </dgm:presLayoutVars>
+      </dgm:prSet>
+      <dgm:spPr/>
+    </dgm:pt>
+    <dgm:pt modelId="{DD607185-76F4-457C-8CE7-9C4A810C3A1D}" type="pres">
+      <dgm:prSet presAssocID="{768CEF3A-2C04-4982-9E65-16A3B73E13B9}" presName="spacing" presStyleCnt="0"/>
+      <dgm:spPr/>
+    </dgm:pt>
+    <dgm:pt modelId="{8012D124-FC9F-450D-A08B-568741EA7E73}" type="pres">
+      <dgm:prSet presAssocID="{C53E2BCA-DCCD-419B-A3F1-75AD86BF198C}" presName="composite" presStyleCnt="0"/>
+      <dgm:spPr/>
+    </dgm:pt>
+    <dgm:pt modelId="{C77C183E-CBD4-41B3-AB2C-E5E6490CF5CD}" type="pres">
+      <dgm:prSet presAssocID="{C53E2BCA-DCCD-419B-A3F1-75AD86BF198C}" presName="imgShp" presStyleLbl="fgImgPlace1" presStyleIdx="2" presStyleCnt="9"/>
+      <dgm:spPr>
+        <a:blipFill>
+          <a:blip xmlns:r="http://schemas.openxmlformats.org/officeDocument/2006/relationships" r:embed="rId5">
+            <a:extLst>
+              <a:ext uri="{28A0092B-C50C-407E-A947-70E740481C1C}">
+                <a14:useLocalDpi xmlns:a14="http://schemas.microsoft.com/office/drawing/2010/main" val="0"/>
+              </a:ext>
+              <a:ext uri="{837473B0-CC2E-450A-ABE3-18F120FF3D39}">
+                <a1611:picAttrSrcUrl xmlns:a1611="http://schemas.microsoft.com/office/drawing/2016/11/main" r:id="rId6"/>
+              </a:ext>
+            </a:extLst>
+          </a:blip>
+          <a:srcRect/>
+          <a:stretch>
+            <a:fillRect l="-11000" r="-11000"/>
+          </a:stretch>
+        </a:blipFill>
+      </dgm:spPr>
+    </dgm:pt>
+    <dgm:pt modelId="{F960FD77-330B-4284-8316-A5F125A066C1}" type="pres">
+      <dgm:prSet presAssocID="{C53E2BCA-DCCD-419B-A3F1-75AD86BF198C}" presName="txShp" presStyleLbl="node1" presStyleIdx="2" presStyleCnt="9">
+        <dgm:presLayoutVars>
+          <dgm:bulletEnabled val="1"/>
+        </dgm:presLayoutVars>
+      </dgm:prSet>
+      <dgm:spPr/>
+    </dgm:pt>
+    <dgm:pt modelId="{A5CEF351-6A85-427E-9003-6918CE3581BE}" type="pres">
+      <dgm:prSet presAssocID="{6C91C4FE-9F48-4067-9B9C-F08191A9A58E}" presName="spacing" presStyleCnt="0"/>
+      <dgm:spPr/>
+    </dgm:pt>
+    <dgm:pt modelId="{5CE65432-48ED-43AE-A279-82B6C0218F40}" type="pres">
+      <dgm:prSet presAssocID="{ACA69067-75C1-4BD5-821D-522FC8DE19F5}" presName="composite" presStyleCnt="0"/>
+      <dgm:spPr/>
+    </dgm:pt>
+    <dgm:pt modelId="{ABD12492-24AA-428E-BE08-762668589567}" type="pres">
+      <dgm:prSet presAssocID="{ACA69067-75C1-4BD5-821D-522FC8DE19F5}" presName="imgShp" presStyleLbl="fgImgPlace1" presStyleIdx="3" presStyleCnt="9"/>
+      <dgm:spPr>
+        <a:blipFill>
+          <a:blip xmlns:r="http://schemas.openxmlformats.org/officeDocument/2006/relationships" r:embed="rId7">
+            <a:extLst>
+              <a:ext uri="{28A0092B-C50C-407E-A947-70E740481C1C}">
+                <a14:useLocalDpi xmlns:a14="http://schemas.microsoft.com/office/drawing/2010/main" val="0"/>
+              </a:ext>
+              <a:ext uri="{837473B0-CC2E-450A-ABE3-18F120FF3D39}">
+                <a1611:picAttrSrcUrl xmlns:a1611="http://schemas.microsoft.com/office/drawing/2016/11/main" r:id="rId8"/>
+              </a:ext>
+            </a:extLst>
+          </a:blip>
+          <a:srcRect/>
+          <a:stretch>
+            <a:fillRect l="-24000" r="-24000"/>
+          </a:stretch>
+        </a:blipFill>
+      </dgm:spPr>
+    </dgm:pt>
+    <dgm:pt modelId="{13505AEE-F6D8-423B-83E1-B407D3FDC4E4}" type="pres">
+      <dgm:prSet presAssocID="{ACA69067-75C1-4BD5-821D-522FC8DE19F5}" presName="txShp" presStyleLbl="node1" presStyleIdx="3" presStyleCnt="9">
+        <dgm:presLayoutVars>
+          <dgm:bulletEnabled val="1"/>
+        </dgm:presLayoutVars>
+      </dgm:prSet>
+      <dgm:spPr/>
+    </dgm:pt>
+    <dgm:pt modelId="{EC5EFF01-F3F5-4D74-BE6B-02DEA80A6B03}" type="pres">
+      <dgm:prSet presAssocID="{FB640399-B837-4AC1-8902-AF8C741DEBE9}" presName="spacing" presStyleCnt="0"/>
+      <dgm:spPr/>
+    </dgm:pt>
+    <dgm:pt modelId="{F90784A7-753F-42B0-9FAF-55FB2837D341}" type="pres">
+      <dgm:prSet presAssocID="{6C973CD0-C4BE-474D-9AD9-EC12AD9A0984}" presName="composite" presStyleCnt="0"/>
+      <dgm:spPr/>
+    </dgm:pt>
+    <dgm:pt modelId="{515CD3FC-0142-406F-BC9C-A0C3D5571ACE}" type="pres">
+      <dgm:prSet presAssocID="{6C973CD0-C4BE-474D-9AD9-EC12AD9A0984}" presName="imgShp" presStyleLbl="fgImgPlace1" presStyleIdx="4" presStyleCnt="9"/>
+      <dgm:spPr>
+        <a:blipFill>
+          <a:blip xmlns:r="http://schemas.openxmlformats.org/officeDocument/2006/relationships" r:embed="rId9">
+            <a:extLst>
+              <a:ext uri="{28A0092B-C50C-407E-A947-70E740481C1C}">
+                <a14:useLocalDpi xmlns:a14="http://schemas.microsoft.com/office/drawing/2010/main" val="0"/>
+              </a:ext>
+              <a:ext uri="{837473B0-CC2E-450A-ABE3-18F120FF3D39}">
+                <a1611:picAttrSrcUrl xmlns:a1611="http://schemas.microsoft.com/office/drawing/2016/11/main" r:id="rId10"/>
+              </a:ext>
+            </a:extLst>
+          </a:blip>
+          <a:srcRect/>
+          <a:stretch>
+            <a:fillRect l="-17000" r="-17000"/>
+          </a:stretch>
+        </a:blipFill>
+      </dgm:spPr>
+    </dgm:pt>
+    <dgm:pt modelId="{7C98EBD9-930F-4B44-A907-6D03933E9CCC}" type="pres">
+      <dgm:prSet presAssocID="{6C973CD0-C4BE-474D-9AD9-EC12AD9A0984}" presName="txShp" presStyleLbl="node1" presStyleIdx="4" presStyleCnt="9">
+        <dgm:presLayoutVars>
+          <dgm:bulletEnabled val="1"/>
+        </dgm:presLayoutVars>
+      </dgm:prSet>
+      <dgm:spPr/>
+    </dgm:pt>
+    <dgm:pt modelId="{73332E2D-DC0C-4EDF-A431-BA3462A71898}" type="pres">
+      <dgm:prSet presAssocID="{EE1D60FF-CC80-49BD-BFCC-20FF7B29BA49}" presName="spacing" presStyleCnt="0"/>
+      <dgm:spPr/>
+    </dgm:pt>
+    <dgm:pt modelId="{A8F4E6F9-04FF-494E-8D65-D0CA210D4474}" type="pres">
+      <dgm:prSet presAssocID="{13C84837-D5D7-4E12-87E7-86506E6E06F1}" presName="composite" presStyleCnt="0"/>
+      <dgm:spPr/>
+    </dgm:pt>
+    <dgm:pt modelId="{FF0EE51A-DC59-4747-83BA-F823F63ABF18}" type="pres">
+      <dgm:prSet presAssocID="{13C84837-D5D7-4E12-87E7-86506E6E06F1}" presName="imgShp" presStyleLbl="fgImgPlace1" presStyleIdx="5" presStyleCnt="9"/>
+      <dgm:spPr>
+        <a:blipFill>
+          <a:blip xmlns:r="http://schemas.openxmlformats.org/officeDocument/2006/relationships" r:embed="rId11">
+            <a:extLst>
+              <a:ext uri="{28A0092B-C50C-407E-A947-70E740481C1C}">
+                <a14:useLocalDpi xmlns:a14="http://schemas.microsoft.com/office/drawing/2010/main" val="0"/>
+              </a:ext>
+              <a:ext uri="{837473B0-CC2E-450A-ABE3-18F120FF3D39}">
+                <a1611:picAttrSrcUrl xmlns:a1611="http://schemas.microsoft.com/office/drawing/2016/11/main" r:id="rId12"/>
+              </a:ext>
+            </a:extLst>
+          </a:blip>
+          <a:srcRect/>
+          <a:stretch>
+            <a:fillRect l="-3000" r="-3000"/>
+          </a:stretch>
+        </a:blipFill>
+      </dgm:spPr>
+    </dgm:pt>
+    <dgm:pt modelId="{B5085B97-EDF7-4840-A624-182CA497076C}" type="pres">
+      <dgm:prSet presAssocID="{13C84837-D5D7-4E12-87E7-86506E6E06F1}" presName="txShp" presStyleLbl="node1" presStyleIdx="5" presStyleCnt="9">
+        <dgm:presLayoutVars>
+          <dgm:bulletEnabled val="1"/>
+        </dgm:presLayoutVars>
+      </dgm:prSet>
+      <dgm:spPr/>
+    </dgm:pt>
+    <dgm:pt modelId="{B1E92C26-E856-40F4-A535-06563ADD0374}" type="pres">
+      <dgm:prSet presAssocID="{51991B9E-997A-450B-8E47-6E5A8869D6D2}" presName="spacing" presStyleCnt="0"/>
+      <dgm:spPr/>
+    </dgm:pt>
+    <dgm:pt modelId="{C47036D3-3AE4-4BFC-B31A-891FF16BDEBF}" type="pres">
+      <dgm:prSet presAssocID="{7E1E103B-53A9-40A6-ABBE-B2DB10F753EF}" presName="composite" presStyleCnt="0"/>
+      <dgm:spPr/>
+    </dgm:pt>
+    <dgm:pt modelId="{0ED5E89E-ED62-4D85-8CE8-80671AF27F14}" type="pres">
+      <dgm:prSet presAssocID="{7E1E103B-53A9-40A6-ABBE-B2DB10F753EF}" presName="imgShp" presStyleLbl="fgImgPlace1" presStyleIdx="6" presStyleCnt="9"/>
+      <dgm:spPr>
+        <a:blipFill>
+          <a:blip xmlns:r="http://schemas.openxmlformats.org/officeDocument/2006/relationships" r:embed="rId13">
+            <a:extLst>
+              <a:ext uri="{28A0092B-C50C-407E-A947-70E740481C1C}">
+                <a14:useLocalDpi xmlns:a14="http://schemas.microsoft.com/office/drawing/2010/main" val="0"/>
+              </a:ext>
+              <a:ext uri="{837473B0-CC2E-450A-ABE3-18F120FF3D39}">
+                <a1611:picAttrSrcUrl xmlns:a1611="http://schemas.microsoft.com/office/drawing/2016/11/main" r:id="rId14"/>
+              </a:ext>
+            </a:extLst>
+          </a:blip>
+          <a:srcRect/>
+          <a:stretch>
+            <a:fillRect l="-13000" r="-13000"/>
+          </a:stretch>
+        </a:blipFill>
+      </dgm:spPr>
+    </dgm:pt>
+    <dgm:pt modelId="{059B0917-0D05-4AD2-BB9E-DB6B04F06287}" type="pres">
+      <dgm:prSet presAssocID="{7E1E103B-53A9-40A6-ABBE-B2DB10F753EF}" presName="txShp" presStyleLbl="node1" presStyleIdx="6" presStyleCnt="9">
+        <dgm:presLayoutVars>
+          <dgm:bulletEnabled val="1"/>
+        </dgm:presLayoutVars>
+      </dgm:prSet>
+      <dgm:spPr/>
+    </dgm:pt>
+    <dgm:pt modelId="{3DC7B878-73E8-4978-A946-354CA337B84D}" type="pres">
+      <dgm:prSet presAssocID="{176280C0-9056-4980-8B81-5553FCC838FC}" presName="spacing" presStyleCnt="0"/>
+      <dgm:spPr/>
+    </dgm:pt>
+    <dgm:pt modelId="{944DEA7D-4655-493F-A597-6B00CC2D46B0}" type="pres">
+      <dgm:prSet presAssocID="{217953FF-C69B-488A-82B9-5C3F07DBAAC5}" presName="composite" presStyleCnt="0"/>
+      <dgm:spPr/>
+    </dgm:pt>
+    <dgm:pt modelId="{9BBE7B35-74CC-4060-9A58-73D02BFCE0CC}" type="pres">
+      <dgm:prSet presAssocID="{217953FF-C69B-488A-82B9-5C3F07DBAAC5}" presName="imgShp" presStyleLbl="fgImgPlace1" presStyleIdx="7" presStyleCnt="9"/>
+      <dgm:spPr>
+        <a:blipFill>
+          <a:blip xmlns:r="http://schemas.openxmlformats.org/officeDocument/2006/relationships" r:embed="rId15">
+            <a:extLst>
+              <a:ext uri="{28A0092B-C50C-407E-A947-70E740481C1C}">
+                <a14:useLocalDpi xmlns:a14="http://schemas.microsoft.com/office/drawing/2010/main" val="0"/>
+              </a:ext>
+              <a:ext uri="{837473B0-CC2E-450A-ABE3-18F120FF3D39}">
+                <a1611:picAttrSrcUrl xmlns:a1611="http://schemas.microsoft.com/office/drawing/2016/11/main" r:id="rId16"/>
+              </a:ext>
+            </a:extLst>
+          </a:blip>
+          <a:srcRect/>
+          <a:stretch>
+            <a:fillRect l="-1000" r="-1000"/>
+          </a:stretch>
+        </a:blipFill>
+      </dgm:spPr>
+    </dgm:pt>
+    <dgm:pt modelId="{33C84E17-B81A-4C0D-A8A6-993C66A4B495}" type="pres">
+      <dgm:prSet presAssocID="{217953FF-C69B-488A-82B9-5C3F07DBAAC5}" presName="txShp" presStyleLbl="node1" presStyleIdx="7" presStyleCnt="9">
+        <dgm:presLayoutVars>
+          <dgm:bulletEnabled val="1"/>
+        </dgm:presLayoutVars>
+      </dgm:prSet>
+      <dgm:spPr/>
+    </dgm:pt>
+    <dgm:pt modelId="{F539B6B0-5FA8-4563-A2A4-965EEADEDD47}" type="pres">
+      <dgm:prSet presAssocID="{7F0149D4-85BE-4ABB-84CB-58EA33E0B74C}" presName="spacing" presStyleCnt="0"/>
+      <dgm:spPr/>
+    </dgm:pt>
+    <dgm:pt modelId="{746CA1EF-0DEF-4558-8E58-987BA0F52CC2}" type="pres">
+      <dgm:prSet presAssocID="{664D1FFC-D80D-4560-BEA1-561E16584FB7}" presName="composite" presStyleCnt="0"/>
+      <dgm:spPr/>
+    </dgm:pt>
+    <dgm:pt modelId="{481A026F-390C-4F6A-B4E0-5BFEE4970D4D}" type="pres">
+      <dgm:prSet presAssocID="{664D1FFC-D80D-4560-BEA1-561E16584FB7}" presName="imgShp" presStyleLbl="fgImgPlace1" presStyleIdx="8" presStyleCnt="9" custLinFactNeighborX="-16579" custLinFactNeighborY="894"/>
+      <dgm:spPr>
+        <a:blipFill>
+          <a:blip xmlns:r="http://schemas.openxmlformats.org/officeDocument/2006/relationships" r:embed="rId17">
+            <a:extLst>
+              <a:ext uri="{28A0092B-C50C-407E-A947-70E740481C1C}">
+                <a14:useLocalDpi xmlns:a14="http://schemas.microsoft.com/office/drawing/2010/main" val="0"/>
+              </a:ext>
+              <a:ext uri="{837473B0-CC2E-450A-ABE3-18F120FF3D39}">
+                <a1611:picAttrSrcUrl xmlns:a1611="http://schemas.microsoft.com/office/drawing/2016/11/main" r:id="rId18"/>
+              </a:ext>
+            </a:extLst>
+          </a:blip>
+          <a:srcRect/>
+          <a:stretch>
+            <a:fillRect l="-69000" r="-69000"/>
+          </a:stretch>
+        </a:blipFill>
+      </dgm:spPr>
+    </dgm:pt>
+    <dgm:pt modelId="{C53C5A45-5663-4B77-BB17-87A9630438F4}" type="pres">
+      <dgm:prSet presAssocID="{664D1FFC-D80D-4560-BEA1-561E16584FB7}" presName="txShp" presStyleLbl="node1" presStyleIdx="8" presStyleCnt="9">
+        <dgm:presLayoutVars>
+          <dgm:bulletEnabled val="1"/>
+        </dgm:presLayoutVars>
+      </dgm:prSet>
+      <dgm:spPr/>
+    </dgm:pt>
+  </dgm:ptLst>
+  <dgm:cxnLst>
+    <dgm:cxn modelId="{4CE43125-003E-4B99-8D0E-8CB3C9415FE5}" type="presOf" srcId="{13C84837-D5D7-4E12-87E7-86506E6E06F1}" destId="{B5085B97-EDF7-4840-A624-182CA497076C}" srcOrd="0" destOrd="0" presId="urn:microsoft.com/office/officeart/2005/8/layout/vList3"/>
+    <dgm:cxn modelId="{B695B330-3005-4453-90A7-D2B974ECBFC3}" srcId="{FB099B35-10B8-438C-9CD2-69FAEBECA79B}" destId="{664D1FFC-D80D-4560-BEA1-561E16584FB7}" srcOrd="8" destOrd="0" parTransId="{D69F3670-6597-4238-8AD9-5B3AD069A6BA}" sibTransId="{7E5F5E61-AC1F-4A46-9E3A-013C7D747033}"/>
+    <dgm:cxn modelId="{CDA4F849-66C4-4377-9BEE-10E2B5E4442F}" type="presOf" srcId="{664D1FFC-D80D-4560-BEA1-561E16584FB7}" destId="{C53C5A45-5663-4B77-BB17-87A9630438F4}" srcOrd="0" destOrd="0" presId="urn:microsoft.com/office/officeart/2005/8/layout/vList3"/>
+    <dgm:cxn modelId="{B5A2C759-7AEB-4771-B91E-37949F21FF29}" srcId="{FB099B35-10B8-438C-9CD2-69FAEBECA79B}" destId="{ACA69067-75C1-4BD5-821D-522FC8DE19F5}" srcOrd="3" destOrd="0" parTransId="{476B741B-6F14-4C48-988E-1A805B5B230F}" sibTransId="{FB640399-B837-4AC1-8902-AF8C741DEBE9}"/>
+    <dgm:cxn modelId="{F02A165A-669D-4B0C-A7EA-D5FC57CF2609}" type="presOf" srcId="{FB099B35-10B8-438C-9CD2-69FAEBECA79B}" destId="{5A0FAAE5-12C3-464C-99C7-80B95F7D9C35}" srcOrd="0" destOrd="0" presId="urn:microsoft.com/office/officeart/2005/8/layout/vList3"/>
+    <dgm:cxn modelId="{2F944385-5445-4FF3-8EAE-BC48AFA2080D}" srcId="{FB099B35-10B8-438C-9CD2-69FAEBECA79B}" destId="{9B69CD9A-8228-4029-989D-92B81E639DC9}" srcOrd="0" destOrd="0" parTransId="{76A0FD78-5DE5-41C2-9B03-29A020E1DF1B}" sibTransId="{43FE0F96-09A4-4956-BB9C-41DAB192ECF1}"/>
+    <dgm:cxn modelId="{B2967788-B88F-45C7-BF72-77AB4A580167}" type="presOf" srcId="{C53E2BCA-DCCD-419B-A3F1-75AD86BF198C}" destId="{F960FD77-330B-4284-8316-A5F125A066C1}" srcOrd="0" destOrd="0" presId="urn:microsoft.com/office/officeart/2005/8/layout/vList3"/>
+    <dgm:cxn modelId="{DC6FFE8D-10E3-412B-8467-6D26DD69A863}" type="presOf" srcId="{6C973CD0-C4BE-474D-9AD9-EC12AD9A0984}" destId="{7C98EBD9-930F-4B44-A907-6D03933E9CCC}" srcOrd="0" destOrd="0" presId="urn:microsoft.com/office/officeart/2005/8/layout/vList3"/>
+    <dgm:cxn modelId="{7B096C9B-6C95-4CF0-BB48-84C96859719D}" type="presOf" srcId="{217953FF-C69B-488A-82B9-5C3F07DBAAC5}" destId="{33C84E17-B81A-4C0D-A8A6-993C66A4B495}" srcOrd="0" destOrd="0" presId="urn:microsoft.com/office/officeart/2005/8/layout/vList3"/>
+    <dgm:cxn modelId="{0194CDC4-28D1-4087-A521-125109CF8F90}" srcId="{FB099B35-10B8-438C-9CD2-69FAEBECA79B}" destId="{6C973CD0-C4BE-474D-9AD9-EC12AD9A0984}" srcOrd="4" destOrd="0" parTransId="{049F277E-593D-400C-B899-33CE452D83F9}" sibTransId="{EE1D60FF-CC80-49BD-BFCC-20FF7B29BA49}"/>
+    <dgm:cxn modelId="{0FB795CC-697B-458E-B330-2A60708525A4}" type="presOf" srcId="{7D6D2AE7-F33E-4B1F-AB23-09137B6B56CF}" destId="{8944368B-9F7C-4BFA-A61D-5F49B74482A3}" srcOrd="0" destOrd="0" presId="urn:microsoft.com/office/officeart/2005/8/layout/vList3"/>
+    <dgm:cxn modelId="{7A41E2CC-B5A5-4445-93F2-A643E185518F}" srcId="{FB099B35-10B8-438C-9CD2-69FAEBECA79B}" destId="{7E1E103B-53A9-40A6-ABBE-B2DB10F753EF}" srcOrd="6" destOrd="0" parTransId="{2735090B-158E-4BA2-BF5D-AEF4317FA840}" sibTransId="{176280C0-9056-4980-8B81-5553FCC838FC}"/>
+    <dgm:cxn modelId="{7BCACAD8-02C6-4975-BC0E-F2AA7F571109}" srcId="{FB099B35-10B8-438C-9CD2-69FAEBECA79B}" destId="{7D6D2AE7-F33E-4B1F-AB23-09137B6B56CF}" srcOrd="1" destOrd="0" parTransId="{06988208-18E6-4D90-8593-4097CAB1B736}" sibTransId="{768CEF3A-2C04-4982-9E65-16A3B73E13B9}"/>
+    <dgm:cxn modelId="{5EAD12E5-E34C-4E20-95E0-80F98DBFE604}" srcId="{FB099B35-10B8-438C-9CD2-69FAEBECA79B}" destId="{13C84837-D5D7-4E12-87E7-86506E6E06F1}" srcOrd="5" destOrd="0" parTransId="{9A928A8B-BCB2-4B37-B121-DCC15348527E}" sibTransId="{51991B9E-997A-450B-8E47-6E5A8869D6D2}"/>
+    <dgm:cxn modelId="{4F935EE9-2048-4900-A428-8B6E37757ACD}" srcId="{FB099B35-10B8-438C-9CD2-69FAEBECA79B}" destId="{C53E2BCA-DCCD-419B-A3F1-75AD86BF198C}" srcOrd="2" destOrd="0" parTransId="{DF6A1067-E253-4642-90FD-51DBFE9CDE38}" sibTransId="{6C91C4FE-9F48-4067-9B9C-F08191A9A58E}"/>
+    <dgm:cxn modelId="{20350AEF-081D-49EF-9E96-659753B2B807}" type="presOf" srcId="{ACA69067-75C1-4BD5-821D-522FC8DE19F5}" destId="{13505AEE-F6D8-423B-83E1-B407D3FDC4E4}" srcOrd="0" destOrd="0" presId="urn:microsoft.com/office/officeart/2005/8/layout/vList3"/>
+    <dgm:cxn modelId="{04AA55F0-FC1D-49ED-957D-88B51033AB7F}" srcId="{FB099B35-10B8-438C-9CD2-69FAEBECA79B}" destId="{217953FF-C69B-488A-82B9-5C3F07DBAAC5}" srcOrd="7" destOrd="0" parTransId="{BFD76546-EB74-4DEA-A351-12A349CF2ECB}" sibTransId="{7F0149D4-85BE-4ABB-84CB-58EA33E0B74C}"/>
+    <dgm:cxn modelId="{487F22F3-50E1-438A-9FA3-C437BA512659}" type="presOf" srcId="{9B69CD9A-8228-4029-989D-92B81E639DC9}" destId="{3DE5D4EB-523B-4398-8EE2-4F92B528654C}" srcOrd="0" destOrd="0" presId="urn:microsoft.com/office/officeart/2005/8/layout/vList3"/>
+    <dgm:cxn modelId="{0020A0FD-2F53-4034-8469-6B273CB67DDD}" type="presOf" srcId="{7E1E103B-53A9-40A6-ABBE-B2DB10F753EF}" destId="{059B0917-0D05-4AD2-BB9E-DB6B04F06287}" srcOrd="0" destOrd="0" presId="urn:microsoft.com/office/officeart/2005/8/layout/vList3"/>
+    <dgm:cxn modelId="{3CFC6587-AE38-4CF8-84F1-0E5EFE5DBB30}" type="presParOf" srcId="{5A0FAAE5-12C3-464C-99C7-80B95F7D9C35}" destId="{A765F23A-286F-49B1-BD4F-1AF92FE94B78}" srcOrd="0" destOrd="0" presId="urn:microsoft.com/office/officeart/2005/8/layout/vList3"/>
+    <dgm:cxn modelId="{4FBEB620-A897-4B2B-B42B-8907BBE94956}" type="presParOf" srcId="{A765F23A-286F-49B1-BD4F-1AF92FE94B78}" destId="{670E73FC-433A-448F-B0CC-BCA459EDC19E}" srcOrd="0" destOrd="0" presId="urn:microsoft.com/office/officeart/2005/8/layout/vList3"/>
+    <dgm:cxn modelId="{86F591F4-0D41-48EF-A1EE-7C10F0800ABB}" type="presParOf" srcId="{A765F23A-286F-49B1-BD4F-1AF92FE94B78}" destId="{3DE5D4EB-523B-4398-8EE2-4F92B528654C}" srcOrd="1" destOrd="0" presId="urn:microsoft.com/office/officeart/2005/8/layout/vList3"/>
+    <dgm:cxn modelId="{548F3221-9FCC-420C-8F34-C3A78E6D9011}" type="presParOf" srcId="{5A0FAAE5-12C3-464C-99C7-80B95F7D9C35}" destId="{A2B405D1-09DE-452E-B7C8-09ECB5608C15}" srcOrd="1" destOrd="0" presId="urn:microsoft.com/office/officeart/2005/8/layout/vList3"/>
+    <dgm:cxn modelId="{9C25A322-1CBC-4E74-83FF-F0521BDA8CE3}" type="presParOf" srcId="{5A0FAAE5-12C3-464C-99C7-80B95F7D9C35}" destId="{C2BBA608-91BA-45EB-A173-839D35A7B569}" srcOrd="2" destOrd="0" presId="urn:microsoft.com/office/officeart/2005/8/layout/vList3"/>
+    <dgm:cxn modelId="{0A96F3DC-423C-41D4-9BE7-2923FD8DE301}" type="presParOf" srcId="{C2BBA608-91BA-45EB-A173-839D35A7B569}" destId="{51C7991E-5881-45E2-B40B-FE5AA1E4584D}" srcOrd="0" destOrd="0" presId="urn:microsoft.com/office/officeart/2005/8/layout/vList3"/>
+    <dgm:cxn modelId="{D59BA043-6427-4F58-9629-658FB74685DF}" type="presParOf" srcId="{C2BBA608-91BA-45EB-A173-839D35A7B569}" destId="{8944368B-9F7C-4BFA-A61D-5F49B74482A3}" srcOrd="1" destOrd="0" presId="urn:microsoft.com/office/officeart/2005/8/layout/vList3"/>
+    <dgm:cxn modelId="{35C96205-519A-4A1B-8B71-7B94857D8B4A}" type="presParOf" srcId="{5A0FAAE5-12C3-464C-99C7-80B95F7D9C35}" destId="{DD607185-76F4-457C-8CE7-9C4A810C3A1D}" srcOrd="3" destOrd="0" presId="urn:microsoft.com/office/officeart/2005/8/layout/vList3"/>
+    <dgm:cxn modelId="{3AB5DFA4-FBF3-4FCE-82D6-DE07CF256A6E}" type="presParOf" srcId="{5A0FAAE5-12C3-464C-99C7-80B95F7D9C35}" destId="{8012D124-FC9F-450D-A08B-568741EA7E73}" srcOrd="4" destOrd="0" presId="urn:microsoft.com/office/officeart/2005/8/layout/vList3"/>
+    <dgm:cxn modelId="{1F6E3C67-32BC-44B6-9361-9E7AC579B9C2}" type="presParOf" srcId="{8012D124-FC9F-450D-A08B-568741EA7E73}" destId="{C77C183E-CBD4-41B3-AB2C-E5E6490CF5CD}" srcOrd="0" destOrd="0" presId="urn:microsoft.com/office/officeart/2005/8/layout/vList3"/>
+    <dgm:cxn modelId="{E2E37757-85D1-4C2B-BA46-240F3004B1B2}" type="presParOf" srcId="{8012D124-FC9F-450D-A08B-568741EA7E73}" destId="{F960FD77-330B-4284-8316-A5F125A066C1}" srcOrd="1" destOrd="0" presId="urn:microsoft.com/office/officeart/2005/8/layout/vList3"/>
+    <dgm:cxn modelId="{7D70489E-7296-4FC7-95F4-AB5C0FC6E7B9}" type="presParOf" srcId="{5A0FAAE5-12C3-464C-99C7-80B95F7D9C35}" destId="{A5CEF351-6A85-427E-9003-6918CE3581BE}" srcOrd="5" destOrd="0" presId="urn:microsoft.com/office/officeart/2005/8/layout/vList3"/>
+    <dgm:cxn modelId="{B7DEF9B5-12BF-425E-A91D-9CA1CCA5F3F7}" type="presParOf" srcId="{5A0FAAE5-12C3-464C-99C7-80B95F7D9C35}" destId="{5CE65432-48ED-43AE-A279-82B6C0218F40}" srcOrd="6" destOrd="0" presId="urn:microsoft.com/office/officeart/2005/8/layout/vList3"/>
+    <dgm:cxn modelId="{B69F0A30-298C-49AF-96C3-F1D212D13CB6}" type="presParOf" srcId="{5CE65432-48ED-43AE-A279-82B6C0218F40}" destId="{ABD12492-24AA-428E-BE08-762668589567}" srcOrd="0" destOrd="0" presId="urn:microsoft.com/office/officeart/2005/8/layout/vList3"/>
+    <dgm:cxn modelId="{53426CD8-8596-40E4-A99A-566B51EB607E}" type="presParOf" srcId="{5CE65432-48ED-43AE-A279-82B6C0218F40}" destId="{13505AEE-F6D8-423B-83E1-B407D3FDC4E4}" srcOrd="1" destOrd="0" presId="urn:microsoft.com/office/officeart/2005/8/layout/vList3"/>
+    <dgm:cxn modelId="{59731EC6-47FE-4C2F-8E86-FF3279553126}" type="presParOf" srcId="{5A0FAAE5-12C3-464C-99C7-80B95F7D9C35}" destId="{EC5EFF01-F3F5-4D74-BE6B-02DEA80A6B03}" srcOrd="7" destOrd="0" presId="urn:microsoft.com/office/officeart/2005/8/layout/vList3"/>
+    <dgm:cxn modelId="{556C5E8E-955D-4F6C-BFB1-50FF0B4A8855}" type="presParOf" srcId="{5A0FAAE5-12C3-464C-99C7-80B95F7D9C35}" destId="{F90784A7-753F-42B0-9FAF-55FB2837D341}" srcOrd="8" destOrd="0" presId="urn:microsoft.com/office/officeart/2005/8/layout/vList3"/>
+    <dgm:cxn modelId="{47BE3ABB-574E-4695-A3CC-1A447037E93A}" type="presParOf" srcId="{F90784A7-753F-42B0-9FAF-55FB2837D341}" destId="{515CD3FC-0142-406F-BC9C-A0C3D5571ACE}" srcOrd="0" destOrd="0" presId="urn:microsoft.com/office/officeart/2005/8/layout/vList3"/>
+    <dgm:cxn modelId="{684E3912-8282-4F5C-8668-C128230431AA}" type="presParOf" srcId="{F90784A7-753F-42B0-9FAF-55FB2837D341}" destId="{7C98EBD9-930F-4B44-A907-6D03933E9CCC}" srcOrd="1" destOrd="0" presId="urn:microsoft.com/office/officeart/2005/8/layout/vList3"/>
+    <dgm:cxn modelId="{B8B3EBB3-3E72-4D91-8720-A575F76612C1}" type="presParOf" srcId="{5A0FAAE5-12C3-464C-99C7-80B95F7D9C35}" destId="{73332E2D-DC0C-4EDF-A431-BA3462A71898}" srcOrd="9" destOrd="0" presId="urn:microsoft.com/office/officeart/2005/8/layout/vList3"/>
+    <dgm:cxn modelId="{1E1F0CE6-212E-4F72-B81E-BD3B3B8F42AF}" type="presParOf" srcId="{5A0FAAE5-12C3-464C-99C7-80B95F7D9C35}" destId="{A8F4E6F9-04FF-494E-8D65-D0CA210D4474}" srcOrd="10" destOrd="0" presId="urn:microsoft.com/office/officeart/2005/8/layout/vList3"/>
+    <dgm:cxn modelId="{4ED5C5E6-D277-4315-B50F-F8147A990CF4}" type="presParOf" srcId="{A8F4E6F9-04FF-494E-8D65-D0CA210D4474}" destId="{FF0EE51A-DC59-4747-83BA-F823F63ABF18}" srcOrd="0" destOrd="0" presId="urn:microsoft.com/office/officeart/2005/8/layout/vList3"/>
+    <dgm:cxn modelId="{7E4F762F-76F8-479F-A06B-BEE58A481CEB}" type="presParOf" srcId="{A8F4E6F9-04FF-494E-8D65-D0CA210D4474}" destId="{B5085B97-EDF7-4840-A624-182CA497076C}" srcOrd="1" destOrd="0" presId="urn:microsoft.com/office/officeart/2005/8/layout/vList3"/>
+    <dgm:cxn modelId="{1973882C-E54C-45BD-8A37-A032A89BE7EE}" type="presParOf" srcId="{5A0FAAE5-12C3-464C-99C7-80B95F7D9C35}" destId="{B1E92C26-E856-40F4-A535-06563ADD0374}" srcOrd="11" destOrd="0" presId="urn:microsoft.com/office/officeart/2005/8/layout/vList3"/>
+    <dgm:cxn modelId="{5EC8153E-79EA-4D16-93C9-88754EED8B20}" type="presParOf" srcId="{5A0FAAE5-12C3-464C-99C7-80B95F7D9C35}" destId="{C47036D3-3AE4-4BFC-B31A-891FF16BDEBF}" srcOrd="12" destOrd="0" presId="urn:microsoft.com/office/officeart/2005/8/layout/vList3"/>
+    <dgm:cxn modelId="{94F35829-7DD0-4472-96E3-49E61C975BB4}" type="presParOf" srcId="{C47036D3-3AE4-4BFC-B31A-891FF16BDEBF}" destId="{0ED5E89E-ED62-4D85-8CE8-80671AF27F14}" srcOrd="0" destOrd="0" presId="urn:microsoft.com/office/officeart/2005/8/layout/vList3"/>
+    <dgm:cxn modelId="{04F8A375-20ED-4C54-A05C-4092952F851C}" type="presParOf" srcId="{C47036D3-3AE4-4BFC-B31A-891FF16BDEBF}" destId="{059B0917-0D05-4AD2-BB9E-DB6B04F06287}" srcOrd="1" destOrd="0" presId="urn:microsoft.com/office/officeart/2005/8/layout/vList3"/>
+    <dgm:cxn modelId="{21D46054-5738-4BBA-8341-A805397D71A3}" type="presParOf" srcId="{5A0FAAE5-12C3-464C-99C7-80B95F7D9C35}" destId="{3DC7B878-73E8-4978-A946-354CA337B84D}" srcOrd="13" destOrd="0" presId="urn:microsoft.com/office/officeart/2005/8/layout/vList3"/>
+    <dgm:cxn modelId="{6A6E9F9D-9288-4B07-A9FC-0ABB21F2FDFF}" type="presParOf" srcId="{5A0FAAE5-12C3-464C-99C7-80B95F7D9C35}" destId="{944DEA7D-4655-493F-A597-6B00CC2D46B0}" srcOrd="14" destOrd="0" presId="urn:microsoft.com/office/officeart/2005/8/layout/vList3"/>
+    <dgm:cxn modelId="{7E5CF212-DFF7-45C8-9983-A4A8F67AB04D}" type="presParOf" srcId="{944DEA7D-4655-493F-A597-6B00CC2D46B0}" destId="{9BBE7B35-74CC-4060-9A58-73D02BFCE0CC}" srcOrd="0" destOrd="0" presId="urn:microsoft.com/office/officeart/2005/8/layout/vList3"/>
+    <dgm:cxn modelId="{A64C7612-EC56-4A21-9FD0-8511B2F83079}" type="presParOf" srcId="{944DEA7D-4655-493F-A597-6B00CC2D46B0}" destId="{33C84E17-B81A-4C0D-A8A6-993C66A4B495}" srcOrd="1" destOrd="0" presId="urn:microsoft.com/office/officeart/2005/8/layout/vList3"/>
+    <dgm:cxn modelId="{90DA7E21-C358-4469-ACA7-64158B602CB1}" type="presParOf" srcId="{5A0FAAE5-12C3-464C-99C7-80B95F7D9C35}" destId="{F539B6B0-5FA8-4563-A2A4-965EEADEDD47}" srcOrd="15" destOrd="0" presId="urn:microsoft.com/office/officeart/2005/8/layout/vList3"/>
+    <dgm:cxn modelId="{F369E6B7-BB07-464D-8029-5512CDBE9B49}" type="presParOf" srcId="{5A0FAAE5-12C3-464C-99C7-80B95F7D9C35}" destId="{746CA1EF-0DEF-4558-8E58-987BA0F52CC2}" srcOrd="16" destOrd="0" presId="urn:microsoft.com/office/officeart/2005/8/layout/vList3"/>
+    <dgm:cxn modelId="{AE2D3E62-6E5F-4824-8C76-2F8F4DF49677}" type="presParOf" srcId="{746CA1EF-0DEF-4558-8E58-987BA0F52CC2}" destId="{481A026F-390C-4F6A-B4E0-5BFEE4970D4D}" srcOrd="0" destOrd="0" presId="urn:microsoft.com/office/officeart/2005/8/layout/vList3"/>
+    <dgm:cxn modelId="{1EDA3E1A-FE66-4D50-90CF-C61B5651DC64}" type="presParOf" srcId="{746CA1EF-0DEF-4558-8E58-987BA0F52CC2}" destId="{C53C5A45-5663-4B77-BB17-87A9630438F4}" srcOrd="1" destOrd="0" presId="urn:microsoft.com/office/officeart/2005/8/layout/vList3"/>
+  </dgm:cxnLst>
+  <dgm:bg/>
+  <dgm:whole/>
+  <dgm:extLst>
+    <a:ext uri="http://schemas.microsoft.com/office/drawing/2008/diagram">
+      <dsp:dataModelExt xmlns:dsp="http://schemas.microsoft.com/office/drawing/2008/diagram" relId="rId6" minVer="http://schemas.openxmlformats.org/drawingml/2006/diagram"/>
+    </a:ext>
+  </dgm:extLst>
+</dgm:dataModel>
+</file>
+
+<file path=ppt/diagrams/drawing1.xml><?xml version="1.0" encoding="utf-8"?>
+<dsp:drawing xmlns:dgm="http://schemas.openxmlformats.org/drawingml/2006/diagram" xmlns:dsp="http://schemas.microsoft.com/office/drawing/2008/diagram" xmlns:a="http://schemas.openxmlformats.org/drawingml/2006/main">
+  <dsp:spTree>
+    <dsp:nvGrpSpPr>
+      <dsp:cNvPr id="0" name=""/>
+      <dsp:cNvGrpSpPr/>
+    </dsp:nvGrpSpPr>
+    <dsp:grpSpPr/>
+    <dsp:sp modelId="{3DE5D4EB-523B-4398-8EE2-4F92B528654C}">
+      <dsp:nvSpPr>
+        <dsp:cNvPr id="0" name=""/>
+        <dsp:cNvSpPr/>
+      </dsp:nvSpPr>
+      <dsp:spPr>
+        <a:xfrm rot="10800000">
+          <a:off x="2192421" y="5377"/>
+          <a:ext cx="8107463" cy="601264"/>
+        </a:xfrm>
+        <a:prstGeom prst="homePlate">
+          <a:avLst/>
+        </a:prstGeom>
+        <a:solidFill>
+          <a:schemeClr val="accent1">
+            <a:hueOff val="0"/>
+            <a:satOff val="0"/>
+            <a:lumOff val="0"/>
+            <a:alphaOff val="0"/>
+          </a:schemeClr>
+        </a:solidFill>
+        <a:ln>
+          <a:noFill/>
+        </a:ln>
+        <a:effectLst/>
+        <a:sp3d extrusionH="50600" prstMaterial="metal">
+          <a:bevelT w="101600" h="80600" prst="relaxedInset"/>
+          <a:bevelB w="80600" h="80600" prst="relaxedInset"/>
+        </a:sp3d>
+      </dsp:spPr>
+      <dsp:style>
+        <a:lnRef idx="0">
+          <a:scrgbClr r="0" g="0" b="0"/>
+        </a:lnRef>
+        <a:fillRef idx="1">
+          <a:scrgbClr r="0" g="0" b="0"/>
+        </a:fillRef>
+        <a:effectRef idx="1">
+          <a:scrgbClr r="0" g="0" b="0"/>
+        </a:effectRef>
+        <a:fontRef idx="minor">
+          <a:schemeClr val="dk1"/>
+        </a:fontRef>
+      </dsp:style>
+      <dsp:txBody>
+        <a:bodyPr spcFirstLastPara="0" vert="horz" wrap="square" lIns="265141" tIns="91440" rIns="170688" bIns="91440" numCol="1" spcCol="1270" anchor="ctr" anchorCtr="0">
+          <a:noAutofit/>
+        </a:bodyPr>
+        <a:lstStyle/>
+        <a:p>
+          <a:pPr marL="0" lvl="0" indent="0" algn="l" defTabSz="1066800">
+            <a:lnSpc>
+              <a:spcPct val="90000"/>
+            </a:lnSpc>
+            <a:spcBef>
+              <a:spcPct val="0"/>
+            </a:spcBef>
+            <a:spcAft>
+              <a:spcPct val="35000"/>
+            </a:spcAft>
+            <a:buNone/>
+          </a:pPr>
+          <a:r>
+            <a:rPr lang="en-US" sz="2400" b="1" kern="1200" dirty="0">
+              <a:effectLst>
+                <a:outerShdw blurRad="38100" dist="38100" dir="2700000" algn="tl">
+                  <a:srgbClr val="000000">
+                    <a:alpha val="43137"/>
+                  </a:srgbClr>
+                </a:outerShdw>
+              </a:effectLst>
+            </a:rPr>
+            <a:t>1. Research Questions</a:t>
+          </a:r>
+        </a:p>
+      </dsp:txBody>
+      <dsp:txXfrm rot="10800000">
+        <a:off x="2342737" y="5377"/>
+        <a:ext cx="7957147" cy="601264"/>
+      </dsp:txXfrm>
+    </dsp:sp>
+    <dsp:sp modelId="{670E73FC-433A-448F-B0CC-BCA459EDC19E}">
+      <dsp:nvSpPr>
+        <dsp:cNvPr id="0" name=""/>
+        <dsp:cNvSpPr/>
+      </dsp:nvSpPr>
+      <dsp:spPr>
+        <a:xfrm>
+          <a:off x="1891789" y="5377"/>
+          <a:ext cx="601264" cy="601264"/>
+        </a:xfrm>
+        <a:prstGeom prst="ellipse">
+          <a:avLst/>
+        </a:prstGeom>
+        <a:blipFill>
+          <a:blip xmlns:r="http://schemas.openxmlformats.org/officeDocument/2006/relationships" r:embed="rId1">
+            <a:extLst>
+              <a:ext uri="{28A0092B-C50C-407E-A947-70E740481C1C}">
+                <a14:useLocalDpi xmlns:a14="http://schemas.microsoft.com/office/drawing/2010/main" val="0"/>
+              </a:ext>
+              <a:ext uri="{837473B0-CC2E-450A-ABE3-18F120FF3D39}">
+                <a1611:picAttrSrcUrl xmlns:a1611="http://schemas.microsoft.com/office/drawing/2016/11/main" r:id="rId2"/>
+              </a:ext>
+            </a:extLst>
+          </a:blip>
+          <a:srcRect/>
+          <a:stretch>
+            <a:fillRect/>
+          </a:stretch>
+        </a:blipFill>
+        <a:ln>
+          <a:noFill/>
+        </a:ln>
+        <a:effectLst/>
+        <a:sp3d z="57200" extrusionH="10600" prstMaterial="plastic">
+          <a:bevelT w="101600" h="8600" prst="relaxedInset"/>
+          <a:bevelB w="8600" h="8600" prst="relaxedInset"/>
+        </a:sp3d>
+      </dsp:spPr>
+      <dsp:style>
+        <a:lnRef idx="0">
+          <a:scrgbClr r="0" g="0" b="0"/>
+        </a:lnRef>
+        <a:fillRef idx="1">
+          <a:scrgbClr r="0" g="0" b="0"/>
+        </a:fillRef>
+        <a:effectRef idx="1">
+          <a:scrgbClr r="0" g="0" b="0"/>
+        </a:effectRef>
+        <a:fontRef idx="minor"/>
+      </dsp:style>
+    </dsp:sp>
+    <dsp:sp modelId="{8944368B-9F7C-4BFA-A61D-5F49B74482A3}">
+      <dsp:nvSpPr>
+        <dsp:cNvPr id="0" name=""/>
+        <dsp:cNvSpPr/>
+      </dsp:nvSpPr>
+      <dsp:spPr>
+        <a:xfrm rot="10800000">
+          <a:off x="2192421" y="786123"/>
+          <a:ext cx="8107463" cy="601264"/>
+        </a:xfrm>
+        <a:prstGeom prst="homePlate">
+          <a:avLst/>
+        </a:prstGeom>
+        <a:solidFill>
+          <a:schemeClr val="accent1">
+            <a:hueOff val="0"/>
+            <a:satOff val="0"/>
+            <a:lumOff val="0"/>
+            <a:alphaOff val="0"/>
+          </a:schemeClr>
+        </a:solidFill>
+        <a:ln>
+          <a:noFill/>
+        </a:ln>
+        <a:effectLst/>
+        <a:sp3d extrusionH="50600" prstMaterial="metal">
+          <a:bevelT w="101600" h="80600" prst="relaxedInset"/>
+          <a:bevelB w="80600" h="80600" prst="relaxedInset"/>
+        </a:sp3d>
+      </dsp:spPr>
+      <dsp:style>
+        <a:lnRef idx="0">
+          <a:scrgbClr r="0" g="0" b="0"/>
+        </a:lnRef>
+        <a:fillRef idx="1">
+          <a:scrgbClr r="0" g="0" b="0"/>
+        </a:fillRef>
+        <a:effectRef idx="1">
+          <a:scrgbClr r="0" g="0" b="0"/>
+        </a:effectRef>
+        <a:fontRef idx="minor">
+          <a:schemeClr val="dk1"/>
+        </a:fontRef>
+      </dsp:style>
+      <dsp:txBody>
+        <a:bodyPr spcFirstLastPara="0" vert="horz" wrap="square" lIns="265141" tIns="91440" rIns="170688" bIns="91440" numCol="1" spcCol="1270" anchor="ctr" anchorCtr="0">
+          <a:noAutofit/>
+        </a:bodyPr>
+        <a:lstStyle/>
+        <a:p>
+          <a:pPr marL="0" lvl="0" indent="0" algn="l" defTabSz="1066800">
+            <a:lnSpc>
+              <a:spcPct val="90000"/>
+            </a:lnSpc>
+            <a:spcBef>
+              <a:spcPct val="0"/>
+            </a:spcBef>
+            <a:spcAft>
+              <a:spcPct val="35000"/>
+            </a:spcAft>
+            <a:buNone/>
+          </a:pPr>
+          <a:r>
+            <a:rPr lang="en-US" sz="2400" b="1" kern="1200" dirty="0">
+              <a:effectLst>
+                <a:outerShdw blurRad="38100" dist="38100" dir="2700000" algn="tl">
+                  <a:srgbClr val="000000">
+                    <a:alpha val="43137"/>
+                  </a:srgbClr>
+                </a:outerShdw>
+              </a:effectLst>
+            </a:rPr>
+            <a:t>2. Business Objective</a:t>
+          </a:r>
+        </a:p>
+      </dsp:txBody>
+      <dsp:txXfrm rot="10800000">
+        <a:off x="2342737" y="786123"/>
+        <a:ext cx="7957147" cy="601264"/>
+      </dsp:txXfrm>
+    </dsp:sp>
+    <dsp:sp modelId="{51C7991E-5881-45E2-B40B-FE5AA1E4584D}">
+      <dsp:nvSpPr>
+        <dsp:cNvPr id="0" name=""/>
+        <dsp:cNvSpPr/>
+      </dsp:nvSpPr>
+      <dsp:spPr>
+        <a:xfrm>
+          <a:off x="1891789" y="786123"/>
+          <a:ext cx="601264" cy="601264"/>
+        </a:xfrm>
+        <a:prstGeom prst="ellipse">
+          <a:avLst/>
+        </a:prstGeom>
+        <a:blipFill>
+          <a:blip xmlns:r="http://schemas.openxmlformats.org/officeDocument/2006/relationships" r:embed="rId3">
+            <a:extLst>
+              <a:ext uri="{28A0092B-C50C-407E-A947-70E740481C1C}">
+                <a14:useLocalDpi xmlns:a14="http://schemas.microsoft.com/office/drawing/2010/main" val="0"/>
+              </a:ext>
+              <a:ext uri="{837473B0-CC2E-450A-ABE3-18F120FF3D39}">
+                <a1611:picAttrSrcUrl xmlns:a1611="http://schemas.microsoft.com/office/drawing/2016/11/main" r:id="rId4"/>
+              </a:ext>
+            </a:extLst>
+          </a:blip>
+          <a:srcRect/>
+          <a:stretch>
+            <a:fillRect l="-25000" r="-25000"/>
+          </a:stretch>
+        </a:blipFill>
+        <a:ln>
+          <a:noFill/>
+        </a:ln>
+        <a:effectLst/>
+        <a:sp3d z="57200" extrusionH="10600" prstMaterial="plastic">
+          <a:bevelT w="101600" h="8600" prst="relaxedInset"/>
+          <a:bevelB w="8600" h="8600" prst="relaxedInset"/>
+        </a:sp3d>
+      </dsp:spPr>
+      <dsp:style>
+        <a:lnRef idx="0">
+          <a:scrgbClr r="0" g="0" b="0"/>
+        </a:lnRef>
+        <a:fillRef idx="1">
+          <a:scrgbClr r="0" g="0" b="0"/>
+        </a:fillRef>
+        <a:effectRef idx="1">
+          <a:scrgbClr r="0" g="0" b="0"/>
+        </a:effectRef>
+        <a:fontRef idx="minor"/>
+      </dsp:style>
+    </dsp:sp>
+    <dsp:sp modelId="{F960FD77-330B-4284-8316-A5F125A066C1}">
+      <dsp:nvSpPr>
+        <dsp:cNvPr id="0" name=""/>
+        <dsp:cNvSpPr/>
+      </dsp:nvSpPr>
+      <dsp:spPr>
+        <a:xfrm rot="10800000">
+          <a:off x="2192421" y="1566869"/>
+          <a:ext cx="8107463" cy="601264"/>
+        </a:xfrm>
+        <a:prstGeom prst="homePlate">
+          <a:avLst/>
+        </a:prstGeom>
+        <a:solidFill>
+          <a:schemeClr val="accent1">
+            <a:hueOff val="0"/>
+            <a:satOff val="0"/>
+            <a:lumOff val="0"/>
+            <a:alphaOff val="0"/>
+          </a:schemeClr>
+        </a:solidFill>
+        <a:ln>
+          <a:noFill/>
+        </a:ln>
+        <a:effectLst/>
+        <a:sp3d extrusionH="50600" prstMaterial="metal">
+          <a:bevelT w="101600" h="80600" prst="relaxedInset"/>
+          <a:bevelB w="80600" h="80600" prst="relaxedInset"/>
+        </a:sp3d>
+      </dsp:spPr>
+      <dsp:style>
+        <a:lnRef idx="0">
+          <a:scrgbClr r="0" g="0" b="0"/>
+        </a:lnRef>
+        <a:fillRef idx="1">
+          <a:scrgbClr r="0" g="0" b="0"/>
+        </a:fillRef>
+        <a:effectRef idx="1">
+          <a:scrgbClr r="0" g="0" b="0"/>
+        </a:effectRef>
+        <a:fontRef idx="minor">
+          <a:schemeClr val="dk1"/>
+        </a:fontRef>
+      </dsp:style>
+      <dsp:txBody>
+        <a:bodyPr spcFirstLastPara="0" vert="horz" wrap="square" lIns="265141" tIns="91440" rIns="170688" bIns="91440" numCol="1" spcCol="1270" anchor="ctr" anchorCtr="0">
+          <a:noAutofit/>
+        </a:bodyPr>
+        <a:lstStyle/>
+        <a:p>
+          <a:pPr marL="0" lvl="0" indent="0" algn="l" defTabSz="1066800">
+            <a:lnSpc>
+              <a:spcPct val="90000"/>
+            </a:lnSpc>
+            <a:spcBef>
+              <a:spcPct val="0"/>
+            </a:spcBef>
+            <a:spcAft>
+              <a:spcPct val="35000"/>
+            </a:spcAft>
+            <a:buNone/>
+          </a:pPr>
+          <a:r>
+            <a:rPr lang="en-US" sz="2400" b="1" kern="1200" dirty="0">
+              <a:effectLst>
+                <a:outerShdw blurRad="38100" dist="38100" dir="2700000" algn="tl">
+                  <a:srgbClr val="000000">
+                    <a:alpha val="43137"/>
+                  </a:srgbClr>
+                </a:outerShdw>
+              </a:effectLst>
+            </a:rPr>
+            <a:t>3. Data Manipulation</a:t>
+          </a:r>
+        </a:p>
+      </dsp:txBody>
+      <dsp:txXfrm rot="10800000">
+        <a:off x="2342737" y="1566869"/>
+        <a:ext cx="7957147" cy="601264"/>
+      </dsp:txXfrm>
+    </dsp:sp>
+    <dsp:sp modelId="{C77C183E-CBD4-41B3-AB2C-E5E6490CF5CD}">
+      <dsp:nvSpPr>
+        <dsp:cNvPr id="0" name=""/>
+        <dsp:cNvSpPr/>
+      </dsp:nvSpPr>
+      <dsp:spPr>
+        <a:xfrm>
+          <a:off x="1891789" y="1566869"/>
+          <a:ext cx="601264" cy="601264"/>
+        </a:xfrm>
+        <a:prstGeom prst="ellipse">
+          <a:avLst/>
+        </a:prstGeom>
+        <a:blipFill>
+          <a:blip xmlns:r="http://schemas.openxmlformats.org/officeDocument/2006/relationships" r:embed="rId5">
+            <a:extLst>
+              <a:ext uri="{28A0092B-C50C-407E-A947-70E740481C1C}">
+                <a14:useLocalDpi xmlns:a14="http://schemas.microsoft.com/office/drawing/2010/main" val="0"/>
+              </a:ext>
+              <a:ext uri="{837473B0-CC2E-450A-ABE3-18F120FF3D39}">
+                <a1611:picAttrSrcUrl xmlns:a1611="http://schemas.microsoft.com/office/drawing/2016/11/main" r:id="rId6"/>
+              </a:ext>
+            </a:extLst>
+          </a:blip>
+          <a:srcRect/>
+          <a:stretch>
+            <a:fillRect l="-11000" r="-11000"/>
+          </a:stretch>
+        </a:blipFill>
+        <a:ln>
+          <a:noFill/>
+        </a:ln>
+        <a:effectLst/>
+        <a:sp3d z="57200" extrusionH="10600" prstMaterial="plastic">
+          <a:bevelT w="101600" h="8600" prst="relaxedInset"/>
+          <a:bevelB w="8600" h="8600" prst="relaxedInset"/>
+        </a:sp3d>
+      </dsp:spPr>
+      <dsp:style>
+        <a:lnRef idx="0">
+          <a:scrgbClr r="0" g="0" b="0"/>
+        </a:lnRef>
+        <a:fillRef idx="1">
+          <a:scrgbClr r="0" g="0" b="0"/>
+        </a:fillRef>
+        <a:effectRef idx="1">
+          <a:scrgbClr r="0" g="0" b="0"/>
+        </a:effectRef>
+        <a:fontRef idx="minor"/>
+      </dsp:style>
+    </dsp:sp>
+    <dsp:sp modelId="{13505AEE-F6D8-423B-83E1-B407D3FDC4E4}">
+      <dsp:nvSpPr>
+        <dsp:cNvPr id="0" name=""/>
+        <dsp:cNvSpPr/>
+      </dsp:nvSpPr>
+      <dsp:spPr>
+        <a:xfrm rot="10800000">
+          <a:off x="2192421" y="2347616"/>
+          <a:ext cx="8107463" cy="601264"/>
+        </a:xfrm>
+        <a:prstGeom prst="homePlate">
+          <a:avLst/>
+        </a:prstGeom>
+        <a:solidFill>
+          <a:schemeClr val="accent1">
+            <a:hueOff val="0"/>
+            <a:satOff val="0"/>
+            <a:lumOff val="0"/>
+            <a:alphaOff val="0"/>
+          </a:schemeClr>
+        </a:solidFill>
+        <a:ln>
+          <a:noFill/>
+        </a:ln>
+        <a:effectLst/>
+        <a:sp3d extrusionH="50600" prstMaterial="metal">
+          <a:bevelT w="101600" h="80600" prst="relaxedInset"/>
+          <a:bevelB w="80600" h="80600" prst="relaxedInset"/>
+        </a:sp3d>
+      </dsp:spPr>
+      <dsp:style>
+        <a:lnRef idx="0">
+          <a:scrgbClr r="0" g="0" b="0"/>
+        </a:lnRef>
+        <a:fillRef idx="1">
+          <a:scrgbClr r="0" g="0" b="0"/>
+        </a:fillRef>
+        <a:effectRef idx="1">
+          <a:scrgbClr r="0" g="0" b="0"/>
+        </a:effectRef>
+        <a:fontRef idx="minor">
+          <a:schemeClr val="dk1"/>
+        </a:fontRef>
+      </dsp:style>
+      <dsp:txBody>
+        <a:bodyPr spcFirstLastPara="0" vert="horz" wrap="square" lIns="265141" tIns="91440" rIns="170688" bIns="91440" numCol="1" spcCol="1270" anchor="ctr" anchorCtr="0">
+          <a:noAutofit/>
+        </a:bodyPr>
+        <a:lstStyle/>
+        <a:p>
+          <a:pPr marL="0" lvl="0" indent="0" algn="l" defTabSz="1066800">
+            <a:lnSpc>
+              <a:spcPct val="90000"/>
+            </a:lnSpc>
+            <a:spcBef>
+              <a:spcPct val="0"/>
+            </a:spcBef>
+            <a:spcAft>
+              <a:spcPct val="35000"/>
+            </a:spcAft>
+            <a:buNone/>
+          </a:pPr>
+          <a:r>
+            <a:rPr lang="en-US" sz="2400" b="1" kern="1200" dirty="0">
+              <a:effectLst>
+                <a:outerShdw blurRad="38100" dist="38100" dir="2700000" algn="tl">
+                  <a:srgbClr val="000000">
+                    <a:alpha val="43137"/>
+                  </a:srgbClr>
+                </a:outerShdw>
+              </a:effectLst>
+            </a:rPr>
+            <a:t>4. Coding Approach</a:t>
+          </a:r>
+        </a:p>
+      </dsp:txBody>
+      <dsp:txXfrm rot="10800000">
+        <a:off x="2342737" y="2347616"/>
+        <a:ext cx="7957147" cy="601264"/>
+      </dsp:txXfrm>
+    </dsp:sp>
+    <dsp:sp modelId="{ABD12492-24AA-428E-BE08-762668589567}">
+      <dsp:nvSpPr>
+        <dsp:cNvPr id="0" name=""/>
+        <dsp:cNvSpPr/>
+      </dsp:nvSpPr>
+      <dsp:spPr>
+        <a:xfrm>
+          <a:off x="1891789" y="2347616"/>
+          <a:ext cx="601264" cy="601264"/>
+        </a:xfrm>
+        <a:prstGeom prst="ellipse">
+          <a:avLst/>
+        </a:prstGeom>
+        <a:blipFill>
+          <a:blip xmlns:r="http://schemas.openxmlformats.org/officeDocument/2006/relationships" r:embed="rId7">
+            <a:extLst>
+              <a:ext uri="{28A0092B-C50C-407E-A947-70E740481C1C}">
+                <a14:useLocalDpi xmlns:a14="http://schemas.microsoft.com/office/drawing/2010/main" val="0"/>
+              </a:ext>
+              <a:ext uri="{837473B0-CC2E-450A-ABE3-18F120FF3D39}">
+                <a1611:picAttrSrcUrl xmlns:a1611="http://schemas.microsoft.com/office/drawing/2016/11/main" r:id="rId8"/>
+              </a:ext>
+            </a:extLst>
+          </a:blip>
+          <a:srcRect/>
+          <a:stretch>
+            <a:fillRect l="-24000" r="-24000"/>
+          </a:stretch>
+        </a:blipFill>
+        <a:ln>
+          <a:noFill/>
+        </a:ln>
+        <a:effectLst/>
+        <a:sp3d z="57200" extrusionH="10600" prstMaterial="plastic">
+          <a:bevelT w="101600" h="8600" prst="relaxedInset"/>
+          <a:bevelB w="8600" h="8600" prst="relaxedInset"/>
+        </a:sp3d>
+      </dsp:spPr>
+      <dsp:style>
+        <a:lnRef idx="0">
+          <a:scrgbClr r="0" g="0" b="0"/>
+        </a:lnRef>
+        <a:fillRef idx="1">
+          <a:scrgbClr r="0" g="0" b="0"/>
+        </a:fillRef>
+        <a:effectRef idx="1">
+          <a:scrgbClr r="0" g="0" b="0"/>
+        </a:effectRef>
+        <a:fontRef idx="minor"/>
+      </dsp:style>
+    </dsp:sp>
+    <dsp:sp modelId="{7C98EBD9-930F-4B44-A907-6D03933E9CCC}">
+      <dsp:nvSpPr>
+        <dsp:cNvPr id="0" name=""/>
+        <dsp:cNvSpPr/>
+      </dsp:nvSpPr>
+      <dsp:spPr>
+        <a:xfrm rot="10800000">
+          <a:off x="2192421" y="3128362"/>
+          <a:ext cx="8107463" cy="601264"/>
+        </a:xfrm>
+        <a:prstGeom prst="homePlate">
+          <a:avLst/>
+        </a:prstGeom>
+        <a:solidFill>
+          <a:schemeClr val="accent1">
+            <a:hueOff val="0"/>
+            <a:satOff val="0"/>
+            <a:lumOff val="0"/>
+            <a:alphaOff val="0"/>
+          </a:schemeClr>
+        </a:solidFill>
+        <a:ln>
+          <a:noFill/>
+        </a:ln>
+        <a:effectLst/>
+        <a:sp3d extrusionH="50600" prstMaterial="metal">
+          <a:bevelT w="101600" h="80600" prst="relaxedInset"/>
+          <a:bevelB w="80600" h="80600" prst="relaxedInset"/>
+        </a:sp3d>
+      </dsp:spPr>
+      <dsp:style>
+        <a:lnRef idx="0">
+          <a:scrgbClr r="0" g="0" b="0"/>
+        </a:lnRef>
+        <a:fillRef idx="1">
+          <a:scrgbClr r="0" g="0" b="0"/>
+        </a:fillRef>
+        <a:effectRef idx="1">
+          <a:scrgbClr r="0" g="0" b="0"/>
+        </a:effectRef>
+        <a:fontRef idx="minor">
+          <a:schemeClr val="dk1"/>
+        </a:fontRef>
+      </dsp:style>
+      <dsp:txBody>
+        <a:bodyPr spcFirstLastPara="0" vert="horz" wrap="square" lIns="265141" tIns="91440" rIns="170688" bIns="91440" numCol="1" spcCol="1270" anchor="ctr" anchorCtr="0">
+          <a:noAutofit/>
+        </a:bodyPr>
+        <a:lstStyle/>
+        <a:p>
+          <a:pPr marL="0" lvl="0" indent="0" algn="l" defTabSz="1066800">
+            <a:lnSpc>
+              <a:spcPct val="90000"/>
+            </a:lnSpc>
+            <a:spcBef>
+              <a:spcPct val="0"/>
+            </a:spcBef>
+            <a:spcAft>
+              <a:spcPct val="35000"/>
+            </a:spcAft>
+            <a:buNone/>
+          </a:pPr>
+          <a:r>
+            <a:rPr lang="en-US" sz="2400" b="1" kern="1200" dirty="0"/>
+            <a:t>5. Data/App Architecture</a:t>
+          </a:r>
+          <a:endParaRPr lang="en-US" sz="2400" b="1" kern="1200" dirty="0">
+            <a:effectLst>
+              <a:outerShdw blurRad="38100" dist="38100" dir="2700000" algn="tl">
+                <a:srgbClr val="000000">
+                  <a:alpha val="43137"/>
+                </a:srgbClr>
+              </a:outerShdw>
+            </a:effectLst>
+          </a:endParaRPr>
+        </a:p>
+      </dsp:txBody>
+      <dsp:txXfrm rot="10800000">
+        <a:off x="2342737" y="3128362"/>
+        <a:ext cx="7957147" cy="601264"/>
+      </dsp:txXfrm>
+    </dsp:sp>
+    <dsp:sp modelId="{515CD3FC-0142-406F-BC9C-A0C3D5571ACE}">
+      <dsp:nvSpPr>
+        <dsp:cNvPr id="0" name=""/>
+        <dsp:cNvSpPr/>
+      </dsp:nvSpPr>
+      <dsp:spPr>
+        <a:xfrm>
+          <a:off x="1891789" y="3128362"/>
+          <a:ext cx="601264" cy="601264"/>
+        </a:xfrm>
+        <a:prstGeom prst="ellipse">
+          <a:avLst/>
+        </a:prstGeom>
+        <a:blipFill>
+          <a:blip xmlns:r="http://schemas.openxmlformats.org/officeDocument/2006/relationships" r:embed="rId9">
+            <a:extLst>
+              <a:ext uri="{28A0092B-C50C-407E-A947-70E740481C1C}">
+                <a14:useLocalDpi xmlns:a14="http://schemas.microsoft.com/office/drawing/2010/main" val="0"/>
+              </a:ext>
+              <a:ext uri="{837473B0-CC2E-450A-ABE3-18F120FF3D39}">
+                <a1611:picAttrSrcUrl xmlns:a1611="http://schemas.microsoft.com/office/drawing/2016/11/main" r:id="rId10"/>
+              </a:ext>
+            </a:extLst>
+          </a:blip>
+          <a:srcRect/>
+          <a:stretch>
+            <a:fillRect l="-17000" r="-17000"/>
+          </a:stretch>
+        </a:blipFill>
+        <a:ln>
+          <a:noFill/>
+        </a:ln>
+        <a:effectLst/>
+        <a:sp3d z="57200" extrusionH="10600" prstMaterial="plastic">
+          <a:bevelT w="101600" h="8600" prst="relaxedInset"/>
+          <a:bevelB w="8600" h="8600" prst="relaxedInset"/>
+        </a:sp3d>
+      </dsp:spPr>
+      <dsp:style>
+        <a:lnRef idx="0">
+          <a:scrgbClr r="0" g="0" b="0"/>
+        </a:lnRef>
+        <a:fillRef idx="1">
+          <a:scrgbClr r="0" g="0" b="0"/>
+        </a:fillRef>
+        <a:effectRef idx="1">
+          <a:scrgbClr r="0" g="0" b="0"/>
+        </a:effectRef>
+        <a:fontRef idx="minor"/>
+      </dsp:style>
+    </dsp:sp>
+    <dsp:sp modelId="{B5085B97-EDF7-4840-A624-182CA497076C}">
+      <dsp:nvSpPr>
+        <dsp:cNvPr id="0" name=""/>
+        <dsp:cNvSpPr/>
+      </dsp:nvSpPr>
+      <dsp:spPr>
+        <a:xfrm rot="10800000">
+          <a:off x="2192421" y="3909109"/>
+          <a:ext cx="8107463" cy="601264"/>
+        </a:xfrm>
+        <a:prstGeom prst="homePlate">
+          <a:avLst/>
+        </a:prstGeom>
+        <a:solidFill>
+          <a:schemeClr val="accent1">
+            <a:hueOff val="0"/>
+            <a:satOff val="0"/>
+            <a:lumOff val="0"/>
+            <a:alphaOff val="0"/>
+          </a:schemeClr>
+        </a:solidFill>
+        <a:ln>
+          <a:noFill/>
+        </a:ln>
+        <a:effectLst/>
+        <a:sp3d extrusionH="50600" prstMaterial="metal">
+          <a:bevelT w="101600" h="80600" prst="relaxedInset"/>
+          <a:bevelB w="80600" h="80600" prst="relaxedInset"/>
+        </a:sp3d>
+      </dsp:spPr>
+      <dsp:style>
+        <a:lnRef idx="0">
+          <a:scrgbClr r="0" g="0" b="0"/>
+        </a:lnRef>
+        <a:fillRef idx="1">
+          <a:scrgbClr r="0" g="0" b="0"/>
+        </a:fillRef>
+        <a:effectRef idx="1">
+          <a:scrgbClr r="0" g="0" b="0"/>
+        </a:effectRef>
+        <a:fontRef idx="minor">
+          <a:schemeClr val="dk1"/>
+        </a:fontRef>
+      </dsp:style>
+      <dsp:txBody>
+        <a:bodyPr spcFirstLastPara="0" vert="horz" wrap="square" lIns="265141" tIns="91440" rIns="170688" bIns="91440" numCol="1" spcCol="1270" anchor="ctr" anchorCtr="0">
+          <a:noAutofit/>
+        </a:bodyPr>
+        <a:lstStyle/>
+        <a:p>
+          <a:pPr marL="0" lvl="0" indent="0" algn="l" defTabSz="1066800">
+            <a:lnSpc>
+              <a:spcPct val="90000"/>
+            </a:lnSpc>
+            <a:spcBef>
+              <a:spcPct val="0"/>
+            </a:spcBef>
+            <a:spcAft>
+              <a:spcPct val="35000"/>
+            </a:spcAft>
+            <a:buNone/>
+          </a:pPr>
+          <a:r>
+            <a:rPr lang="en-US" sz="2400" b="1" kern="1200" dirty="0"/>
+            <a:t>6. Visualizations</a:t>
+          </a:r>
+          <a:endParaRPr lang="en-US" sz="2400" b="1" kern="1200" dirty="0">
+            <a:effectLst>
+              <a:outerShdw blurRad="38100" dist="38100" dir="2700000" algn="tl">
+                <a:srgbClr val="000000">
+                  <a:alpha val="43137"/>
+                </a:srgbClr>
+              </a:outerShdw>
+            </a:effectLst>
+          </a:endParaRPr>
+        </a:p>
+      </dsp:txBody>
+      <dsp:txXfrm rot="10800000">
+        <a:off x="2342737" y="3909109"/>
+        <a:ext cx="7957147" cy="601264"/>
+      </dsp:txXfrm>
+    </dsp:sp>
+    <dsp:sp modelId="{FF0EE51A-DC59-4747-83BA-F823F63ABF18}">
+      <dsp:nvSpPr>
+        <dsp:cNvPr id="0" name=""/>
+        <dsp:cNvSpPr/>
+      </dsp:nvSpPr>
+      <dsp:spPr>
+        <a:xfrm>
+          <a:off x="1891789" y="3909109"/>
+          <a:ext cx="601264" cy="601264"/>
+        </a:xfrm>
+        <a:prstGeom prst="ellipse">
+          <a:avLst/>
+        </a:prstGeom>
+        <a:blipFill>
+          <a:blip xmlns:r="http://schemas.openxmlformats.org/officeDocument/2006/relationships" r:embed="rId11">
+            <a:extLst>
+              <a:ext uri="{28A0092B-C50C-407E-A947-70E740481C1C}">
+                <a14:useLocalDpi xmlns:a14="http://schemas.microsoft.com/office/drawing/2010/main" val="0"/>
+              </a:ext>
+              <a:ext uri="{837473B0-CC2E-450A-ABE3-18F120FF3D39}">
+                <a1611:picAttrSrcUrl xmlns:a1611="http://schemas.microsoft.com/office/drawing/2016/11/main" r:id="rId12"/>
+              </a:ext>
+            </a:extLst>
+          </a:blip>
+          <a:srcRect/>
+          <a:stretch>
+            <a:fillRect l="-3000" r="-3000"/>
+          </a:stretch>
+        </a:blipFill>
+        <a:ln>
+          <a:noFill/>
+        </a:ln>
+        <a:effectLst/>
+        <a:sp3d z="57200" extrusionH="10600" prstMaterial="plastic">
+          <a:bevelT w="101600" h="8600" prst="relaxedInset"/>
+          <a:bevelB w="8600" h="8600" prst="relaxedInset"/>
+        </a:sp3d>
+      </dsp:spPr>
+      <dsp:style>
+        <a:lnRef idx="0">
+          <a:scrgbClr r="0" g="0" b="0"/>
+        </a:lnRef>
+        <a:fillRef idx="1">
+          <a:scrgbClr r="0" g="0" b="0"/>
+        </a:fillRef>
+        <a:effectRef idx="1">
+          <a:scrgbClr r="0" g="0" b="0"/>
+        </a:effectRef>
+        <a:fontRef idx="minor"/>
+      </dsp:style>
+    </dsp:sp>
+    <dsp:sp modelId="{059B0917-0D05-4AD2-BB9E-DB6B04F06287}">
+      <dsp:nvSpPr>
+        <dsp:cNvPr id="0" name=""/>
+        <dsp:cNvSpPr/>
+      </dsp:nvSpPr>
+      <dsp:spPr>
+        <a:xfrm rot="10800000">
+          <a:off x="2192421" y="4689855"/>
+          <a:ext cx="8107463" cy="601264"/>
+        </a:xfrm>
+        <a:prstGeom prst="homePlate">
+          <a:avLst/>
+        </a:prstGeom>
+        <a:solidFill>
+          <a:schemeClr val="accent1">
+            <a:hueOff val="0"/>
+            <a:satOff val="0"/>
+            <a:lumOff val="0"/>
+            <a:alphaOff val="0"/>
+          </a:schemeClr>
+        </a:solidFill>
+        <a:ln>
+          <a:noFill/>
+        </a:ln>
+        <a:effectLst/>
+        <a:sp3d extrusionH="50600" prstMaterial="metal">
+          <a:bevelT w="101600" h="80600" prst="relaxedInset"/>
+          <a:bevelB w="80600" h="80600" prst="relaxedInset"/>
+        </a:sp3d>
+      </dsp:spPr>
+      <dsp:style>
+        <a:lnRef idx="0">
+          <a:scrgbClr r="0" g="0" b="0"/>
+        </a:lnRef>
+        <a:fillRef idx="1">
+          <a:scrgbClr r="0" g="0" b="0"/>
+        </a:fillRef>
+        <a:effectRef idx="1">
+          <a:scrgbClr r="0" g="0" b="0"/>
+        </a:effectRef>
+        <a:fontRef idx="minor">
+          <a:schemeClr val="dk1"/>
+        </a:fontRef>
+      </dsp:style>
+      <dsp:txBody>
+        <a:bodyPr spcFirstLastPara="0" vert="horz" wrap="square" lIns="265141" tIns="91440" rIns="170688" bIns="91440" numCol="1" spcCol="1270" anchor="ctr" anchorCtr="0">
+          <a:noAutofit/>
+        </a:bodyPr>
+        <a:lstStyle/>
+        <a:p>
+          <a:pPr marL="0" lvl="0" indent="0" algn="l" defTabSz="1066800">
+            <a:lnSpc>
+              <a:spcPct val="90000"/>
+            </a:lnSpc>
+            <a:spcBef>
+              <a:spcPct val="0"/>
+            </a:spcBef>
+            <a:spcAft>
+              <a:spcPct val="35000"/>
+            </a:spcAft>
+            <a:buNone/>
+          </a:pPr>
+          <a:r>
+            <a:rPr lang="en-US" sz="2400" b="1" kern="1200" dirty="0">
+              <a:effectLst>
+                <a:outerShdw blurRad="38100" dist="38100" dir="2700000" algn="tl">
+                  <a:srgbClr val="000000">
+                    <a:alpha val="43137"/>
+                  </a:srgbClr>
+                </a:outerShdw>
+              </a:effectLst>
+            </a:rPr>
+            <a:t>7. Future Enhancements</a:t>
+          </a:r>
+        </a:p>
+      </dsp:txBody>
+      <dsp:txXfrm rot="10800000">
+        <a:off x="2342737" y="4689855"/>
+        <a:ext cx="7957147" cy="601264"/>
+      </dsp:txXfrm>
+    </dsp:sp>
+    <dsp:sp modelId="{0ED5E89E-ED62-4D85-8CE8-80671AF27F14}">
+      <dsp:nvSpPr>
+        <dsp:cNvPr id="0" name=""/>
+        <dsp:cNvSpPr/>
+      </dsp:nvSpPr>
+      <dsp:spPr>
+        <a:xfrm>
+          <a:off x="1891789" y="4689855"/>
+          <a:ext cx="601264" cy="601264"/>
+        </a:xfrm>
+        <a:prstGeom prst="ellipse">
+          <a:avLst/>
+        </a:prstGeom>
+        <a:blipFill>
+          <a:blip xmlns:r="http://schemas.openxmlformats.org/officeDocument/2006/relationships" r:embed="rId13">
+            <a:extLst>
+              <a:ext uri="{28A0092B-C50C-407E-A947-70E740481C1C}">
+                <a14:useLocalDpi xmlns:a14="http://schemas.microsoft.com/office/drawing/2010/main" val="0"/>
+              </a:ext>
+              <a:ext uri="{837473B0-CC2E-450A-ABE3-18F120FF3D39}">
+                <a1611:picAttrSrcUrl xmlns:a1611="http://schemas.microsoft.com/office/drawing/2016/11/main" r:id="rId14"/>
+              </a:ext>
+            </a:extLst>
+          </a:blip>
+          <a:srcRect/>
+          <a:stretch>
+            <a:fillRect l="-13000" r="-13000"/>
+          </a:stretch>
+        </a:blipFill>
+        <a:ln>
+          <a:noFill/>
+        </a:ln>
+        <a:effectLst/>
+        <a:sp3d z="57200" extrusionH="10600" prstMaterial="plastic">
+          <a:bevelT w="101600" h="8600" prst="relaxedInset"/>
+          <a:bevelB w="8600" h="8600" prst="relaxedInset"/>
+        </a:sp3d>
+      </dsp:spPr>
+      <dsp:style>
+        <a:lnRef idx="0">
+          <a:scrgbClr r="0" g="0" b="0"/>
+        </a:lnRef>
+        <a:fillRef idx="1">
+          <a:scrgbClr r="0" g="0" b="0"/>
+        </a:fillRef>
+        <a:effectRef idx="1">
+          <a:scrgbClr r="0" g="0" b="0"/>
+        </a:effectRef>
+        <a:fontRef idx="minor"/>
+      </dsp:style>
+    </dsp:sp>
+    <dsp:sp modelId="{33C84E17-B81A-4C0D-A8A6-993C66A4B495}">
+      <dsp:nvSpPr>
+        <dsp:cNvPr id="0" name=""/>
+        <dsp:cNvSpPr/>
+      </dsp:nvSpPr>
+      <dsp:spPr>
+        <a:xfrm rot="10800000">
+          <a:off x="2192421" y="5470602"/>
+          <a:ext cx="8107463" cy="601264"/>
+        </a:xfrm>
+        <a:prstGeom prst="homePlate">
+          <a:avLst/>
+        </a:prstGeom>
+        <a:solidFill>
+          <a:schemeClr val="accent1">
+            <a:hueOff val="0"/>
+            <a:satOff val="0"/>
+            <a:lumOff val="0"/>
+            <a:alphaOff val="0"/>
+          </a:schemeClr>
+        </a:solidFill>
+        <a:ln>
+          <a:noFill/>
+        </a:ln>
+        <a:effectLst/>
+        <a:sp3d extrusionH="50600" prstMaterial="metal">
+          <a:bevelT w="101600" h="80600" prst="relaxedInset"/>
+          <a:bevelB w="80600" h="80600" prst="relaxedInset"/>
+        </a:sp3d>
+      </dsp:spPr>
+      <dsp:style>
+        <a:lnRef idx="0">
+          <a:scrgbClr r="0" g="0" b="0"/>
+        </a:lnRef>
+        <a:fillRef idx="1">
+          <a:scrgbClr r="0" g="0" b="0"/>
+        </a:fillRef>
+        <a:effectRef idx="1">
+          <a:scrgbClr r="0" g="0" b="0"/>
+        </a:effectRef>
+        <a:fontRef idx="minor">
+          <a:schemeClr val="dk1"/>
+        </a:fontRef>
+      </dsp:style>
+      <dsp:txBody>
+        <a:bodyPr spcFirstLastPara="0" vert="horz" wrap="square" lIns="265141" tIns="91440" rIns="170688" bIns="91440" numCol="1" spcCol="1270" anchor="ctr" anchorCtr="0">
+          <a:noAutofit/>
+        </a:bodyPr>
+        <a:lstStyle/>
+        <a:p>
+          <a:pPr marL="0" lvl="0" indent="0" algn="l" defTabSz="1066800">
+            <a:lnSpc>
+              <a:spcPct val="90000"/>
+            </a:lnSpc>
+            <a:spcBef>
+              <a:spcPct val="0"/>
+            </a:spcBef>
+            <a:spcAft>
+              <a:spcPct val="35000"/>
+            </a:spcAft>
+            <a:buNone/>
+          </a:pPr>
+          <a:r>
+            <a:rPr lang="en-US" sz="2400" b="1" kern="1200" dirty="0">
+              <a:effectLst>
+                <a:outerShdw blurRad="38100" dist="38100" dir="2700000" algn="tl">
+                  <a:srgbClr val="000000">
+                    <a:alpha val="43137"/>
+                  </a:srgbClr>
+                </a:outerShdw>
+              </a:effectLst>
+            </a:rPr>
+            <a:t>8. Appendix</a:t>
+          </a:r>
+        </a:p>
+      </dsp:txBody>
+      <dsp:txXfrm rot="10800000">
+        <a:off x="2342737" y="5470602"/>
+        <a:ext cx="7957147" cy="601264"/>
+      </dsp:txXfrm>
+    </dsp:sp>
+    <dsp:sp modelId="{9BBE7B35-74CC-4060-9A58-73D02BFCE0CC}">
+      <dsp:nvSpPr>
+        <dsp:cNvPr id="0" name=""/>
+        <dsp:cNvSpPr/>
+      </dsp:nvSpPr>
+      <dsp:spPr>
+        <a:xfrm>
+          <a:off x="1891789" y="5470602"/>
+          <a:ext cx="601264" cy="601264"/>
+        </a:xfrm>
+        <a:prstGeom prst="ellipse">
+          <a:avLst/>
+        </a:prstGeom>
+        <a:blipFill>
+          <a:blip xmlns:r="http://schemas.openxmlformats.org/officeDocument/2006/relationships" r:embed="rId15">
+            <a:extLst>
+              <a:ext uri="{28A0092B-C50C-407E-A947-70E740481C1C}">
+                <a14:useLocalDpi xmlns:a14="http://schemas.microsoft.com/office/drawing/2010/main" val="0"/>
+              </a:ext>
+              <a:ext uri="{837473B0-CC2E-450A-ABE3-18F120FF3D39}">
+                <a1611:picAttrSrcUrl xmlns:a1611="http://schemas.microsoft.com/office/drawing/2016/11/main" r:id="rId16"/>
+              </a:ext>
+            </a:extLst>
+          </a:blip>
+          <a:srcRect/>
+          <a:stretch>
+            <a:fillRect l="-1000" r="-1000"/>
+          </a:stretch>
+        </a:blipFill>
+        <a:ln>
+          <a:noFill/>
+        </a:ln>
+        <a:effectLst/>
+        <a:sp3d z="57200" extrusionH="10600" prstMaterial="plastic">
+          <a:bevelT w="101600" h="8600" prst="relaxedInset"/>
+          <a:bevelB w="8600" h="8600" prst="relaxedInset"/>
+        </a:sp3d>
+      </dsp:spPr>
+      <dsp:style>
+        <a:lnRef idx="0">
+          <a:scrgbClr r="0" g="0" b="0"/>
+        </a:lnRef>
+        <a:fillRef idx="1">
+          <a:scrgbClr r="0" g="0" b="0"/>
+        </a:fillRef>
+        <a:effectRef idx="1">
+          <a:scrgbClr r="0" g="0" b="0"/>
+        </a:effectRef>
+        <a:fontRef idx="minor"/>
+      </dsp:style>
+    </dsp:sp>
+    <dsp:sp modelId="{C53C5A45-5663-4B77-BB17-87A9630438F4}">
+      <dsp:nvSpPr>
+        <dsp:cNvPr id="0" name=""/>
+        <dsp:cNvSpPr/>
+      </dsp:nvSpPr>
+      <dsp:spPr>
+        <a:xfrm rot="10800000">
+          <a:off x="2192421" y="6251348"/>
+          <a:ext cx="8107463" cy="601264"/>
+        </a:xfrm>
+        <a:prstGeom prst="homePlate">
+          <a:avLst/>
+        </a:prstGeom>
+        <a:solidFill>
+          <a:schemeClr val="accent1">
+            <a:hueOff val="0"/>
+            <a:satOff val="0"/>
+            <a:lumOff val="0"/>
+            <a:alphaOff val="0"/>
+          </a:schemeClr>
+        </a:solidFill>
+        <a:ln>
+          <a:noFill/>
+        </a:ln>
+        <a:effectLst/>
+        <a:sp3d extrusionH="50600" prstMaterial="metal">
+          <a:bevelT w="101600" h="80600" prst="relaxedInset"/>
+          <a:bevelB w="80600" h="80600" prst="relaxedInset"/>
+        </a:sp3d>
+      </dsp:spPr>
+      <dsp:style>
+        <a:lnRef idx="0">
+          <a:scrgbClr r="0" g="0" b="0"/>
+        </a:lnRef>
+        <a:fillRef idx="1">
+          <a:scrgbClr r="0" g="0" b="0"/>
+        </a:fillRef>
+        <a:effectRef idx="1">
+          <a:scrgbClr r="0" g="0" b="0"/>
+        </a:effectRef>
+        <a:fontRef idx="minor">
+          <a:schemeClr val="dk1"/>
+        </a:fontRef>
+      </dsp:style>
+      <dsp:txBody>
+        <a:bodyPr spcFirstLastPara="0" vert="horz" wrap="square" lIns="265141" tIns="91440" rIns="170688" bIns="91440" numCol="1" spcCol="1270" anchor="ctr" anchorCtr="0">
+          <a:noAutofit/>
+        </a:bodyPr>
+        <a:lstStyle/>
+        <a:p>
+          <a:pPr marL="0" lvl="0" indent="0" algn="l" defTabSz="1066800">
+            <a:lnSpc>
+              <a:spcPct val="90000"/>
+            </a:lnSpc>
+            <a:spcBef>
+              <a:spcPct val="0"/>
+            </a:spcBef>
+            <a:spcAft>
+              <a:spcPct val="35000"/>
+            </a:spcAft>
+            <a:buNone/>
+          </a:pPr>
+          <a:r>
+            <a:rPr lang="en-US" sz="2400" b="1" kern="1200" dirty="0">
+              <a:effectLst>
+                <a:outerShdw blurRad="38100" dist="38100" dir="2700000" algn="tl">
+                  <a:srgbClr val="000000">
+                    <a:alpha val="43137"/>
+                  </a:srgbClr>
+                </a:outerShdw>
+              </a:effectLst>
+            </a:rPr>
+            <a:t>9. Q&amp;A</a:t>
+          </a:r>
+        </a:p>
+      </dsp:txBody>
+      <dsp:txXfrm rot="10800000">
+        <a:off x="2342737" y="6251348"/>
+        <a:ext cx="7957147" cy="601264"/>
+      </dsp:txXfrm>
+    </dsp:sp>
+    <dsp:sp modelId="{481A026F-390C-4F6A-B4E0-5BFEE4970D4D}">
+      <dsp:nvSpPr>
+        <dsp:cNvPr id="0" name=""/>
+        <dsp:cNvSpPr/>
+      </dsp:nvSpPr>
+      <dsp:spPr>
+        <a:xfrm>
+          <a:off x="1792105" y="6256723"/>
+          <a:ext cx="601264" cy="601264"/>
+        </a:xfrm>
+        <a:prstGeom prst="ellipse">
+          <a:avLst/>
+        </a:prstGeom>
+        <a:blipFill>
+          <a:blip xmlns:r="http://schemas.openxmlformats.org/officeDocument/2006/relationships" r:embed="rId17">
+            <a:extLst>
+              <a:ext uri="{28A0092B-C50C-407E-A947-70E740481C1C}">
+                <a14:useLocalDpi xmlns:a14="http://schemas.microsoft.com/office/drawing/2010/main" val="0"/>
+              </a:ext>
+              <a:ext uri="{837473B0-CC2E-450A-ABE3-18F120FF3D39}">
+                <a1611:picAttrSrcUrl xmlns:a1611="http://schemas.microsoft.com/office/drawing/2016/11/main" r:id="rId18"/>
+              </a:ext>
+            </a:extLst>
+          </a:blip>
+          <a:srcRect/>
+          <a:stretch>
+            <a:fillRect l="-69000" r="-69000"/>
+          </a:stretch>
+        </a:blipFill>
+        <a:ln>
+          <a:noFill/>
+        </a:ln>
+        <a:effectLst/>
+        <a:sp3d z="57200" extrusionH="10600" prstMaterial="plastic">
+          <a:bevelT w="101600" h="8600" prst="relaxedInset"/>
+          <a:bevelB w="8600" h="8600" prst="relaxedInset"/>
+        </a:sp3d>
+      </dsp:spPr>
+      <dsp:style>
+        <a:lnRef idx="0">
+          <a:scrgbClr r="0" g="0" b="0"/>
+        </a:lnRef>
+        <a:fillRef idx="1">
+          <a:scrgbClr r="0" g="0" b="0"/>
+        </a:fillRef>
+        <a:effectRef idx="1">
+          <a:scrgbClr r="0" g="0" b="0"/>
+        </a:effectRef>
+        <a:fontRef idx="minor"/>
+      </dsp:style>
+    </dsp:sp>
+  </dsp:spTree>
+</dsp:drawing>
+</file>
+
+<file path=ppt/diagrams/layout1.xml><?xml version="1.0" encoding="utf-8"?>
+<dgm:layoutDef xmlns:dgm="http://schemas.openxmlformats.org/drawingml/2006/diagram" xmlns:a="http://schemas.openxmlformats.org/drawingml/2006/main" uniqueId="urn:microsoft.com/office/officeart/2005/8/layout/vList3">
+  <dgm:title val=""/>
+  <dgm:desc val=""/>
+  <dgm:catLst>
+    <dgm:cat type="list" pri="14000"/>
+    <dgm:cat type="convert" pri="3000"/>
+    <dgm:cat type="picture" pri="27000"/>
+    <dgm:cat type="pictureconvert" pri="27000"/>
+  </dgm:catLst>
+  <dgm:sampData useDef="1">
+    <dgm:dataModel>
+      <dgm:ptLst/>
+      <dgm:bg/>
+      <dgm:whole/>
+    </dgm:dataModel>
+  </dgm:sampData>
+  <dgm:styleData>
+    <dgm:dataModel>
+      <dgm:ptLst>
+        <dgm:pt modelId="0" type="doc"/>
+        <dgm:pt modelId="1"/>
+        <dgm:pt modelId="2"/>
+      </dgm:ptLst>
+      <dgm:cxnLst>
+        <dgm:cxn modelId="3" srcId="0" destId="1" srcOrd="0" destOrd="0"/>
+        <dgm:cxn modelId="4" srcId="0" destId="2" srcOrd="1" destOrd="0"/>
+      </dgm:cxnLst>
+      <dgm:bg/>
+      <dgm:whole/>
+    </dgm:dataModel>
+  </dgm:styleData>
+  <dgm:clrData>
+    <dgm:dataModel>
+      <dgm:ptLst>
+        <dgm:pt modelId="0" type="doc"/>
+        <dgm:pt modelId="1"/>
+        <dgm:pt modelId="2"/>
+        <dgm:pt modelId="3"/>
+        <dgm:pt modelId="4"/>
+      </dgm:ptLst>
+      <dgm:cxnLst>
+        <dgm:cxn modelId="5" srcId="0" destId="1" srcOrd="0" destOrd="0"/>
+        <dgm:cxn modelId="6" srcId="0" destId="2" srcOrd="1" destOrd="0"/>
+        <dgm:cxn modelId="7" srcId="0" destId="3" srcOrd="2" destOrd="0"/>
+        <dgm:cxn modelId="8" srcId="0" destId="4" srcOrd="3" destOrd="0"/>
+      </dgm:cxnLst>
+      <dgm:bg/>
+      <dgm:whole/>
+    </dgm:dataModel>
+  </dgm:clrData>
+  <dgm:layoutNode name="linearFlow">
+    <dgm:varLst>
+      <dgm:dir/>
+      <dgm:resizeHandles val="exact"/>
+    </dgm:varLst>
+    <dgm:alg type="lin">
+      <dgm:param type="linDir" val="fromT"/>
+      <dgm:param type="vertAlign" val="mid"/>
+      <dgm:param type="horzAlign" val="ctr"/>
+    </dgm:alg>
+    <dgm:shape xmlns:r="http://schemas.openxmlformats.org/officeDocument/2006/relationships" r:blip="">
+      <dgm:adjLst/>
+    </dgm:shape>
+    <dgm:presOf/>
+    <dgm:constrLst>
+      <dgm:constr type="w" for="ch" forName="composite" refType="w"/>
+      <dgm:constr type="h" for="ch" forName="composite" refType="h"/>
+      <dgm:constr type="h" for="ch" forName="spacing" refType="h" refFor="ch" refForName="composite" fact="0.25"/>
+      <dgm:constr type="h" for="ch" forName="spacing" refType="w" op="lte" fact="0.1"/>
+      <dgm:constr type="primFontSz" for="des" ptType="node" op="equ" val="65"/>
+    </dgm:constrLst>
+    <dgm:ruleLst/>
+    <dgm:forEach name="Name0" axis="ch" ptType="node">
+      <dgm:layoutNode name="composite">
+        <dgm:alg type="composite"/>
+        <dgm:shape xmlns:r="http://schemas.openxmlformats.org/officeDocument/2006/relationships" r:blip="">
+          <dgm:adjLst/>
+        </dgm:shape>
+        <dgm:presOf/>
+        <dgm:choose name="Name1">
+          <dgm:if name="Name2" func="var" arg="dir" op="equ" val="norm">
+            <dgm:constrLst>
+              <dgm:constr type="w" for="ch" forName="imgShp" refType="w" fact="0.335"/>
+              <dgm:constr type="h" for="ch" forName="imgShp" refType="w" refFor="ch" refForName="imgShp" op="equ"/>
+              <dgm:constr type="h" for="ch" forName="imgShp" refType="h" op="lte"/>
+              <dgm:constr type="ctrY" for="ch" forName="imgShp" refType="h" fact="0.5"/>
+              <dgm:constr type="l" for="ch" forName="imgShp"/>
+              <dgm:constr type="w" for="ch" forName="txShp" refType="w" op="equ" fact="0.665"/>
+              <dgm:constr type="h" for="ch" forName="txShp" refType="h" refFor="ch" refForName="imgShp" op="equ"/>
+              <dgm:constr type="ctrY" for="ch" forName="txShp" refType="h" fact="0.5"/>
+              <dgm:constr type="l" for="ch" forName="txShp" refType="w" refFor="ch" refForName="imgShp" fact="0.5"/>
+              <dgm:constr type="lMarg" for="ch" forName="txShp" refType="w" refFor="ch" refForName="imgShp" fact="1.25"/>
+            </dgm:constrLst>
+          </dgm:if>
+          <dgm:else name="Name3">
+            <dgm:constrLst>
+              <dgm:constr type="w" for="ch" forName="imgShp" refType="w" fact="0.335"/>
+              <dgm:constr type="h" for="ch" forName="imgShp" refType="w" refFor="ch" refForName="imgShp" op="equ"/>
+              <dgm:constr type="h" for="ch" forName="imgShp" refType="h" op="lte"/>
+              <dgm:constr type="ctrY" for="ch" forName="imgShp" refType="h" fact="0.5"/>
+              <dgm:constr type="r" for="ch" forName="imgShp" refType="w"/>
+              <dgm:constr type="w" for="ch" forName="txShp" refType="w" op="equ" fact="0.665"/>
+              <dgm:constr type="h" for="ch" forName="txShp" refType="h" refFor="ch" refForName="imgShp" op="equ"/>
+              <dgm:constr type="ctrY" for="ch" forName="txShp" refType="h" fact="0.5"/>
+              <dgm:constr type="r" for="ch" forName="txShp" refType="ctrX" refFor="ch" refForName="imgShp"/>
+              <dgm:constr type="rMarg" for="ch" forName="txShp" refType="w" refFor="ch" refForName="imgShp" fact="1.25"/>
+            </dgm:constrLst>
+          </dgm:else>
+        </dgm:choose>
+        <dgm:ruleLst/>
+        <dgm:layoutNode name="imgShp" styleLbl="fgImgPlace1">
+          <dgm:alg type="sp"/>
+          <dgm:shape xmlns:r="http://schemas.openxmlformats.org/officeDocument/2006/relationships" type="ellipse" r:blip="" blipPhldr="1">
+            <dgm:adjLst/>
+          </dgm:shape>
+          <dgm:presOf/>
+          <dgm:constrLst/>
+          <dgm:ruleLst/>
+        </dgm:layoutNode>
+        <dgm:layoutNode name="txShp">
+          <dgm:varLst>
+            <dgm:bulletEnabled val="1"/>
+          </dgm:varLst>
+          <dgm:alg type="tx"/>
+          <dgm:choose name="Name4">
+            <dgm:if name="Name5" func="var" arg="dir" op="equ" val="norm">
+              <dgm:shape xmlns:r="http://schemas.openxmlformats.org/officeDocument/2006/relationships" rot="180" type="homePlate" r:blip="" zOrderOff="-1">
+                <dgm:adjLst/>
+              </dgm:shape>
+            </dgm:if>
+            <dgm:else name="Name6">
+              <dgm:shape xmlns:r="http://schemas.openxmlformats.org/officeDocument/2006/relationships" type="homePlate" r:blip="" zOrderOff="-1">
+                <dgm:adjLst/>
+              </dgm:shape>
+            </dgm:else>
+          </dgm:choose>
+          <dgm:presOf axis="desOrSelf" ptType="node"/>
+          <dgm:constrLst>
+            <dgm:constr type="tMarg" refType="primFontSz" fact="0.3"/>
+            <dgm:constr type="bMarg" refType="primFontSz" fact="0.3"/>
+          </dgm:constrLst>
+          <dgm:ruleLst>
+            <dgm:rule type="primFontSz" val="5" fact="NaN" max="NaN"/>
+          </dgm:ruleLst>
+        </dgm:layoutNode>
+      </dgm:layoutNode>
+      <dgm:forEach name="Name7" axis="followSib" ptType="sibTrans" cnt="1">
+        <dgm:layoutNode name="spacing">
+          <dgm:alg type="sp"/>
+          <dgm:shape xmlns:r="http://schemas.openxmlformats.org/officeDocument/2006/relationships" r:blip="">
+            <dgm:adjLst/>
+          </dgm:shape>
+          <dgm:presOf axis="self"/>
+          <dgm:constrLst/>
+          <dgm:ruleLst/>
+        </dgm:layoutNode>
+      </dgm:forEach>
+    </dgm:forEach>
+  </dgm:layoutNode>
+</dgm:layoutDef>
+</file>
+
+<file path=ppt/diagrams/quickStyle1.xml><?xml version="1.0" encoding="utf-8"?>
+<dgm:styleDef xmlns:dgm="http://schemas.openxmlformats.org/drawingml/2006/diagram" xmlns:a="http://schemas.openxmlformats.org/drawingml/2006/main" uniqueId="urn:microsoft.com/office/officeart/2005/8/quickstyle/3d7">
+  <dgm:title val=""/>
+  <dgm:desc val=""/>
+  <dgm:catLst>
+    <dgm:cat type="3D" pri="11700"/>
+  </dgm:catLst>
+  <dgm:scene3d>
+    <a:camera prst="perspectiveLeft" zoom="91000"/>
+    <a:lightRig rig="threePt" dir="t">
+      <a:rot lat="0" lon="0" rev="20640000"/>
+    </a:lightRig>
+  </dgm:scene3d>
+  <dgm:styleLbl name="node0">
+    <dgm:scene3d>
+      <a:camera prst="orthographicFront"/>
+      <a:lightRig rig="threePt" dir="t"/>
+    </dgm:scene3d>
+    <dgm:sp3d extrusionH="50600" prstMaterial="plastic">
+      <a:bevelT w="101600" h="80600" prst="relaxedInset"/>
+      <a:bevelB w="80600" h="80600" prst="relaxedInset"/>
+    </dgm:sp3d>
+    <dgm:txPr/>
+    <dgm:style>
+      <a:lnRef idx="0">
+        <a:scrgbClr r="0" g="0" b="0"/>
+      </a:lnRef>
+      <a:fillRef idx="1">
+        <a:scrgbClr r="0" g="0" b="0"/>
+      </a:fillRef>
+      <a:effectRef idx="1">
+        <a:scrgbClr r="0" g="0" b="0"/>
+      </a:effectRef>
+      <a:fontRef idx="minor">
+        <a:schemeClr val="dk1"/>
+      </a:fontRef>
+    </dgm:style>
+  </dgm:styleLbl>
+  <dgm:styleLbl name="lnNode1">
+    <dgm:scene3d>
+      <a:camera prst="orthographicFront"/>
+      <a:lightRig rig="threePt" dir="t"/>
+    </dgm:scene3d>
+    <dgm:sp3d extrusionH="50600" prstMaterial="plastic">
+      <a:bevelT w="101600" h="80600" prst="relaxedInset"/>
+      <a:bevelB w="80600" h="80600" prst="relaxedInset"/>
+    </dgm:sp3d>
+    <dgm:txPr/>
+    <dgm:style>
+      <a:lnRef idx="0">
+        <a:scrgbClr r="0" g="0" b="0"/>
+      </a:lnRef>
+      <a:fillRef idx="1">
+        <a:scrgbClr r="0" g="0" b="0"/>
+      </a:fillRef>
+      <a:effectRef idx="1">
+        <a:scrgbClr r="0" g="0" b="0"/>
+      </a:effectRef>
+      <a:fontRef idx="minor">
+        <a:schemeClr val="dk1"/>
+      </a:fontRef>
+    </dgm:style>
+  </dgm:styleLbl>
+  <dgm:styleLbl name="vennNode1">
+    <dgm:scene3d>
+      <a:camera prst="orthographicFront"/>
+      <a:lightRig rig="threePt" dir="t"/>
+    </dgm:scene3d>
+    <dgm:sp3d extrusionH="50600" prstMaterial="clear">
+      <a:bevelT w="101600" h="80600" prst="relaxedInset"/>
+      <a:bevelB w="80600" h="80600" prst="relaxedInset"/>
+    </dgm:sp3d>
+    <dgm:txPr/>
+    <dgm:style>
+      <a:lnRef idx="0">
+        <a:scrgbClr r="0" g="0" b="0"/>
+      </a:lnRef>
+      <a:fillRef idx="1">
+        <a:scrgbClr r="0" g="0" b="0"/>
+      </a:fillRef>
+      <a:effectRef idx="0">
+        <a:scrgbClr r="0" g="0" b="0"/>
+      </a:effectRef>
+      <a:fontRef idx="minor">
+        <a:schemeClr val="tx1"/>
+      </a:fontRef>
+    </dgm:style>
+  </dgm:styleLbl>
+  <dgm:styleLbl name="alignNode1">
+    <dgm:scene3d>
+      <a:camera prst="orthographicFront"/>
+      <a:lightRig rig="threePt" dir="t"/>
+    </dgm:scene3d>
+    <dgm:sp3d extrusionH="50600" prstMaterial="metal">
+      <a:bevelT w="101600" h="80600" prst="relaxedInset"/>
+      <a:bevelB w="80600" h="80600" prst="relaxedInset"/>
+    </dgm:sp3d>
+    <dgm:txPr/>
+    <dgm:style>
+      <a:lnRef idx="1">
+        <a:scrgbClr r="0" g="0" b="0"/>
+      </a:lnRef>
+      <a:fillRef idx="1">
+        <a:scrgbClr r="0" g="0" b="0"/>
+      </a:fillRef>
+      <a:effectRef idx="1">
+        <a:scrgbClr r="0" g="0" b="0"/>
+      </a:effectRef>
+      <a:fontRef idx="minor">
+        <a:schemeClr val="dk1"/>
+      </a:fontRef>
+    </dgm:style>
+  </dgm:styleLbl>
+  <dgm:styleLbl name="node1">
+    <dgm:scene3d>
+      <a:camera prst="orthographicFront"/>
+      <a:lightRig rig="threePt" dir="t"/>
+    </dgm:scene3d>
+    <dgm:sp3d extrusionH="50600" prstMaterial="metal">
+      <a:bevelT w="101600" h="80600" prst="relaxedInset"/>
+      <a:bevelB w="80600" h="80600" prst="relaxedInset"/>
+    </dgm:sp3d>
+    <dgm:txPr/>
+    <dgm:style>
+      <a:lnRef idx="0">
+        <a:scrgbClr r="0" g="0" b="0"/>
+      </a:lnRef>
+      <a:fillRef idx="1">
+        <a:scrgbClr r="0" g="0" b="0"/>
+      </a:fillRef>
+      <a:effectRef idx="1">
+        <a:scrgbClr r="0" g="0" b="0"/>
+      </a:effectRef>
+      <a:fontRef idx="minor">
+        <a:schemeClr val="dk1"/>
+      </a:fontRef>
+    </dgm:style>
+  </dgm:styleLbl>
+  <dgm:styleLbl name="node2">
+    <dgm:scene3d>
+      <a:camera prst="orthographicFront"/>
+      <a:lightRig rig="threePt" dir="t"/>
+    </dgm:scene3d>
+    <dgm:sp3d extrusionH="50600" prstMaterial="plastic">
+      <a:bevelT w="101600" h="80600" prst="relaxedInset"/>
+      <a:bevelB w="80600" h="80600" prst="relaxedInset"/>
+    </dgm:sp3d>
+    <dgm:txPr/>
+    <dgm:style>
+      <a:lnRef idx="0">
+        <a:scrgbClr r="0" g="0" b="0"/>
+      </a:lnRef>
+      <a:fillRef idx="1">
+        <a:scrgbClr r="0" g="0" b="0"/>
+      </a:fillRef>
+      <a:effectRef idx="1">
+        <a:scrgbClr r="0" g="0" b="0"/>
+      </a:effectRef>
+      <a:fontRef idx="minor">
+        <a:schemeClr val="dk1"/>
+      </a:fontRef>
+    </dgm:style>
+  </dgm:styleLbl>
+  <dgm:styleLbl name="node3">
+    <dgm:scene3d>
+      <a:camera prst="orthographicFront"/>
+      <a:lightRig rig="threePt" dir="t"/>
+    </dgm:scene3d>
+    <dgm:sp3d extrusionH="50600" prstMaterial="plastic">
+      <a:bevelT w="101600" h="80600" prst="relaxedInset"/>
+      <a:bevelB w="80600" h="80600" prst="relaxedInset"/>
+    </dgm:sp3d>
+    <dgm:txPr/>
+    <dgm:style>
+      <a:lnRef idx="0">
+        <a:scrgbClr r="0" g="0" b="0"/>
+      </a:lnRef>
+      <a:fillRef idx="1">
+        <a:scrgbClr r="0" g="0" b="0"/>
+      </a:fillRef>
+      <a:effectRef idx="1">
+        <a:scrgbClr r="0" g="0" b="0"/>
+      </a:effectRef>
+      <a:fontRef idx="minor">
+        <a:schemeClr val="dk1"/>
+      </a:fontRef>
+    </dgm:style>
+  </dgm:styleLbl>
+  <dgm:styleLbl name="node4">
+    <dgm:scene3d>
+      <a:camera prst="orthographicFront"/>
+      <a:lightRig rig="threePt" dir="t"/>
+    </dgm:scene3d>
+    <dgm:sp3d extrusionH="50600" prstMaterial="plastic">
+      <a:bevelT w="101600" h="80600" prst="relaxedInset"/>
+      <a:bevelB w="80600" h="80600" prst="relaxedInset"/>
+    </dgm:sp3d>
+    <dgm:txPr/>
+    <dgm:style>
+      <a:lnRef idx="0">
+        <a:scrgbClr r="0" g="0" b="0"/>
+      </a:lnRef>
+      <a:fillRef idx="1">
+        <a:scrgbClr r="0" g="0" b="0"/>
+      </a:fillRef>
+      <a:effectRef idx="1">
+        <a:scrgbClr r="0" g="0" b="0"/>
+      </a:effectRef>
+      <a:fontRef idx="minor">
+        <a:schemeClr val="dk1"/>
+      </a:fontRef>
+    </dgm:style>
+  </dgm:styleLbl>
+  <dgm:styleLbl name="fgImgPlace1">
+    <dgm:scene3d>
+      <a:camera prst="orthographicFront"/>
+      <a:lightRig rig="threePt" dir="t"/>
+    </dgm:scene3d>
+    <dgm:sp3d z="57200" extrusionH="10600" prstMaterial="plastic">
+      <a:bevelT w="101600" h="8600" prst="relaxedInset"/>
+      <a:bevelB w="8600" h="8600" prst="relaxedInset"/>
+    </dgm:sp3d>
+    <dgm:txPr/>
+    <dgm:style>
+      <a:lnRef idx="0">
+        <a:scrgbClr r="0" g="0" b="0"/>
+      </a:lnRef>
+      <a:fillRef idx="1">
+        <a:scrgbClr r="0" g="0" b="0"/>
+      </a:fillRef>
+      <a:effectRef idx="1">
+        <a:scrgbClr r="0" g="0" b="0"/>
+      </a:effectRef>
+      <a:fontRef idx="minor"/>
+    </dgm:style>
+  </dgm:styleLbl>
+  <dgm:styleLbl name="alignImgPlace1">
+    <dgm:scene3d>
+      <a:camera prst="orthographicFront"/>
+      <a:lightRig rig="threePt" dir="t"/>
+    </dgm:scene3d>
+    <dgm:sp3d extrusionH="50600" prstMaterial="plastic">
+      <a:bevelT w="101600" h="80600" prst="relaxedInset"/>
+      <a:bevelB w="80600" h="80600" prst="relaxedInset"/>
+    </dgm:sp3d>
+    <dgm:txPr/>
+    <dgm:style>
+      <a:lnRef idx="0">
+        <a:scrgbClr r="0" g="0" b="0"/>
+      </a:lnRef>
+      <a:fillRef idx="1">
+        <a:scrgbClr r="0" g="0" b="0"/>
+      </a:fillRef>
+      <a:effectRef idx="1">
+        <a:scrgbClr r="0" g="0" b="0"/>
+      </a:effectRef>
+      <a:fontRef idx="minor"/>
+    </dgm:style>
+  </dgm:styleLbl>
+  <dgm:styleLbl name="bgImgPlace1">
+    <dgm:scene3d>
+      <a:camera prst="orthographicFront"/>
+      <a:lightRig rig="threePt" dir="t"/>
+    </dgm:scene3d>
+    <dgm:sp3d z="-211800" extrusionH="10600" prstMaterial="plastic">
+      <a:bevelT w="101600" h="8600" prst="relaxedInset"/>
+      <a:bevelB w="8600" h="8600" prst="relaxedInset"/>
+    </dgm:sp3d>
+    <dgm:txPr/>
+    <dgm:style>
+      <a:lnRef idx="0">
+        <a:scrgbClr r="0" g="0" b="0"/>
+      </a:lnRef>
+      <a:fillRef idx="1">
+        <a:scrgbClr r="0" g="0" b="0"/>
+      </a:fillRef>
+      <a:effectRef idx="1">
+        <a:scrgbClr r="0" g="0" b="0"/>
+      </a:effectRef>
+      <a:fontRef idx="minor"/>
+    </dgm:style>
+  </dgm:styleLbl>
+  <dgm:styleLbl name="sibTrans2D1">
+    <dgm:scene3d>
+      <a:camera prst="orthographicFront"/>
+      <a:lightRig rig="threePt" dir="t"/>
+    </dgm:scene3d>
+    <dgm:sp3d z="-110000">
+      <a:bevelT w="40600" h="20600" prst="relaxedInset"/>
+    </dgm:sp3d>
+    <dgm:txPr/>
+    <dgm:style>
+      <a:lnRef idx="0">
+        <a:scrgbClr r="0" g="0" b="0"/>
+      </a:lnRef>
+      <a:fillRef idx="1">
+        <a:scrgbClr r="0" g="0" b="0"/>
+      </a:fillRef>
+      <a:effectRef idx="2">
+        <a:scrgbClr r="0" g="0" b="0"/>
+      </a:effectRef>
+      <a:fontRef idx="minor"/>
+    </dgm:style>
+  </dgm:styleLbl>
+  <dgm:styleLbl name="fgSibTrans2D1">
+    <dgm:scene3d>
+      <a:camera prst="orthographicFront"/>
+      <a:lightRig rig="threePt" dir="t"/>
+    </dgm:scene3d>
+    <dgm:sp3d z="10600">
+      <a:bevelT w="40600" h="20600" prst="relaxedInset"/>
+    </dgm:sp3d>
+    <dgm:txPr/>
+    <dgm:style>
+      <a:lnRef idx="0">
+        <a:scrgbClr r="0" g="0" b="0"/>
+      </a:lnRef>
+      <a:fillRef idx="1">
+        <a:scrgbClr r="0" g="0" b="0"/>
+      </a:fillRef>
+      <a:effectRef idx="2">
+        <a:scrgbClr r="0" g="0" b="0"/>
+      </a:effectRef>
+      <a:fontRef idx="minor"/>
+    </dgm:style>
+  </dgm:styleLbl>
+  <dgm:styleLbl name="bgSibTrans2D1">
+    <dgm:scene3d>
+      <a:camera prst="orthographicFront"/>
+      <a:lightRig rig="threePt" dir="t"/>
+    </dgm:scene3d>
+    <dgm:sp3d z="-211800">
+      <a:bevelT w="40600" h="20600" prst="relaxedInset"/>
+    </dgm:sp3d>
+    <dgm:txPr/>
+    <dgm:style>
+      <a:lnRef idx="0">
+        <a:scrgbClr r="0" g="0" b="0"/>
+      </a:lnRef>
+      <a:fillRef idx="1">
+        <a:scrgbClr r="0" g="0" b="0"/>
+      </a:fillRef>
+      <a:effectRef idx="2">
+        <a:scrgbClr r="0" g="0" b="0"/>
+      </a:effectRef>
+      <a:fontRef idx="minor"/>
+    </dgm:style>
+  </dgm:styleLbl>
+  <dgm:styleLbl name="sibTrans1D1">
+    <dgm:scene3d>
+      <a:camera prst="orthographicFront"/>
+      <a:lightRig rig="threePt" dir="t"/>
+    </dgm:scene3d>
+    <dgm:sp3d z="-110000"/>
+    <dgm:txPr/>
+    <dgm:style>
+      <a:lnRef idx="1">
+        <a:scrgbClr r="0" g="0" b="0"/>
+      </a:lnRef>
+      <a:fillRef idx="0">
+        <a:scrgbClr r="0" g="0" b="0"/>
+      </a:fillRef>
+      <a:effectRef idx="0">
+        <a:scrgbClr r="0" g="0" b="0"/>
+      </a:effectRef>
+      <a:fontRef idx="minor"/>
+    </dgm:style>
+  </dgm:styleLbl>
+  <dgm:styleLbl name="callout">
+    <dgm:scene3d>
+      <a:camera prst="orthographicFront"/>
+      <a:lightRig rig="threePt" dir="t"/>
+    </dgm:scene3d>
+    <dgm:sp3d z="10000"/>
+    <dgm:txPr/>
+    <dgm:style>
+      <a:lnRef idx="1">
+        <a:scrgbClr r="0" g="0" b="0"/>
+      </a:lnRef>
+      <a:fillRef idx="1">
+        <a:scrgbClr r="0" g="0" b="0"/>
+      </a:fillRef>
+      <a:effectRef idx="0">
+        <a:scrgbClr r="0" g="0" b="0"/>
+      </a:effectRef>
+      <a:fontRef idx="minor"/>
+    </dgm:style>
+  </dgm:styleLbl>
+  <dgm:styleLbl name="asst0">
+    <dgm:scene3d>
+      <a:camera prst="orthographicFront"/>
+      <a:lightRig rig="threePt" dir="t"/>
+    </dgm:scene3d>
+    <dgm:sp3d extrusionH="50600" prstMaterial="plastic">
+      <a:bevelT w="101600" h="80600" prst="relaxedInset"/>
+      <a:bevelB w="80600" h="80600" prst="relaxedInset"/>
+    </dgm:sp3d>
+    <dgm:txPr/>
+    <dgm:style>
+      <a:lnRef idx="0">
+        <a:scrgbClr r="0" g="0" b="0"/>
+      </a:lnRef>
+      <a:fillRef idx="1">
+        <a:scrgbClr r="0" g="0" b="0"/>
+      </a:fillRef>
+      <a:effectRef idx="1">
+        <a:scrgbClr r="0" g="0" b="0"/>
+      </a:effectRef>
+      <a:fontRef idx="minor">
+        <a:schemeClr val="dk1"/>
+      </a:fontRef>
+    </dgm:style>
+  </dgm:styleLbl>
+  <dgm:styleLbl name="asst1">
+    <dgm:scene3d>
+      <a:camera prst="orthographicFront"/>
+      <a:lightRig rig="threePt" dir="t"/>
+    </dgm:scene3d>
+    <dgm:sp3d extrusionH="50600" prstMaterial="plastic">
+      <a:bevelT w="101600" h="80600" prst="relaxedInset"/>
+      <a:bevelB w="80600" h="80600" prst="relaxedInset"/>
+    </dgm:sp3d>
+    <dgm:txPr/>
+    <dgm:style>
+      <a:lnRef idx="0">
+        <a:scrgbClr r="0" g="0" b="0"/>
+      </a:lnRef>
+      <a:fillRef idx="1">
+        <a:scrgbClr r="0" g="0" b="0"/>
+      </a:fillRef>
+      <a:effectRef idx="1">
+        <a:scrgbClr r="0" g="0" b="0"/>
+      </a:effectRef>
+      <a:fontRef idx="minor">
+        <a:schemeClr val="dk1"/>
+      </a:fontRef>
+    </dgm:style>
+  </dgm:styleLbl>
+  <dgm:styleLbl name="asst2">
+    <dgm:scene3d>
+      <a:camera prst="orthographicFront"/>
+      <a:lightRig rig="threePt" dir="t"/>
+    </dgm:scene3d>
+    <dgm:sp3d extrusionH="50600" prstMaterial="plastic">
+      <a:bevelT w="101600" h="80600" prst="relaxedInset"/>
+      <a:bevelB w="80600" h="80600" prst="relaxedInset"/>
+    </dgm:sp3d>
+    <dgm:txPr/>
+    <dgm:style>
+      <a:lnRef idx="0">
+        <a:scrgbClr r="0" g="0" b="0"/>
+      </a:lnRef>
+      <a:fillRef idx="1">
+        <a:scrgbClr r="0" g="0" b="0"/>
+      </a:fillRef>
+      <a:effectRef idx="1">
+        <a:scrgbClr r="0" g="0" b="0"/>
+      </a:effectRef>
+      <a:fontRef idx="minor">
+        <a:schemeClr val="dk1"/>
+      </a:fontRef>
+    </dgm:style>
+  </dgm:styleLbl>
+  <dgm:styleLbl name="asst3">
+    <dgm:scene3d>
+      <a:camera prst="orthographicFront"/>
+      <a:lightRig rig="threePt" dir="t"/>
+    </dgm:scene3d>
+    <dgm:sp3d extrusionH="50600" prstMaterial="plastic">
+      <a:bevelT w="101600" h="80600" prst="relaxedInset"/>
+      <a:bevelB w="80600" h="80600" prst="relaxedInset"/>
+    </dgm:sp3d>
+    <dgm:txPr/>
+    <dgm:style>
+      <a:lnRef idx="0">
+        <a:scrgbClr r="0" g="0" b="0"/>
+      </a:lnRef>
+      <a:fillRef idx="1">
+        <a:scrgbClr r="0" g="0" b="0"/>
+      </a:fillRef>
+      <a:effectRef idx="1">
+        <a:scrgbClr r="0" g="0" b="0"/>
+      </a:effectRef>
+      <a:fontRef idx="minor">
+        <a:schemeClr val="dk1"/>
+      </a:fontRef>
+    </dgm:style>
+  </dgm:styleLbl>
+  <dgm:styleLbl name="asst4">
+    <dgm:scene3d>
+      <a:camera prst="orthographicFront"/>
+      <a:lightRig rig="threePt" dir="t"/>
+    </dgm:scene3d>
+    <dgm:sp3d extrusionH="50600" prstMaterial="plastic">
+      <a:bevelT w="101600" h="80600" prst="relaxedInset"/>
+      <a:bevelB w="80600" h="80600" prst="relaxedInset"/>
+    </dgm:sp3d>
+    <dgm:txPr/>
+    <dgm:style>
+      <a:lnRef idx="0">
+        <a:scrgbClr r="0" g="0" b="0"/>
+      </a:lnRef>
+      <a:fillRef idx="1">
+        <a:scrgbClr r="0" g="0" b="0"/>
+      </a:fillRef>
+      <a:effectRef idx="1">
+        <a:scrgbClr r="0" g="0" b="0"/>
+      </a:effectRef>
+      <a:fontRef idx="minor">
+        <a:schemeClr val="dk1"/>
+      </a:fontRef>
+    </dgm:style>
+  </dgm:styleLbl>
+  <dgm:styleLbl name="parChTrans2D1">
+    <dgm:scene3d>
+      <a:camera prst="orthographicFront"/>
+      <a:lightRig rig="threePt" dir="t"/>
+    </dgm:scene3d>
+    <dgm:sp3d z="-110000">
+      <a:bevelT w="40600" h="20600" prst="relaxedInset"/>
+    </dgm:sp3d>
+    <dgm:txPr/>
+    <dgm:style>
+      <a:lnRef idx="0">
+        <a:scrgbClr r="0" g="0" b="0"/>
+      </a:lnRef>
+      <a:fillRef idx="1">
+        <a:scrgbClr r="0" g="0" b="0"/>
+      </a:fillRef>
+      <a:effectRef idx="0">
+        <a:scrgbClr r="0" g="0" b="0"/>
+      </a:effectRef>
+      <a:fontRef idx="minor"/>
+    </dgm:style>
+  </dgm:styleLbl>
+  <dgm:styleLbl name="parChTrans2D2">
+    <dgm:scene3d>
+      <a:camera prst="orthographicFront"/>
+      <a:lightRig rig="threePt" dir="t"/>
+    </dgm:scene3d>
+    <dgm:sp3d z="-110000">
+      <a:bevelT w="40600" h="20600" prst="relaxedInset"/>
+    </dgm:sp3d>
+    <dgm:txPr/>
+    <dgm:style>
+      <a:lnRef idx="0">
+        <a:scrgbClr r="0" g="0" b="0"/>
+      </a:lnRef>
+      <a:fillRef idx="1">
+        <a:scrgbClr r="0" g="0" b="0"/>
+      </a:fillRef>
+      <a:effectRef idx="0">
+        <a:scrgbClr r="0" g="0" b="0"/>
+      </a:effectRef>
+      <a:fontRef idx="minor"/>
+    </dgm:style>
+  </dgm:styleLbl>
+  <dgm:styleLbl name="parChTrans2D3">
+    <dgm:scene3d>
+      <a:camera prst="orthographicFront"/>
+      <a:lightRig rig="threePt" dir="t"/>
+    </dgm:scene3d>
+    <dgm:sp3d z="-110000"/>
+    <dgm:txPr/>
+    <dgm:style>
+      <a:lnRef idx="0">
+        <a:scrgbClr r="0" g="0" b="0"/>
+      </a:lnRef>
+      <a:fillRef idx="1">
+        <a:scrgbClr r="0" g="0" b="0"/>
+      </a:fillRef>
+      <a:effectRef idx="0">
+        <a:scrgbClr r="0" g="0" b="0"/>
+      </a:effectRef>
+      <a:fontRef idx="minor"/>
+    </dgm:style>
+  </dgm:styleLbl>
+  <dgm:styleLbl name="parChTrans2D4">
+    <dgm:scene3d>
+      <a:camera prst="orthographicFront"/>
+      <a:lightRig rig="threePt" dir="t"/>
+    </dgm:scene3d>
+    <dgm:sp3d z="-110000"/>
+    <dgm:txPr/>
+    <dgm:style>
+      <a:lnRef idx="0">
+        <a:scrgbClr r="0" g="0" b="0"/>
+      </a:lnRef>
+      <a:fillRef idx="1">
+        <a:scrgbClr r="0" g="0" b="0"/>
+      </a:fillRef>
+      <a:effectRef idx="0">
+        <a:scrgbClr r="0" g="0" b="0"/>
+      </a:effectRef>
+      <a:fontRef idx="minor"/>
+    </dgm:style>
+  </dgm:styleLbl>
+  <dgm:styleLbl name="parChTrans1D1">
+    <dgm:scene3d>
+      <a:camera prst="orthographicFront"/>
+      <a:lightRig rig="threePt" dir="t"/>
+    </dgm:scene3d>
+    <dgm:sp3d z="-110000"/>
+    <dgm:txPr/>
+    <dgm:style>
+      <a:lnRef idx="2">
+        <a:scrgbClr r="0" g="0" b="0"/>
+      </a:lnRef>
+      <a:fillRef idx="0">
+        <a:scrgbClr r="0" g="0" b="0"/>
+      </a:fillRef>
+      <a:effectRef idx="0">
+        <a:scrgbClr r="0" g="0" b="0"/>
+      </a:effectRef>
+      <a:fontRef idx="minor"/>
+    </dgm:style>
+  </dgm:styleLbl>
+  <dgm:styleLbl name="parChTrans1D2">
+    <dgm:scene3d>
+      <a:camera prst="orthographicFront"/>
+      <a:lightRig rig="threePt" dir="t"/>
+    </dgm:scene3d>
+    <dgm:sp3d z="-110000"/>
+    <dgm:txPr/>
+    <dgm:style>
+      <a:lnRef idx="2">
+        <a:scrgbClr r="0" g="0" b="0"/>
+      </a:lnRef>
+      <a:fillRef idx="0">
+        <a:scrgbClr r="0" g="0" b="0"/>
+      </a:fillRef>
+      <a:effectRef idx="0">
+        <a:scrgbClr r="0" g="0" b="0"/>
+      </a:effectRef>
+      <a:fontRef idx="minor"/>
+    </dgm:style>
+  </dgm:styleLbl>
+  <dgm:styleLbl name="parChTrans1D3">
+    <dgm:scene3d>
+      <a:camera prst="orthographicFront"/>
+      <a:lightRig rig="threePt" dir="t"/>
+    </dgm:scene3d>
+    <dgm:sp3d z="-110000"/>
+    <dgm:txPr/>
+    <dgm:style>
+      <a:lnRef idx="2">
+        <a:scrgbClr r="0" g="0" b="0"/>
+      </a:lnRef>
+      <a:fillRef idx="0">
+        <a:scrgbClr r="0" g="0" b="0"/>
+      </a:fillRef>
+      <a:effectRef idx="0">
+        <a:scrgbClr r="0" g="0" b="0"/>
+      </a:effectRef>
+      <a:fontRef idx="minor"/>
+    </dgm:style>
+  </dgm:styleLbl>
+  <dgm:styleLbl name="parChTrans1D4">
+    <dgm:scene3d>
+      <a:camera prst="orthographicFront"/>
+      <a:lightRig rig="threePt" dir="t"/>
+    </dgm:scene3d>
+    <dgm:sp3d z="-110000"/>
+    <dgm:txPr/>
+    <dgm:style>
+      <a:lnRef idx="2">
+        <a:scrgbClr r="0" g="0" b="0"/>
+      </a:lnRef>
+      <a:fillRef idx="0">
+        <a:scrgbClr r="0" g="0" b="0"/>
+      </a:fillRef>
+      <a:effectRef idx="0">
+        <a:scrgbClr r="0" g="0" b="0"/>
+      </a:effectRef>
+      <a:fontRef idx="minor"/>
+    </dgm:style>
+  </dgm:styleLbl>
+  <dgm:styleLbl name="fgAcc1">
+    <dgm:scene3d>
+      <a:camera prst="orthographicFront"/>
+      <a:lightRig rig="threePt" dir="t"/>
+    </dgm:scene3d>
+    <dgm:sp3d z="57200" extrusionH="600" contourW="3000">
+      <a:bevelT w="48600" h="18600" prst="relaxedInset"/>
+      <a:bevelB w="48600" h="8600" prst="relaxedInset"/>
+    </dgm:sp3d>
+    <dgm:txPr/>
+    <dgm:style>
+      <a:lnRef idx="1">
+        <a:scrgbClr r="0" g="0" b="0"/>
+      </a:lnRef>
+      <a:fillRef idx="1">
+        <a:scrgbClr r="0" g="0" b="0"/>
+      </a:fillRef>
+      <a:effectRef idx="0">
+        <a:scrgbClr r="0" g="0" b="0"/>
+      </a:effectRef>
+      <a:fontRef idx="minor"/>
+    </dgm:style>
+  </dgm:styleLbl>
+  <dgm:styleLbl name="conFgAcc1">
+    <dgm:scene3d>
+      <a:camera prst="orthographicFront"/>
+      <a:lightRig rig="threePt" dir="t"/>
+    </dgm:scene3d>
+    <dgm:sp3d z="-161800" extrusionH="10600" prstMaterial="matte">
+      <a:bevelT w="90600" h="18600" prst="softRound"/>
+      <a:bevelB w="48600" h="8600" prst="relaxedInset"/>
+    </dgm:sp3d>
+    <dgm:txPr/>
+    <dgm:style>
+      <a:lnRef idx="1">
+        <a:scrgbClr r="0" g="0" b="0"/>
+      </a:lnRef>
+      <a:fillRef idx="1">
+        <a:scrgbClr r="0" g="0" b="0"/>
+      </a:fillRef>
+      <a:effectRef idx="0">
+        <a:scrgbClr r="0" g="0" b="0"/>
+      </a:effectRef>
+      <a:fontRef idx="minor"/>
+    </dgm:style>
+  </dgm:styleLbl>
+  <dgm:styleLbl name="alignAcc1">
+    <dgm:scene3d>
+      <a:camera prst="orthographicFront"/>
+      <a:lightRig rig="threePt" dir="t"/>
+    </dgm:scene3d>
+    <dgm:sp3d extrusionH="50600">
+      <a:bevelT w="101600" h="80600"/>
+      <a:bevelB w="80600" h="80600"/>
+    </dgm:sp3d>
+    <dgm:txPr/>
+    <dgm:style>
+      <a:lnRef idx="1">
+        <a:scrgbClr r="0" g="0" b="0"/>
+      </a:lnRef>
+      <a:fillRef idx="1">
+        <a:scrgbClr r="0" g="0" b="0"/>
+      </a:fillRef>
+      <a:effectRef idx="0">
+        <a:scrgbClr r="0" g="0" b="0"/>
+      </a:effectRef>
+      <a:fontRef idx="minor"/>
+    </dgm:style>
+  </dgm:styleLbl>
+  <dgm:styleLbl name="trAlignAcc1">
+    <dgm:scene3d>
+      <a:camera prst="orthographicFront"/>
+      <a:lightRig rig="threePt" dir="t"/>
+    </dgm:scene3d>
+    <dgm:sp3d extrusionH="50600">
+      <a:bevelT w="101600" h="80600"/>
+    </dgm:sp3d>
+    <dgm:txPr/>
+    <dgm:style>
+      <a:lnRef idx="1">
+        <a:scrgbClr r="0" g="0" b="0"/>
+      </a:lnRef>
+      <a:fillRef idx="1">
+        <a:scrgbClr r="0" g="0" b="0"/>
+      </a:fillRef>
+      <a:effectRef idx="0">
+        <a:scrgbClr r="0" g="0" b="0"/>
+      </a:effectRef>
+      <a:fontRef idx="minor"/>
+    </dgm:style>
+  </dgm:styleLbl>
+  <dgm:styleLbl name="bgAcc1">
+    <dgm:scene3d>
+      <a:camera prst="orthographicFront"/>
+      <a:lightRig rig="threePt" dir="t"/>
+    </dgm:scene3d>
+    <dgm:sp3d z="-161800" extrusionH="10600" prstMaterial="matte">
+      <a:bevelT w="90600" h="18600" prst="softRound"/>
+      <a:bevelB w="48600" h="8600" prst="relaxedInset"/>
+    </dgm:sp3d>
+    <dgm:txPr/>
+    <dgm:style>
+      <a:lnRef idx="1">
+        <a:scrgbClr r="0" g="0" b="0"/>
+      </a:lnRef>
+      <a:fillRef idx="1">
+        <a:scrgbClr r="0" g="0" b="0"/>
+      </a:fillRef>
+      <a:effectRef idx="0">
+        <a:scrgbClr r="0" g="0" b="0"/>
+      </a:effectRef>
+      <a:fontRef idx="minor"/>
+    </dgm:style>
+  </dgm:styleLbl>
+  <dgm:styleLbl name="solidFgAcc1">
+    <dgm:scene3d>
+      <a:camera prst="orthographicFront"/>
+      <a:lightRig rig="threePt" dir="t"/>
+    </dgm:scene3d>
+    <dgm:sp3d z="57200" extrusionH="600" contourW="3000">
+      <a:bevelT w="48600" h="18600" prst="relaxedInset"/>
+      <a:bevelB w="48600" h="8600" prst="relaxedInset"/>
+    </dgm:sp3d>
+    <dgm:txPr/>
+    <dgm:style>
+      <a:lnRef idx="0">
+        <a:scrgbClr r="0" g="0" b="0"/>
+      </a:lnRef>
+      <a:fillRef idx="1">
+        <a:scrgbClr r="0" g="0" b="0"/>
+      </a:fillRef>
+      <a:effectRef idx="0">
+        <a:scrgbClr r="0" g="0" b="0"/>
+      </a:effectRef>
+      <a:fontRef idx="minor"/>
+    </dgm:style>
+  </dgm:styleLbl>
+  <dgm:styleLbl name="solidAlignAcc1">
+    <dgm:scene3d>
+      <a:camera prst="orthographicFront"/>
+      <a:lightRig rig="threePt" dir="t"/>
+    </dgm:scene3d>
+    <dgm:sp3d extrusionH="50600" contourW="3000">
+      <a:bevelT w="101600" h="80600" prst="relaxedInset"/>
+      <a:bevelB w="80600" h="80600" prst="relaxedInset"/>
+    </dgm:sp3d>
+    <dgm:txPr/>
+    <dgm:style>
+      <a:lnRef idx="0">
+        <a:scrgbClr r="0" g="0" b="0"/>
+      </a:lnRef>
+      <a:fillRef idx="1">
+        <a:scrgbClr r="0" g="0" b="0"/>
+      </a:fillRef>
+      <a:effectRef idx="0">
+        <a:scrgbClr r="0" g="0" b="0"/>
+      </a:effectRef>
+      <a:fontRef idx="minor"/>
+    </dgm:style>
+  </dgm:styleLbl>
+  <dgm:styleLbl name="solidBgAcc1">
+    <dgm:scene3d>
+      <a:camera prst="orthographicFront"/>
+      <a:lightRig rig="threePt" dir="t"/>
+    </dgm:scene3d>
+    <dgm:sp3d z="-161800" extrusionH="10600" contourW="3000">
+      <a:bevelT w="48600" h="8600" prst="softRound"/>
+      <a:bevelB w="48600" h="8600" prst="relaxedInset"/>
+    </dgm:sp3d>
+    <dgm:txPr/>
+    <dgm:style>
+      <a:lnRef idx="0">
+        <a:scrgbClr r="0" g="0" b="0"/>
+      </a:lnRef>
+      <a:fillRef idx="1">
+        <a:scrgbClr r="0" g="0" b="0"/>
+      </a:fillRef>
+      <a:effectRef idx="0">
+        <a:scrgbClr r="0" g="0" b="0"/>
+      </a:effectRef>
+      <a:fontRef idx="minor"/>
+    </dgm:style>
+  </dgm:styleLbl>
+  <dgm:styleLbl name="fgAccFollowNode1">
+    <dgm:scene3d>
+      <a:camera prst="orthographicFront"/>
+      <a:lightRig rig="threePt" dir="t"/>
+    </dgm:scene3d>
+    <dgm:sp3d z="57200" extrusionH="600" contourW="3000">
+      <a:bevelT w="48600" h="18600" prst="relaxedInset"/>
+      <a:bevelB w="48600" h="8600" prst="relaxedInset"/>
+    </dgm:sp3d>
+    <dgm:txPr/>
+    <dgm:style>
+      <a:lnRef idx="0">
+        <a:scrgbClr r="0" g="0" b="0"/>
+      </a:lnRef>
+      <a:fillRef idx="1">
+        <a:scrgbClr r="0" g="0" b="0"/>
+      </a:fillRef>
+      <a:effectRef idx="0">
+        <a:scrgbClr r="0" g="0" b="0"/>
+      </a:effectRef>
+      <a:fontRef idx="minor"/>
+    </dgm:style>
+  </dgm:styleLbl>
+  <dgm:styleLbl name="alignAccFollowNode1">
+    <dgm:scene3d>
+      <a:camera prst="orthographicFront"/>
+      <a:lightRig rig="threePt" dir="t"/>
+    </dgm:scene3d>
+    <dgm:sp3d extrusionH="50600" contourW="3000">
+      <a:bevelT w="101600" h="80600" prst="relaxedInset"/>
+      <a:bevelB w="80600" h="80600" prst="relaxedInset"/>
+    </dgm:sp3d>
+    <dgm:txPr/>
+    <dgm:style>
+      <a:lnRef idx="0">
+        <a:scrgbClr r="0" g="0" b="0"/>
+      </a:lnRef>
+      <a:fillRef idx="1">
+        <a:scrgbClr r="0" g="0" b="0"/>
+      </a:fillRef>
+      <a:effectRef idx="0">
+        <a:scrgbClr r="0" g="0" b="0"/>
+      </a:effectRef>
+      <a:fontRef idx="minor"/>
+    </dgm:style>
+  </dgm:styleLbl>
+  <dgm:styleLbl name="bgAccFollowNode1">
+    <dgm:scene3d>
+      <a:camera prst="orthographicFront"/>
+      <a:lightRig rig="threePt" dir="t"/>
+    </dgm:scene3d>
+    <dgm:sp3d z="-161800" extrusionH="10600" contourW="3000">
+      <a:bevelT w="48600" h="8600" prst="relaxedInset"/>
+      <a:bevelB w="48600" h="8600" prst="relaxedInset"/>
+    </dgm:sp3d>
+    <dgm:txPr/>
+    <dgm:style>
+      <a:lnRef idx="0">
+        <a:scrgbClr r="0" g="0" b="0"/>
+      </a:lnRef>
+      <a:fillRef idx="1">
+        <a:scrgbClr r="0" g="0" b="0"/>
+      </a:fillRef>
+      <a:effectRef idx="0">
+        <a:scrgbClr r="0" g="0" b="0"/>
+      </a:effectRef>
+      <a:fontRef idx="minor"/>
+    </dgm:style>
+  </dgm:styleLbl>
+  <dgm:styleLbl name="fgAcc0">
+    <dgm:scene3d>
+      <a:camera prst="orthographicFront"/>
+      <a:lightRig rig="threePt" dir="t"/>
+    </dgm:scene3d>
+    <dgm:sp3d z="57200" extrusionH="600" contourW="3000">
+      <a:bevelT w="48600" h="18600" prst="relaxedInset"/>
+      <a:bevelB w="48600" h="8600" prst="relaxedInset"/>
+    </dgm:sp3d>
+    <dgm:txPr/>
+    <dgm:style>
+      <a:lnRef idx="1">
+        <a:scrgbClr r="0" g="0" b="0"/>
+      </a:lnRef>
+      <a:fillRef idx="1">
+        <a:scrgbClr r="0" g="0" b="0"/>
+      </a:fillRef>
+      <a:effectRef idx="0">
+        <a:scrgbClr r="0" g="0" b="0"/>
+      </a:effectRef>
+      <a:fontRef idx="minor"/>
+    </dgm:style>
+  </dgm:styleLbl>
+  <dgm:styleLbl name="fgAcc2">
+    <dgm:scene3d>
+      <a:camera prst="orthographicFront"/>
+      <a:lightRig rig="threePt" dir="t"/>
+    </dgm:scene3d>
+    <dgm:sp3d z="57200" extrusionH="600" contourW="3000">
+      <a:bevelT w="48600" h="18600" prst="relaxedInset"/>
+      <a:bevelB w="48600" h="8600" prst="relaxedInset"/>
+    </dgm:sp3d>
+    <dgm:txPr/>
+    <dgm:style>
+      <a:lnRef idx="1">
+        <a:scrgbClr r="0" g="0" b="0"/>
+      </a:lnRef>
+      <a:fillRef idx="1">
+        <a:scrgbClr r="0" g="0" b="0"/>
+      </a:fillRef>
+      <a:effectRef idx="0">
+        <a:scrgbClr r="0" g="0" b="0"/>
+      </a:effectRef>
+      <a:fontRef idx="minor"/>
+    </dgm:style>
+  </dgm:styleLbl>
+  <dgm:styleLbl name="fgAcc3">
+    <dgm:scene3d>
+      <a:camera prst="orthographicFront"/>
+      <a:lightRig rig="threePt" dir="t"/>
+    </dgm:scene3d>
+    <dgm:sp3d z="57200" extrusionH="600" contourW="3000">
+      <a:bevelT w="48600" h="18600" prst="relaxedInset"/>
+      <a:bevelB w="48600" h="8600" prst="relaxedInset"/>
+    </dgm:sp3d>
+    <dgm:txPr/>
+    <dgm:style>
+      <a:lnRef idx="1">
+        <a:scrgbClr r="0" g="0" b="0"/>
+      </a:lnRef>
+      <a:fillRef idx="1">
+        <a:scrgbClr r="0" g="0" b="0"/>
+      </a:fillRef>
+      <a:effectRef idx="0">
+        <a:scrgbClr r="0" g="0" b="0"/>
+      </a:effectRef>
+      <a:fontRef idx="minor"/>
+    </dgm:style>
+  </dgm:styleLbl>
+  <dgm:styleLbl name="fgAcc4">
+    <dgm:scene3d>
+      <a:camera prst="orthographicFront"/>
+      <a:lightRig rig="threePt" dir="t"/>
+    </dgm:scene3d>
+    <dgm:sp3d z="57200" extrusionH="600" contourW="3000">
+      <a:bevelT w="48600" h="18600" prst="relaxedInset"/>
+      <a:bevelB w="48600" h="8600" prst="relaxedInset"/>
+    </dgm:sp3d>
+    <dgm:txPr/>
+    <dgm:style>
+      <a:lnRef idx="1">
+        <a:scrgbClr r="0" g="0" b="0"/>
+      </a:lnRef>
+      <a:fillRef idx="1">
+        <a:scrgbClr r="0" g="0" b="0"/>
+      </a:fillRef>
+      <a:effectRef idx="0">
+        <a:scrgbClr r="0" g="0" b="0"/>
+      </a:effectRef>
+      <a:fontRef idx="minor"/>
+    </dgm:style>
+  </dgm:styleLbl>
+  <dgm:styleLbl name="bgShp">
+    <dgm:scene3d>
+      <a:camera prst="orthographicFront"/>
+      <a:lightRig rig="threePt" dir="t"/>
+    </dgm:scene3d>
+    <dgm:sp3d z="-161800" extrusionH="600" contourW="3000">
+      <a:bevelT w="48600" h="18600" prst="relaxedInset"/>
+      <a:bevelB w="48600" h="8600" prst="relaxedInset"/>
+    </dgm:sp3d>
+    <dgm:txPr/>
+    <dgm:style>
+      <a:lnRef idx="0">
+        <a:scrgbClr r="0" g="0" b="0"/>
+      </a:lnRef>
+      <a:fillRef idx="1">
+        <a:scrgbClr r="0" g="0" b="0"/>
+      </a:fillRef>
+      <a:effectRef idx="0">
+        <a:scrgbClr r="0" g="0" b="0"/>
+      </a:effectRef>
+      <a:fontRef idx="minor"/>
+    </dgm:style>
+  </dgm:styleLbl>
+  <dgm:styleLbl name="dkBgShp">
+    <dgm:scene3d>
+      <a:camera prst="orthographicFront"/>
+      <a:lightRig rig="threePt" dir="t"/>
+    </dgm:scene3d>
+    <dgm:sp3d extrusionH="50600">
+      <a:bevelT w="80600" h="80600" prst="relaxedInset"/>
+      <a:bevelB w="80600" h="80600" prst="relaxedInset"/>
+    </dgm:sp3d>
+    <dgm:txPr/>
+    <dgm:style>
+      <a:lnRef idx="0">
+        <a:scrgbClr r="0" g="0" b="0"/>
+      </a:lnRef>
+      <a:fillRef idx="1">
+        <a:scrgbClr r="0" g="0" b="0"/>
+      </a:fillRef>
+      <a:effectRef idx="0">
+        <a:scrgbClr r="0" g="0" b="0"/>
+      </a:effectRef>
+      <a:fontRef idx="minor"/>
+    </dgm:style>
+  </dgm:styleLbl>
+  <dgm:styleLbl name="trBgShp">
+    <dgm:scene3d>
+      <a:camera prst="orthographicFront"/>
+      <a:lightRig rig="threePt" dir="t"/>
+    </dgm:scene3d>
+    <dgm:sp3d z="-152400" prstMaterial="matte"/>
+    <dgm:txPr/>
+    <dgm:style>
+      <a:lnRef idx="0">
+        <a:scrgbClr r="0" g="0" b="0"/>
+      </a:lnRef>
+      <a:fillRef idx="1">
+        <a:scrgbClr r="0" g="0" b="0"/>
+      </a:fillRef>
+      <a:effectRef idx="0">
+        <a:scrgbClr r="0" g="0" b="0"/>
+      </a:effectRef>
+      <a:fontRef idx="minor"/>
+    </dgm:style>
+  </dgm:styleLbl>
+  <dgm:styleLbl name="fgShp">
+    <dgm:scene3d>
+      <a:camera prst="orthographicFront"/>
+      <a:lightRig rig="threePt" dir="t"/>
+    </dgm:scene3d>
+    <dgm:sp3d z="57200" extrusionH="600" contourW="3000" prstMaterial="plastic">
+      <a:bevelT w="80600" h="18600" prst="relaxedInset"/>
+      <a:bevelB w="80600" h="8600" prst="relaxedInset"/>
+    </dgm:sp3d>
+    <dgm:txPr/>
+    <dgm:style>
+      <a:lnRef idx="0">
+        <a:scrgbClr r="0" g="0" b="0"/>
+      </a:lnRef>
+      <a:fillRef idx="1">
+        <a:scrgbClr r="0" g="0" b="0"/>
+      </a:fillRef>
+      <a:effectRef idx="0">
+        <a:scrgbClr r="0" g="0" b="0"/>
+      </a:effectRef>
+      <a:fontRef idx="minor"/>
+    </dgm:style>
+  </dgm:styleLbl>
+  <dgm:styleLbl name="revTx">
+    <dgm:scene3d>
+      <a:camera prst="orthographicFront"/>
+      <a:lightRig rig="threePt" dir="t"/>
+    </dgm:scene3d>
+    <dgm:sp3d/>
+    <dgm:txPr/>
+    <dgm:style>
+      <a:lnRef idx="0">
+        <a:scrgbClr r="0" g="0" b="0"/>
+      </a:lnRef>
+      <a:fillRef idx="0">
+        <a:scrgbClr r="0" g="0" b="0"/>
+      </a:fillRef>
+      <a:effectRef idx="0">
+        <a:scrgbClr r="0" g="0" b="0"/>
+      </a:effectRef>
+      <a:fontRef idx="minor"/>
+    </dgm:style>
+  </dgm:styleLbl>
+</dgm:styleDef>
 </file>
 
 <file path=ppt/notesMasters/notesMaster1.xml><?xml version="1.0" encoding="utf-8"?>
@@ -192,7 +4265,7 @@
             </a:lvl1pPr>
           </a:lstStyle>
           <a:p>
-            <a:endParaRPr lang="en-US"/>
+            <a:endParaRPr lang="en-US" dirty="0"/>
           </a:p>
         </p:txBody>
       </p:sp>
@@ -225,9 +4298,9 @@
           <a:p>
             <a:fld id="{BE2DB4C2-5C18-459C-AA79-18B0CF9C1D09}" type="datetimeFigureOut">
               <a:rPr lang="en-US" smtClean="0"/>
-              <a:t>5/21/2019</a:t>
+              <a:t>5/23/2019</a:t>
             </a:fld>
-            <a:endParaRPr lang="en-US"/>
+            <a:endParaRPr lang="en-US" dirty="0"/>
           </a:p>
         </p:txBody>
       </p:sp>
@@ -260,7 +4333,7 @@
           <a:bodyPr vert="horz" lIns="91440" tIns="45720" rIns="91440" bIns="45720" rtlCol="0" anchor="ctr"/>
           <a:lstStyle/>
           <a:p>
-            <a:endParaRPr lang="en-US"/>
+            <a:endParaRPr lang="en-US" dirty="0"/>
           </a:p>
         </p:txBody>
       </p:sp>
@@ -350,7 +4423,7 @@
             </a:lvl1pPr>
           </a:lstStyle>
           <a:p>
-            <a:endParaRPr lang="en-US"/>
+            <a:endParaRPr lang="en-US" dirty="0"/>
           </a:p>
         </p:txBody>
       </p:sp>
@@ -385,7 +4458,7 @@
               <a:rPr lang="en-US" smtClean="0"/>
               <a:t>‹#›</a:t>
             </a:fld>
-            <a:endParaRPr lang="en-US"/>
+            <a:endParaRPr lang="en-US" dirty="0"/>
           </a:p>
         </p:txBody>
       </p:sp>
@@ -492,6 +4565,180 @@
 </p:notesMaster>
 </file>
 
+<file path=ppt/notesSlides/notesSlide1.xml><?xml version="1.0" encoding="utf-8"?>
+<p:notes xmlns:a="http://schemas.openxmlformats.org/drawingml/2006/main" xmlns:r="http://schemas.openxmlformats.org/officeDocument/2006/relationships" xmlns:p="http://schemas.openxmlformats.org/presentationml/2006/main">
+  <p:cSld>
+    <p:spTree>
+      <p:nvGrpSpPr>
+        <p:cNvPr id="1" name=""/>
+        <p:cNvGrpSpPr/>
+        <p:nvPr/>
+      </p:nvGrpSpPr>
+      <p:grpSpPr>
+        <a:xfrm>
+          <a:off x="0" y="0"/>
+          <a:ext cx="0" cy="0"/>
+          <a:chOff x="0" y="0"/>
+          <a:chExt cx="0" cy="0"/>
+        </a:xfrm>
+      </p:grpSpPr>
+      <p:sp>
+        <p:nvSpPr>
+          <p:cNvPr id="2" name="Slide Image Placeholder 1"/>
+          <p:cNvSpPr>
+            <a:spLocks noGrp="1" noRot="1" noChangeAspect="1"/>
+          </p:cNvSpPr>
+          <p:nvPr>
+            <p:ph type="sldImg"/>
+          </p:nvPr>
+        </p:nvSpPr>
+        <p:spPr/>
+      </p:sp>
+      <p:sp>
+        <p:nvSpPr>
+          <p:cNvPr id="3" name="Notes Placeholder 2"/>
+          <p:cNvSpPr>
+            <a:spLocks noGrp="1"/>
+          </p:cNvSpPr>
+          <p:nvPr>
+            <p:ph type="body" idx="1"/>
+          </p:nvPr>
+        </p:nvSpPr>
+        <p:spPr/>
+        <p:txBody>
+          <a:bodyPr/>
+          <a:lstStyle/>
+          <a:p>
+            <a:endParaRPr lang="en-US" dirty="0"/>
+          </a:p>
+        </p:txBody>
+      </p:sp>
+      <p:sp>
+        <p:nvSpPr>
+          <p:cNvPr id="4" name="Slide Number Placeholder 3"/>
+          <p:cNvSpPr>
+            <a:spLocks noGrp="1"/>
+          </p:cNvSpPr>
+          <p:nvPr>
+            <p:ph type="sldNum" sz="quarter" idx="5"/>
+          </p:nvPr>
+        </p:nvSpPr>
+        <p:spPr/>
+        <p:txBody>
+          <a:bodyPr/>
+          <a:lstStyle/>
+          <a:p>
+            <a:fld id="{C8F38765-32F0-41BB-9C2A-55169E2C81AD}" type="slidenum">
+              <a:rPr lang="en-US" smtClean="0"/>
+              <a:t>1</a:t>
+            </a:fld>
+            <a:endParaRPr lang="en-US" dirty="0"/>
+          </a:p>
+        </p:txBody>
+      </p:sp>
+    </p:spTree>
+    <p:extLst>
+      <p:ext uri="{BB962C8B-B14F-4D97-AF65-F5344CB8AC3E}">
+        <p14:creationId xmlns:p14="http://schemas.microsoft.com/office/powerpoint/2010/main" val="3494385860"/>
+      </p:ext>
+    </p:extLst>
+  </p:cSld>
+  <p:clrMapOvr>
+    <a:masterClrMapping/>
+  </p:clrMapOvr>
+</p:notes>
+</file>
+
+<file path=ppt/notesSlides/notesSlide2.xml><?xml version="1.0" encoding="utf-8"?>
+<p:notes xmlns:a="http://schemas.openxmlformats.org/drawingml/2006/main" xmlns:r="http://schemas.openxmlformats.org/officeDocument/2006/relationships" xmlns:p="http://schemas.openxmlformats.org/presentationml/2006/main">
+  <p:cSld>
+    <p:spTree>
+      <p:nvGrpSpPr>
+        <p:cNvPr id="1" name=""/>
+        <p:cNvGrpSpPr/>
+        <p:nvPr/>
+      </p:nvGrpSpPr>
+      <p:grpSpPr>
+        <a:xfrm>
+          <a:off x="0" y="0"/>
+          <a:ext cx="0" cy="0"/>
+          <a:chOff x="0" y="0"/>
+          <a:chExt cx="0" cy="0"/>
+        </a:xfrm>
+      </p:grpSpPr>
+      <p:sp>
+        <p:nvSpPr>
+          <p:cNvPr id="2" name="Slide Image Placeholder 1"/>
+          <p:cNvSpPr>
+            <a:spLocks noGrp="1" noRot="1" noChangeAspect="1"/>
+          </p:cNvSpPr>
+          <p:nvPr>
+            <p:ph type="sldImg"/>
+          </p:nvPr>
+        </p:nvSpPr>
+        <p:spPr/>
+      </p:sp>
+      <p:sp>
+        <p:nvSpPr>
+          <p:cNvPr id="3" name="Notes Placeholder 2"/>
+          <p:cNvSpPr>
+            <a:spLocks noGrp="1"/>
+          </p:cNvSpPr>
+          <p:nvPr>
+            <p:ph type="body" idx="1"/>
+          </p:nvPr>
+        </p:nvSpPr>
+        <p:spPr/>
+        <p:txBody>
+          <a:bodyPr/>
+          <a:lstStyle/>
+          <a:p>
+            <a:r>
+              <a:rPr lang="en-US" dirty="0"/>
+              <a:t>Live demo after visualization</a:t>
+            </a:r>
+          </a:p>
+          <a:p>
+            <a:endParaRPr lang="en-US" dirty="0"/>
+          </a:p>
+        </p:txBody>
+      </p:sp>
+      <p:sp>
+        <p:nvSpPr>
+          <p:cNvPr id="4" name="Slide Number Placeholder 3"/>
+          <p:cNvSpPr>
+            <a:spLocks noGrp="1"/>
+          </p:cNvSpPr>
+          <p:nvPr>
+            <p:ph type="sldNum" sz="quarter" idx="5"/>
+          </p:nvPr>
+        </p:nvSpPr>
+        <p:spPr/>
+        <p:txBody>
+          <a:bodyPr/>
+          <a:lstStyle/>
+          <a:p>
+            <a:fld id="{C8F38765-32F0-41BB-9C2A-55169E2C81AD}" type="slidenum">
+              <a:rPr lang="en-US" smtClean="0"/>
+              <a:t>12</a:t>
+            </a:fld>
+            <a:endParaRPr lang="en-US" dirty="0"/>
+          </a:p>
+        </p:txBody>
+      </p:sp>
+    </p:spTree>
+    <p:extLst>
+      <p:ext uri="{BB962C8B-B14F-4D97-AF65-F5344CB8AC3E}">
+        <p14:creationId xmlns:p14="http://schemas.microsoft.com/office/powerpoint/2010/main" val="1722263275"/>
+      </p:ext>
+    </p:extLst>
+  </p:cSld>
+  <p:clrMapOvr>
+    <a:masterClrMapping/>
+  </p:clrMapOvr>
+</p:notes>
+</file>
+
 <file path=ppt/slideLayouts/slideLayout1.xml><?xml version="1.0" encoding="utf-8"?>
 <p:sldLayout xmlns:a="http://schemas.openxmlformats.org/drawingml/2006/main" xmlns:r="http://schemas.openxmlformats.org/officeDocument/2006/relationships" xmlns:p="http://schemas.openxmlformats.org/presentationml/2006/main" type="title" preserve="1">
   <p:cSld name="Title Slide">
@@ -521,8 +4768,8 @@
         </p:nvSpPr>
         <p:spPr>
           <a:xfrm>
-            <a:off x="2493105" y="802298"/>
-            <a:ext cx="8561747" cy="2541431"/>
+            <a:off x="2417779" y="802298"/>
+            <a:ext cx="8637073" cy="2541431"/>
           </a:xfrm>
         </p:spPr>
         <p:txBody>
@@ -555,8 +4802,8 @@
         </p:nvSpPr>
         <p:spPr>
           <a:xfrm>
-            <a:off x="2493106" y="3531204"/>
-            <a:ext cx="8561746" cy="977621"/>
+            <a:off x="2417780" y="3531204"/>
+            <a:ext cx="8637072" cy="977621"/>
           </a:xfrm>
         </p:spPr>
         <p:txBody>
@@ -630,8 +4877,8 @@
           <a:lstStyle/>
           <a:p>
             <a:fld id="{A423BF71-38B7-8642-BFCE-EDAE9BD0CBAF}" type="datetimeFigureOut">
-              <a:rPr lang="en-US" dirty="0"/>
-              <a:t>5/21/2019</a:t>
+              <a:rPr lang="en-US" smtClean="0"/>
+              <a:t>5/23/2019</a:t>
             </a:fld>
             <a:endParaRPr lang="en-US" dirty="0"/>
           </a:p>
@@ -649,8 +4896,8 @@
         </p:nvSpPr>
         <p:spPr>
           <a:xfrm>
-            <a:off x="2493105" y="329307"/>
-            <a:ext cx="4897310" cy="309201"/>
+            <a:off x="2416500" y="329307"/>
+            <a:ext cx="4973915" cy="309201"/>
           </a:xfrm>
         </p:spPr>
         <p:txBody>
@@ -682,7 +4929,7 @@
           <a:lstStyle/>
           <a:p>
             <a:fld id="{6D22F896-40B5-4ADD-8801-0D06FADFA095}" type="slidenum">
-              <a:rPr lang="en-US" dirty="0"/>
+              <a:rPr lang="en-US" smtClean="0"/>
               <a:t>‹#›</a:t>
             </a:fld>
             <a:endParaRPr lang="en-US" dirty="0"/>
@@ -691,25 +4938,19 @@
       </p:sp>
       <p:cxnSp>
         <p:nvCxnSpPr>
-          <p:cNvPr id="8" name="Straight Connector 7"/>
+          <p:cNvPr id="15" name="Straight Connector 14"/>
           <p:cNvCxnSpPr/>
           <p:nvPr/>
         </p:nvCxnSpPr>
         <p:spPr>
           <a:xfrm>
-            <a:off x="2334637" y="798973"/>
-            <a:ext cx="0" cy="2544756"/>
+            <a:off x="2417780" y="3528542"/>
+            <a:ext cx="8637072" cy="0"/>
           </a:xfrm>
           <a:prstGeom prst="line">
             <a:avLst/>
           </a:prstGeom>
-          <a:ln w="38100" cmpd="sng">
-            <a:solidFill>
-              <a:schemeClr val="accent1"/>
-            </a:solidFill>
-            <a:prstDash val="solid"/>
-            <a:tailEnd type="none"/>
-          </a:ln>
+          <a:ln w="31750"/>
         </p:spPr>
         <p:style>
           <a:lnRef idx="3">
@@ -727,6 +4968,11 @@
         </p:style>
       </p:cxnSp>
     </p:spTree>
+    <p:extLst>
+      <p:ext uri="{BB962C8B-B14F-4D97-AF65-F5344CB8AC3E}">
+        <p14:creationId xmlns:p14="http://schemas.microsoft.com/office/powerpoint/2010/main" val="4099756574"/>
+      </p:ext>
+    </p:extLst>
   </p:cSld>
   <p:clrMapOvr>
     <a:masterClrMapping/>
@@ -842,8 +5088,8 @@
           <a:lstStyle/>
           <a:p>
             <a:fld id="{73B025CB-9D18-264E-A945-2D020344C9DA}" type="datetimeFigureOut">
-              <a:rPr lang="en-US" dirty="0"/>
-              <a:t>5/21/2019</a:t>
+              <a:rPr lang="en-US" smtClean="0"/>
+              <a:t>5/23/2019</a:t>
             </a:fld>
             <a:endParaRPr lang="en-US" dirty="0"/>
           </a:p>
@@ -884,7 +5130,7 @@
           <a:lstStyle/>
           <a:p>
             <a:fld id="{6D22F896-40B5-4ADD-8801-0D06FADFA095}" type="slidenum">
-              <a:rPr lang="en-US" dirty="0"/>
+              <a:rPr lang="en-US" smtClean="0"/>
               <a:t>‹#›</a:t>
             </a:fld>
             <a:endParaRPr lang="en-US" dirty="0"/>
@@ -893,25 +5139,19 @@
       </p:sp>
       <p:cxnSp>
         <p:nvCxnSpPr>
-          <p:cNvPr id="8" name="Straight Connector 7"/>
+          <p:cNvPr id="26" name="Straight Connector 25"/>
           <p:cNvCxnSpPr/>
           <p:nvPr/>
         </p:nvCxnSpPr>
         <p:spPr>
           <a:xfrm>
-            <a:off x="1371687" y="798973"/>
-            <a:ext cx="0" cy="1067168"/>
+            <a:off x="1453896" y="1847088"/>
+            <a:ext cx="9607522" cy="0"/>
           </a:xfrm>
           <a:prstGeom prst="line">
             <a:avLst/>
           </a:prstGeom>
-          <a:ln w="38100" cmpd="sng">
-            <a:solidFill>
-              <a:schemeClr val="accent1"/>
-            </a:solidFill>
-            <a:prstDash val="solid"/>
-            <a:tailEnd type="none"/>
-          </a:ln>
+          <a:ln w="31750"/>
         </p:spPr>
         <p:style>
           <a:lnRef idx="3">
@@ -929,6 +5169,11 @@
         </p:style>
       </p:cxnSp>
     </p:spTree>
+    <p:extLst>
+      <p:ext uri="{BB962C8B-B14F-4D97-AF65-F5344CB8AC3E}">
+        <p14:creationId xmlns:p14="http://schemas.microsoft.com/office/powerpoint/2010/main" val="1606902951"/>
+      </p:ext>
+    </p:extLst>
   </p:cSld>
   <p:clrMapOvr>
     <a:masterClrMapping/>
@@ -965,8 +5210,8 @@
         </p:nvSpPr>
         <p:spPr>
           <a:xfrm>
-            <a:off x="9439111" y="883863"/>
-            <a:ext cx="1615742" cy="4574999"/>
+            <a:off x="9439111" y="798973"/>
+            <a:ext cx="1615742" cy="4659889"/>
           </a:xfrm>
         </p:spPr>
         <p:txBody>
@@ -997,8 +5242,8 @@
         </p:nvSpPr>
         <p:spPr>
           <a:xfrm>
-            <a:off x="1534694" y="883863"/>
-            <a:ext cx="7738807" cy="4574999"/>
+            <a:off x="1444672" y="798973"/>
+            <a:ext cx="7828830" cy="4659889"/>
           </a:xfrm>
         </p:spPr>
         <p:txBody>
@@ -1058,8 +5303,8 @@
           <a:lstStyle/>
           <a:p>
             <a:fld id="{507EFB6C-7E96-8F41-8872-189CA1C59F84}" type="datetimeFigureOut">
-              <a:rPr lang="en-US" dirty="0"/>
-              <a:t>5/21/2019</a:t>
+              <a:rPr lang="en-US" smtClean="0"/>
+              <a:t>5/23/2019</a:t>
             </a:fld>
             <a:endParaRPr lang="en-US" dirty="0"/>
           </a:p>
@@ -1100,7 +5345,7 @@
           <a:lstStyle/>
           <a:p>
             <a:fld id="{6D22F896-40B5-4ADD-8801-0D06FADFA095}" type="slidenum">
-              <a:rPr lang="en-US" dirty="0"/>
+              <a:rPr lang="en-US" smtClean="0"/>
               <a:t>‹#›</a:t>
             </a:fld>
             <a:endParaRPr lang="en-US" dirty="0"/>
@@ -1109,25 +5354,19 @@
       </p:sp>
       <p:cxnSp>
         <p:nvCxnSpPr>
-          <p:cNvPr id="8" name="Straight Connector 7"/>
+          <p:cNvPr id="15" name="Straight Connector 14"/>
           <p:cNvCxnSpPr/>
           <p:nvPr/>
         </p:nvCxnSpPr>
         <p:spPr>
-          <a:xfrm flipH="1">
-            <a:off x="9439111" y="719272"/>
-            <a:ext cx="1615742" cy="0"/>
+          <a:xfrm>
+            <a:off x="9439111" y="798973"/>
+            <a:ext cx="0" cy="4659889"/>
           </a:xfrm>
           <a:prstGeom prst="line">
             <a:avLst/>
           </a:prstGeom>
-          <a:ln w="38100" cmpd="sng">
-            <a:solidFill>
-              <a:schemeClr val="accent1"/>
-            </a:solidFill>
-            <a:prstDash val="solid"/>
-            <a:tailEnd type="none"/>
-          </a:ln>
+          <a:ln w="31750"/>
         </p:spPr>
         <p:style>
           <a:lnRef idx="3">
@@ -1145,6 +5384,11 @@
         </p:style>
       </p:cxnSp>
     </p:spTree>
+    <p:extLst>
+      <p:ext uri="{BB962C8B-B14F-4D97-AF65-F5344CB8AC3E}">
+        <p14:creationId xmlns:p14="http://schemas.microsoft.com/office/powerpoint/2010/main" val="2437502364"/>
+      </p:ext>
+    </p:extLst>
   </p:cSld>
   <p:clrMapOvr>
     <a:masterClrMapping/>
@@ -1260,8 +5504,8 @@
           <a:lstStyle/>
           <a:p>
             <a:fld id="{B6981CDE-9BE7-C544-8ACB-7077DFC4270F}" type="datetimeFigureOut">
-              <a:rPr lang="en-US" dirty="0"/>
-              <a:t>5/21/2019</a:t>
+              <a:rPr lang="en-US" smtClean="0"/>
+              <a:t>5/23/2019</a:t>
             </a:fld>
             <a:endParaRPr lang="en-US" dirty="0"/>
           </a:p>
@@ -1302,7 +5546,7 @@
           <a:lstStyle/>
           <a:p>
             <a:fld id="{6D22F896-40B5-4ADD-8801-0D06FADFA095}" type="slidenum">
-              <a:rPr lang="en-US" dirty="0"/>
+              <a:rPr lang="en-US" smtClean="0"/>
               <a:t>‹#›</a:t>
             </a:fld>
             <a:endParaRPr lang="en-US" dirty="0"/>
@@ -1311,25 +5555,19 @@
       </p:sp>
       <p:cxnSp>
         <p:nvCxnSpPr>
-          <p:cNvPr id="8" name="Straight Connector 7"/>
+          <p:cNvPr id="33" name="Straight Connector 32"/>
           <p:cNvCxnSpPr/>
           <p:nvPr/>
         </p:nvCxnSpPr>
         <p:spPr>
           <a:xfrm>
-            <a:off x="1371687" y="798973"/>
-            <a:ext cx="0" cy="1067168"/>
+            <a:off x="1453896" y="1847088"/>
+            <a:ext cx="9607522" cy="0"/>
           </a:xfrm>
           <a:prstGeom prst="line">
             <a:avLst/>
           </a:prstGeom>
-          <a:ln w="38100" cmpd="sng">
-            <a:solidFill>
-              <a:schemeClr val="accent1"/>
-            </a:solidFill>
-            <a:prstDash val="solid"/>
-            <a:tailEnd type="none"/>
-          </a:ln>
+          <a:ln w="31750"/>
         </p:spPr>
         <p:style>
           <a:lnRef idx="3">
@@ -1347,6 +5585,11 @@
         </p:style>
       </p:cxnSp>
     </p:spTree>
+    <p:extLst>
+      <p:ext uri="{BB962C8B-B14F-4D97-AF65-F5344CB8AC3E}">
+        <p14:creationId xmlns:p14="http://schemas.microsoft.com/office/powerpoint/2010/main" val="751666153"/>
+      </p:ext>
+    </p:extLst>
   </p:cSld>
   <p:clrMapOvr>
     <a:masterClrMapping/>
@@ -1383,8 +5626,8 @@
         </p:nvSpPr>
         <p:spPr>
           <a:xfrm>
-            <a:off x="1534813" y="1756130"/>
-            <a:ext cx="8562580" cy="1887950"/>
+            <a:off x="1454239" y="1756130"/>
+            <a:ext cx="8643154" cy="1887950"/>
           </a:xfrm>
         </p:spPr>
         <p:txBody>
@@ -1417,8 +5660,8 @@
         </p:nvSpPr>
         <p:spPr>
           <a:xfrm>
-            <a:off x="1534695" y="3806195"/>
-            <a:ext cx="8549990" cy="1012929"/>
+            <a:off x="1454239" y="3806195"/>
+            <a:ext cx="8630446" cy="1012929"/>
           </a:xfrm>
         </p:spPr>
         <p:txBody>
@@ -1540,8 +5783,8 @@
           <a:lstStyle/>
           <a:p>
             <a:fld id="{B55BA285-9698-1B45-8319-D90A8C63F150}" type="datetimeFigureOut">
-              <a:rPr lang="en-US" dirty="0"/>
-              <a:t>5/21/2019</a:t>
+              <a:rPr lang="en-US" smtClean="0"/>
+              <a:t>5/23/2019</a:t>
             </a:fld>
             <a:endParaRPr lang="en-US" dirty="0"/>
           </a:p>
@@ -1582,7 +5825,7 @@
           <a:lstStyle/>
           <a:p>
             <a:fld id="{6D22F896-40B5-4ADD-8801-0D06FADFA095}" type="slidenum">
-              <a:rPr lang="en-US" dirty="0"/>
+              <a:rPr lang="en-US" smtClean="0"/>
               <a:t>‹#›</a:t>
             </a:fld>
             <a:endParaRPr lang="en-US" dirty="0"/>
@@ -1591,25 +5834,19 @@
       </p:sp>
       <p:cxnSp>
         <p:nvCxnSpPr>
-          <p:cNvPr id="8" name="Straight Connector 7"/>
+          <p:cNvPr id="15" name="Straight Connector 14"/>
           <p:cNvCxnSpPr/>
           <p:nvPr/>
         </p:nvCxnSpPr>
         <p:spPr>
           <a:xfrm>
-            <a:off x="1371687" y="798973"/>
-            <a:ext cx="0" cy="2845107"/>
+            <a:off x="1454239" y="3804985"/>
+            <a:ext cx="8630446" cy="0"/>
           </a:xfrm>
           <a:prstGeom prst="line">
             <a:avLst/>
           </a:prstGeom>
-          <a:ln w="38100" cmpd="sng">
-            <a:solidFill>
-              <a:schemeClr val="accent1"/>
-            </a:solidFill>
-            <a:prstDash val="solid"/>
-            <a:tailEnd type="none"/>
-          </a:ln>
+          <a:ln w="31750"/>
         </p:spPr>
         <p:style>
           <a:lnRef idx="3">
@@ -1627,6 +5864,11 @@
         </p:style>
       </p:cxnSp>
     </p:spTree>
+    <p:extLst>
+      <p:ext uri="{BB962C8B-B14F-4D97-AF65-F5344CB8AC3E}">
+        <p14:creationId xmlns:p14="http://schemas.microsoft.com/office/powerpoint/2010/main" val="2569915067"/>
+      </p:ext>
+    </p:extLst>
   </p:cSld>
   <p:clrMapOvr>
     <a:masterClrMapping/>
@@ -1663,8 +5905,8 @@
         </p:nvSpPr>
         <p:spPr>
           <a:xfrm>
-            <a:off x="1534695" y="804889"/>
-            <a:ext cx="9520157" cy="1059305"/>
+            <a:off x="1449217" y="804889"/>
+            <a:ext cx="9605635" cy="1059305"/>
           </a:xfrm>
         </p:spPr>
         <p:txBody>
@@ -1691,8 +5933,8 @@
         </p:nvSpPr>
         <p:spPr>
           <a:xfrm>
-            <a:off x="1534695" y="2010878"/>
-            <a:ext cx="4608576" cy="3438144"/>
+            <a:off x="1447331" y="2010878"/>
+            <a:ext cx="4645152" cy="3448595"/>
           </a:xfrm>
         </p:spPr>
         <p:txBody>
@@ -1748,8 +5990,8 @@
         </p:nvSpPr>
         <p:spPr>
           <a:xfrm>
-            <a:off x="6454793" y="2017343"/>
-            <a:ext cx="4604130" cy="3441520"/>
+            <a:off x="6413771" y="2017343"/>
+            <a:ext cx="4645152" cy="3441520"/>
           </a:xfrm>
         </p:spPr>
         <p:txBody>
@@ -1809,8 +6051,8 @@
           <a:lstStyle/>
           <a:p>
             <a:fld id="{0A86CD42-43FF-B740-998F-DCC3802C4CE3}" type="datetimeFigureOut">
-              <a:rPr lang="en-US" dirty="0"/>
-              <a:t>5/21/2019</a:t>
+              <a:rPr lang="en-US" smtClean="0"/>
+              <a:t>5/23/2019</a:t>
             </a:fld>
             <a:endParaRPr lang="en-US" dirty="0"/>
           </a:p>
@@ -1851,7 +6093,7 @@
           <a:lstStyle/>
           <a:p>
             <a:fld id="{6D22F896-40B5-4ADD-8801-0D06FADFA095}" type="slidenum">
-              <a:rPr lang="en-US" dirty="0"/>
+              <a:rPr lang="en-US" smtClean="0"/>
               <a:t>‹#›</a:t>
             </a:fld>
             <a:endParaRPr lang="en-US" dirty="0"/>
@@ -1860,25 +6102,19 @@
       </p:sp>
       <p:cxnSp>
         <p:nvCxnSpPr>
-          <p:cNvPr id="9" name="Straight Connector 8"/>
+          <p:cNvPr id="35" name="Straight Connector 34"/>
           <p:cNvCxnSpPr/>
           <p:nvPr/>
         </p:nvCxnSpPr>
         <p:spPr>
           <a:xfrm>
-            <a:off x="1371687" y="798973"/>
-            <a:ext cx="0" cy="1067168"/>
+            <a:off x="1453896" y="1847088"/>
+            <a:ext cx="9607522" cy="0"/>
           </a:xfrm>
           <a:prstGeom prst="line">
             <a:avLst/>
           </a:prstGeom>
-          <a:ln w="38100" cmpd="sng">
-            <a:solidFill>
-              <a:schemeClr val="accent1"/>
-            </a:solidFill>
-            <a:prstDash val="solid"/>
-            <a:tailEnd type="none"/>
-          </a:ln>
+          <a:ln w="31750"/>
         </p:spPr>
         <p:style>
           <a:lnRef idx="3">
@@ -1896,6 +6132,11 @@
         </p:style>
       </p:cxnSp>
     </p:spTree>
+    <p:extLst>
+      <p:ext uri="{BB962C8B-B14F-4D97-AF65-F5344CB8AC3E}">
+        <p14:creationId xmlns:p14="http://schemas.microsoft.com/office/powerpoint/2010/main" val="3193209773"/>
+      </p:ext>
+    </p:extLst>
   </p:cSld>
   <p:clrMapOvr>
     <a:masterClrMapping/>
@@ -1932,8 +6173,8 @@
         </p:nvSpPr>
         <p:spPr>
           <a:xfrm>
-            <a:off x="1534695" y="804163"/>
-            <a:ext cx="9520157" cy="1056319"/>
+            <a:off x="1447191" y="804163"/>
+            <a:ext cx="9607661" cy="1056319"/>
           </a:xfrm>
         </p:spPr>
         <p:txBody>
@@ -1960,8 +6201,8 @@
         </p:nvSpPr>
         <p:spPr>
           <a:xfrm>
-            <a:off x="1534695" y="2019549"/>
-            <a:ext cx="4608576" cy="801943"/>
+            <a:off x="1447191" y="2019549"/>
+            <a:ext cx="4645152" cy="801943"/>
           </a:xfrm>
         </p:spPr>
         <p:txBody>
@@ -2034,8 +6275,8 @@
         </p:nvSpPr>
         <p:spPr>
           <a:xfrm>
-            <a:off x="1534695" y="2824269"/>
-            <a:ext cx="4608576" cy="2644457"/>
+            <a:off x="1447191" y="2824269"/>
+            <a:ext cx="4645152" cy="2644457"/>
           </a:xfrm>
         </p:spPr>
         <p:txBody>
@@ -2091,8 +6332,8 @@
         </p:nvSpPr>
         <p:spPr>
           <a:xfrm>
-            <a:off x="6454791" y="2023003"/>
-            <a:ext cx="4608576" cy="802237"/>
+            <a:off x="6412362" y="2023003"/>
+            <a:ext cx="4645152" cy="802237"/>
           </a:xfrm>
         </p:spPr>
         <p:txBody>
@@ -2165,8 +6406,8 @@
         </p:nvSpPr>
         <p:spPr>
           <a:xfrm>
-            <a:off x="6454792" y="2821491"/>
-            <a:ext cx="4608576" cy="2637371"/>
+            <a:off x="6412362" y="2821491"/>
+            <a:ext cx="4645152" cy="2637371"/>
           </a:xfrm>
         </p:spPr>
         <p:txBody>
@@ -2226,8 +6467,8 @@
           <a:lstStyle/>
           <a:p>
             <a:fld id="{CEA0FFBD-2EE4-8547-BBAE-A1AC91C8D77E}" type="datetimeFigureOut">
-              <a:rPr lang="en-US" dirty="0"/>
-              <a:t>5/21/2019</a:t>
+              <a:rPr lang="en-US" smtClean="0"/>
+              <a:t>5/23/2019</a:t>
             </a:fld>
             <a:endParaRPr lang="en-US" dirty="0"/>
           </a:p>
@@ -2268,7 +6509,7 @@
           <a:lstStyle/>
           <a:p>
             <a:fld id="{6D22F896-40B5-4ADD-8801-0D06FADFA095}" type="slidenum">
-              <a:rPr lang="en-US" dirty="0"/>
+              <a:rPr lang="en-US" smtClean="0"/>
               <a:t>‹#›</a:t>
             </a:fld>
             <a:endParaRPr lang="en-US" dirty="0"/>
@@ -2277,25 +6518,19 @@
       </p:sp>
       <p:cxnSp>
         <p:nvCxnSpPr>
-          <p:cNvPr id="11" name="Straight Connector 10"/>
+          <p:cNvPr id="29" name="Straight Connector 28"/>
           <p:cNvCxnSpPr/>
           <p:nvPr/>
         </p:nvCxnSpPr>
         <p:spPr>
           <a:xfrm>
-            <a:off x="1371687" y="798973"/>
-            <a:ext cx="0" cy="1067168"/>
+            <a:off x="1453896" y="1847088"/>
+            <a:ext cx="9607522" cy="0"/>
           </a:xfrm>
           <a:prstGeom prst="line">
             <a:avLst/>
           </a:prstGeom>
-          <a:ln w="38100" cmpd="sng">
-            <a:solidFill>
-              <a:schemeClr val="accent1"/>
-            </a:solidFill>
-            <a:prstDash val="solid"/>
-            <a:tailEnd type="none"/>
-          </a:ln>
+          <a:ln w="31750"/>
         </p:spPr>
         <p:style>
           <a:lnRef idx="3">
@@ -2313,6 +6548,11 @@
         </p:style>
       </p:cxnSp>
     </p:spTree>
+    <p:extLst>
+      <p:ext uri="{BB962C8B-B14F-4D97-AF65-F5344CB8AC3E}">
+        <p14:creationId xmlns:p14="http://schemas.microsoft.com/office/powerpoint/2010/main" val="1730689297"/>
+      </p:ext>
+    </p:extLst>
   </p:cSld>
   <p:clrMapOvr>
     <a:masterClrMapping/>
@@ -2376,8 +6616,8 @@
           <a:lstStyle/>
           <a:p>
             <a:fld id="{955A2352-D7AC-F242-9256-A4477BCBF354}" type="datetimeFigureOut">
-              <a:rPr lang="en-US" dirty="0"/>
-              <a:t>5/21/2019</a:t>
+              <a:rPr lang="en-US" smtClean="0"/>
+              <a:t>5/23/2019</a:t>
             </a:fld>
             <a:endParaRPr lang="en-US" dirty="0"/>
           </a:p>
@@ -2418,7 +6658,7 @@
           <a:lstStyle/>
           <a:p>
             <a:fld id="{6D22F896-40B5-4ADD-8801-0D06FADFA095}" type="slidenum">
-              <a:rPr lang="en-US" dirty="0"/>
+              <a:rPr lang="en-US" smtClean="0"/>
               <a:t>‹#›</a:t>
             </a:fld>
             <a:endParaRPr lang="en-US" dirty="0"/>
@@ -2427,25 +6667,19 @@
       </p:sp>
       <p:cxnSp>
         <p:nvCxnSpPr>
-          <p:cNvPr id="7" name="Straight Connector 6"/>
+          <p:cNvPr id="25" name="Straight Connector 24"/>
           <p:cNvCxnSpPr/>
           <p:nvPr/>
         </p:nvCxnSpPr>
         <p:spPr>
           <a:xfrm>
-            <a:off x="1371687" y="798973"/>
-            <a:ext cx="0" cy="1067168"/>
+            <a:off x="1453896" y="1847088"/>
+            <a:ext cx="9607522" cy="0"/>
           </a:xfrm>
           <a:prstGeom prst="line">
             <a:avLst/>
           </a:prstGeom>
-          <a:ln w="38100" cmpd="sng">
-            <a:solidFill>
-              <a:schemeClr val="accent1"/>
-            </a:solidFill>
-            <a:prstDash val="solid"/>
-            <a:tailEnd type="none"/>
-          </a:ln>
+          <a:ln w="31750"/>
         </p:spPr>
         <p:style>
           <a:lnRef idx="3">
@@ -2463,6 +6697,11 @@
         </p:style>
       </p:cxnSp>
     </p:spTree>
+    <p:extLst>
+      <p:ext uri="{BB962C8B-B14F-4D97-AF65-F5344CB8AC3E}">
+        <p14:creationId xmlns:p14="http://schemas.microsoft.com/office/powerpoint/2010/main" val="253256500"/>
+      </p:ext>
+    </p:extLst>
   </p:cSld>
   <p:clrMapOvr>
     <a:masterClrMapping/>
@@ -2503,8 +6742,8 @@
           <a:lstStyle/>
           <a:p>
             <a:fld id="{4EFCFC6A-9AE6-404D-9FDD-168B477B9C90}" type="datetimeFigureOut">
-              <a:rPr lang="en-US" dirty="0"/>
-              <a:t>5/21/2019</a:t>
+              <a:rPr lang="en-US" smtClean="0"/>
+              <a:t>5/23/2019</a:t>
             </a:fld>
             <a:endParaRPr lang="en-US" dirty="0"/>
           </a:p>
@@ -2545,7 +6784,7 @@
           <a:lstStyle/>
           <a:p>
             <a:fld id="{6D22F896-40B5-4ADD-8801-0D06FADFA095}" type="slidenum">
-              <a:rPr lang="en-US" dirty="0"/>
+              <a:rPr lang="en-US" smtClean="0"/>
               <a:t>‹#›</a:t>
             </a:fld>
             <a:endParaRPr lang="en-US" dirty="0"/>
@@ -2553,6 +6792,11 @@
         </p:txBody>
       </p:sp>
     </p:spTree>
+    <p:extLst>
+      <p:ext uri="{BB962C8B-B14F-4D97-AF65-F5344CB8AC3E}">
+        <p14:creationId xmlns:p14="http://schemas.microsoft.com/office/powerpoint/2010/main" val="4046765676"/>
+      </p:ext>
+    </p:extLst>
   </p:cSld>
   <p:clrMapOvr>
     <a:masterClrMapping/>
@@ -2589,8 +6833,8 @@
         </p:nvSpPr>
         <p:spPr>
           <a:xfrm>
-            <a:off x="1534642" y="798973"/>
-            <a:ext cx="3183128" cy="2247117"/>
+            <a:off x="1444671" y="798973"/>
+            <a:ext cx="3273099" cy="2247117"/>
           </a:xfrm>
         </p:spPr>
         <p:txBody>
@@ -2680,8 +6924,8 @@
         </p:nvSpPr>
         <p:spPr>
           <a:xfrm>
-            <a:off x="1534695" y="3205491"/>
-            <a:ext cx="3184989" cy="2248181"/>
+            <a:off x="1444671" y="3205491"/>
+            <a:ext cx="3275013" cy="2248181"/>
           </a:xfrm>
         </p:spPr>
         <p:txBody>
@@ -2749,8 +6993,8 @@
           <a:lstStyle/>
           <a:p>
             <a:fld id="{61CFCDFD-B4CF-A241-8D71-E814B10BEAF4}" type="datetimeFigureOut">
-              <a:rPr lang="en-US" dirty="0"/>
-              <a:t>5/21/2019</a:t>
+              <a:rPr lang="en-US" smtClean="0"/>
+              <a:t>5/23/2019</a:t>
             </a:fld>
             <a:endParaRPr lang="en-US" dirty="0"/>
           </a:p>
@@ -2791,7 +7035,7 @@
           <a:lstStyle/>
           <a:p>
             <a:fld id="{6D22F896-40B5-4ADD-8801-0D06FADFA095}" type="slidenum">
-              <a:rPr lang="en-US" dirty="0"/>
+              <a:rPr lang="en-US" smtClean="0"/>
               <a:t>‹#›</a:t>
             </a:fld>
             <a:endParaRPr lang="en-US" dirty="0"/>
@@ -2800,25 +7044,19 @@
       </p:sp>
       <p:cxnSp>
         <p:nvCxnSpPr>
-          <p:cNvPr id="9" name="Straight Connector 8"/>
+          <p:cNvPr id="17" name="Straight Connector 16"/>
           <p:cNvCxnSpPr/>
           <p:nvPr/>
         </p:nvCxnSpPr>
         <p:spPr>
           <a:xfrm>
-            <a:off x="1371687" y="798973"/>
-            <a:ext cx="0" cy="2247117"/>
+            <a:off x="1448280" y="3205491"/>
+            <a:ext cx="3269490" cy="0"/>
           </a:xfrm>
           <a:prstGeom prst="line">
             <a:avLst/>
           </a:prstGeom>
-          <a:ln w="38100" cmpd="sng">
-            <a:solidFill>
-              <a:schemeClr val="accent1"/>
-            </a:solidFill>
-            <a:prstDash val="solid"/>
-            <a:tailEnd type="none"/>
-          </a:ln>
+          <a:ln w="31750"/>
         </p:spPr>
         <p:style>
           <a:lnRef idx="3">
@@ -2836,6 +7074,11 @@
         </p:style>
       </p:cxnSp>
     </p:spTree>
+    <p:extLst>
+      <p:ext uri="{BB962C8B-B14F-4D97-AF65-F5344CB8AC3E}">
+        <p14:creationId xmlns:p14="http://schemas.microsoft.com/office/powerpoint/2010/main" val="1959129563"/>
+      </p:ext>
+    </p:extLst>
   </p:cSld>
   <p:clrMapOvr>
     <a:masterClrMapping/>
@@ -2880,7 +7123,7 @@
             <p:cNvSpPr/>
             <p:nvPr/>
           </p:nvSpPr>
-          <p:spPr>
+          <p:spPr bwMode="black">
             <a:xfrm>
               <a:off x="7477387" y="482170"/>
               <a:ext cx="4074533" cy="5149101"/>
@@ -2891,14 +7134,10 @@
             <a:gradFill>
               <a:gsLst>
                 <a:gs pos="0">
-                  <a:schemeClr val="bg2">
-                    <a:lumMod val="10000"/>
-                  </a:schemeClr>
+                  <a:srgbClr val="000001"/>
                 </a:gs>
                 <a:gs pos="100000">
-                  <a:schemeClr val="bg2">
-                    <a:lumMod val="10000"/>
-                  </a:schemeClr>
+                  <a:srgbClr val="191919"/>
                 </a:gs>
               </a:gsLst>
             </a:gradFill>
@@ -2917,8 +7156,8 @@
               <a:camera prst="orthographicFront"/>
               <a:lightRig rig="threePt" dir="t"/>
             </a:scene3d>
-            <a:sp3d prstMaterial="matte">
-              <a:bevelT w="133350" h="50800" prst="divot"/>
+            <a:sp3d>
+              <a:bevelT w="152400" h="50800" prst="softRound"/>
             </a:sp3d>
           </p:spPr>
           <p:style>
@@ -2942,7 +7181,7 @@
             <p:cNvSpPr/>
             <p:nvPr/>
           </p:nvSpPr>
-          <p:spPr>
+          <p:spPr bwMode="blackWhite">
             <a:xfrm>
               <a:off x="7790446" y="812506"/>
               <a:ext cx="3450289" cy="4466452"/>
@@ -3010,8 +7249,8 @@
         </p:nvSpPr>
         <p:spPr>
           <a:xfrm>
-            <a:off x="1535694" y="1129513"/>
-            <a:ext cx="5447840" cy="1830584"/>
+            <a:off x="1451206" y="1129513"/>
+            <a:ext cx="5532328" cy="1830584"/>
           </a:xfrm>
         </p:spPr>
         <p:txBody>
@@ -3100,10 +7339,9 @@
           </a:lstStyle>
           <a:p>
             <a:r>
-              <a:rPr lang="en-US"/>
+              <a:rPr lang="en-US" dirty="0"/>
               <a:t>Click icon to add picture</a:t>
             </a:r>
-            <a:endParaRPr lang="en-US" dirty="0"/>
           </a:p>
         </p:txBody>
       </p:sp>
@@ -3119,8 +7357,8 @@
         </p:nvSpPr>
         <p:spPr>
           <a:xfrm>
-            <a:off x="1534695" y="3145992"/>
-            <a:ext cx="5440037" cy="2003742"/>
+            <a:off x="1450329" y="3145992"/>
+            <a:ext cx="5524404" cy="2003742"/>
           </a:xfrm>
         </p:spPr>
         <p:txBody>
@@ -3186,8 +7424,8 @@
         </p:nvSpPr>
         <p:spPr>
           <a:xfrm>
-            <a:off x="1534695" y="5469856"/>
-            <a:ext cx="5440038" cy="320123"/>
+            <a:off x="1447382" y="5469856"/>
+            <a:ext cx="5527351" cy="320123"/>
           </a:xfrm>
         </p:spPr>
         <p:txBody>
@@ -3199,8 +7437,8 @@
           </a:lstStyle>
           <a:p>
             <a:fld id="{26A7B589-FD4B-7E46-869A-CBADC5FC564E}" type="datetimeFigureOut">
-              <a:rPr lang="en-US" dirty="0"/>
-              <a:t>5/21/2019</a:t>
+              <a:rPr lang="en-US" smtClean="0"/>
+              <a:t>5/23/2019</a:t>
             </a:fld>
             <a:endParaRPr lang="en-US" dirty="0"/>
           </a:p>
@@ -3218,8 +7456,8 @@
         </p:nvSpPr>
         <p:spPr>
           <a:xfrm>
-            <a:off x="1534910" y="318640"/>
-            <a:ext cx="5453475" cy="320931"/>
+            <a:off x="1447382" y="318640"/>
+            <a:ext cx="5541004" cy="320931"/>
           </a:xfrm>
         </p:spPr>
         <p:txBody>
@@ -3246,7 +7484,7 @@
           <a:lstStyle/>
           <a:p>
             <a:fld id="{6D22F896-40B5-4ADD-8801-0D06FADFA095}" type="slidenum">
-              <a:rPr lang="en-US" dirty="0"/>
+              <a:rPr lang="en-US" smtClean="0"/>
               <a:t>‹#›</a:t>
             </a:fld>
             <a:endParaRPr lang="en-US" dirty="0"/>
@@ -3255,25 +7493,19 @@
       </p:sp>
       <p:cxnSp>
         <p:nvCxnSpPr>
-          <p:cNvPr id="14" name="Straight Connector 13"/>
+          <p:cNvPr id="31" name="Straight Connector 30"/>
           <p:cNvCxnSpPr/>
           <p:nvPr/>
         </p:nvCxnSpPr>
         <p:spPr>
           <a:xfrm>
-            <a:off x="1371687" y="798973"/>
-            <a:ext cx="0" cy="2161124"/>
+            <a:off x="1447382" y="3143605"/>
+            <a:ext cx="5527351" cy="0"/>
           </a:xfrm>
           <a:prstGeom prst="line">
             <a:avLst/>
           </a:prstGeom>
-          <a:ln w="38100" cmpd="sng">
-            <a:solidFill>
-              <a:schemeClr val="accent1"/>
-            </a:solidFill>
-            <a:prstDash val="solid"/>
-            <a:tailEnd type="none"/>
-          </a:ln>
+          <a:ln w="31750"/>
         </p:spPr>
         <p:style>
           <a:lnRef idx="3">
@@ -3291,6 +7523,11 @@
         </p:style>
       </p:cxnSp>
     </p:spTree>
+    <p:extLst>
+      <p:ext uri="{BB962C8B-B14F-4D97-AF65-F5344CB8AC3E}">
+        <p14:creationId xmlns:p14="http://schemas.microsoft.com/office/powerpoint/2010/main" val="1160432550"/>
+      </p:ext>
+    </p:extLst>
   </p:cSld>
   <p:clrMapOvr>
     <a:masterClrMapping/>
@@ -3322,14 +7559,14 @@
       </p:grpSpPr>
       <p:sp>
         <p:nvSpPr>
-          <p:cNvPr id="9" name="Rectangle 8"/>
+          <p:cNvPr id="8" name="Rectangle 7"/>
           <p:cNvSpPr/>
           <p:nvPr/>
         </p:nvSpPr>
         <p:spPr>
           <a:xfrm>
-            <a:off x="0" y="2015732"/>
-            <a:ext cx="12192000" cy="4118829"/>
+            <a:off x="0" y="2019476"/>
+            <a:ext cx="12192000" cy="4105941"/>
           </a:xfrm>
           <a:prstGeom prst="rect">
             <a:avLst/>
@@ -3378,13 +7615,19 @@
           <p:nvPr/>
         </p:nvPicPr>
         <p:blipFill rotWithShape="1">
-          <a:blip r:embed="rId13"/>
-          <a:srcRect t="2769" b="-2769"/>
+          <a:blip r:embed="rId13">
+            <a:extLst>
+              <a:ext uri="{28A0092B-C50C-407E-A947-70E740481C1C}">
+                <a14:useLocalDpi xmlns:a14="http://schemas.microsoft.com/office/drawing/2010/main" val="0"/>
+              </a:ext>
+            </a:extLst>
+          </a:blip>
+          <a:srcRect t="1538" b="-1538"/>
           <a:stretch/>
         </p:blipFill>
-        <p:spPr>
+        <p:spPr bwMode="black">
           <a:xfrm>
-            <a:off x="0" y="6135624"/>
+            <a:off x="0" y="6126480"/>
             <a:ext cx="12192000" cy="742950"/>
           </a:xfrm>
           <a:prstGeom prst="rect">
@@ -3404,15 +7647,15 @@
         </p:nvSpPr>
         <p:spPr>
           <a:xfrm>
-            <a:off x="1534696" y="804519"/>
-            <a:ext cx="9520158" cy="1049235"/>
+            <a:off x="1451579" y="804519"/>
+            <a:ext cx="9603275" cy="1049235"/>
           </a:xfrm>
           <a:prstGeom prst="rect">
             <a:avLst/>
           </a:prstGeom>
         </p:spPr>
         <p:txBody>
-          <a:bodyPr vert="horz" lIns="91440" tIns="45720" rIns="91440" bIns="45720" rtlCol="0" anchor="b">
+          <a:bodyPr vert="horz" lIns="91440" tIns="45720" rIns="91440" bIns="45720" rtlCol="0" anchor="t">
             <a:normAutofit/>
           </a:bodyPr>
           <a:lstStyle/>
@@ -3437,8 +7680,8 @@
         </p:nvSpPr>
         <p:spPr>
           <a:xfrm>
-            <a:off x="1534696" y="2015732"/>
-            <a:ext cx="9520158" cy="3450613"/>
+            <a:off x="1451579" y="2015732"/>
+            <a:ext cx="9603275" cy="3450613"/>
           </a:xfrm>
           <a:prstGeom prst="rect">
             <a:avLst/>
@@ -3521,8 +7764,8 @@
           </a:lstStyle>
           <a:p>
             <a:fld id="{4CD8A92E-5FF9-8143-81B3-CCB531513398}" type="datetimeFigureOut">
-              <a:rPr lang="en-US" dirty="0"/>
-              <a:t>5/21/2019</a:t>
+              <a:rPr lang="en-US" smtClean="0"/>
+              <a:t>5/23/2019</a:t>
             </a:fld>
             <a:endParaRPr lang="en-US" dirty="0"/>
           </a:p>
@@ -3540,8 +7783,8 @@
         </p:nvSpPr>
         <p:spPr>
           <a:xfrm>
-            <a:off x="1534695" y="329307"/>
-            <a:ext cx="5855719" cy="309201"/>
+            <a:off x="1451579" y="329307"/>
+            <a:ext cx="5938836" cy="309201"/>
           </a:xfrm>
           <a:prstGeom prst="rect">
             <a:avLst/>
@@ -3597,7 +7840,7 @@
           </a:lstStyle>
           <a:p>
             <a:fld id="{6D22F896-40B5-4ADD-8801-0D06FADFA095}" type="slidenum">
-              <a:rPr lang="en-US" dirty="0"/>
+              <a:rPr lang="en-US" smtClean="0"/>
               <a:pPr/>
               <a:t>‹#›</a:t>
             </a:fld>
@@ -3607,13 +7850,13 @@
       </p:sp>
       <p:cxnSp>
         <p:nvCxnSpPr>
-          <p:cNvPr id="12" name="Straight Connector 11"/>
+          <p:cNvPr id="10" name="Straight Connector 9"/>
           <p:cNvCxnSpPr/>
           <p:nvPr/>
         </p:nvCxnSpPr>
         <p:spPr>
           <a:xfrm>
-            <a:off x="0" y="6141705"/>
+            <a:off x="0" y="6128413"/>
             <a:ext cx="12192000" cy="0"/>
           </a:xfrm>
           <a:prstGeom prst="line">
@@ -3643,20 +7886,25 @@
         </p:style>
       </p:cxnSp>
     </p:spTree>
+    <p:extLst>
+      <p:ext uri="{BB962C8B-B14F-4D97-AF65-F5344CB8AC3E}">
+        <p14:creationId xmlns:p14="http://schemas.microsoft.com/office/powerpoint/2010/main" val="4079506902"/>
+      </p:ext>
+    </p:extLst>
   </p:cSld>
   <p:clrMap bg1="lt1" tx1="dk1" bg2="lt2" tx2="dk2" accent1="accent1" accent2="accent2" accent3="accent3" accent4="accent4" accent5="accent5" accent6="accent6" hlink="hlink" folHlink="folHlink"/>
   <p:sldLayoutIdLst>
-    <p:sldLayoutId id="2147483649" r:id="rId1"/>
-    <p:sldLayoutId id="2147483650" r:id="rId2"/>
-    <p:sldLayoutId id="2147483651" r:id="rId3"/>
-    <p:sldLayoutId id="2147483652" r:id="rId4"/>
-    <p:sldLayoutId id="2147483653" r:id="rId5"/>
-    <p:sldLayoutId id="2147483654" r:id="rId6"/>
-    <p:sldLayoutId id="2147483655" r:id="rId7"/>
-    <p:sldLayoutId id="2147483656" r:id="rId8"/>
-    <p:sldLayoutId id="2147483657" r:id="rId9"/>
-    <p:sldLayoutId id="2147483658" r:id="rId10"/>
-    <p:sldLayoutId id="2147483659" r:id="rId11"/>
+    <p:sldLayoutId id="2147483661" r:id="rId1"/>
+    <p:sldLayoutId id="2147483662" r:id="rId2"/>
+    <p:sldLayoutId id="2147483663" r:id="rId3"/>
+    <p:sldLayoutId id="2147483664" r:id="rId4"/>
+    <p:sldLayoutId id="2147483665" r:id="rId5"/>
+    <p:sldLayoutId id="2147483666" r:id="rId6"/>
+    <p:sldLayoutId id="2147483667" r:id="rId7"/>
+    <p:sldLayoutId id="2147483668" r:id="rId8"/>
+    <p:sldLayoutId id="2147483669" r:id="rId9"/>
+    <p:sldLayoutId id="2147483670" r:id="rId10"/>
+    <p:sldLayoutId id="2147483671" r:id="rId11"/>
   </p:sldLayoutIdLst>
   <p:hf sldNum="0" hdr="0" ftr="0" dt="0"/>
   <p:txStyles>
@@ -3669,7 +7917,7 @@
           <a:spcPct val="0"/>
         </a:spcBef>
         <a:buNone/>
-        <a:defRPr sz="3200" b="0" i="0" kern="1200" cap="none">
+        <a:defRPr sz="3200" b="0" i="0" kern="1200" cap="all">
           <a:solidFill>
             <a:schemeClr val="tx1"/>
           </a:solidFill>
@@ -4013,278 +8261,6 @@
           <a:chExt cx="0" cy="0"/>
         </a:xfrm>
       </p:grpSpPr>
-      <p:sp>
-        <p:nvSpPr>
-          <p:cNvPr id="23" name="Rectangle 22">
-            <a:extLst>
-              <a:ext uri="{FF2B5EF4-FFF2-40B4-BE49-F238E27FC236}">
-                <a16:creationId xmlns:a16="http://schemas.microsoft.com/office/drawing/2014/main" id="{1034510A-DB30-456D-9F45-F70101243FCB}"/>
-              </a:ext>
-              <a:ext uri="{C183D7F6-B498-43B3-948B-1728B52AA6E4}">
-                <adec:decorative xmlns:adec="http://schemas.microsoft.com/office/drawing/2017/decorative" val="1"/>
-              </a:ext>
-            </a:extLst>
-          </p:cNvPr>
-          <p:cNvSpPr>
-            <a:spLocks noGrp="1" noRot="1" noChangeAspect="1" noMove="1" noResize="1" noEditPoints="1" noAdjustHandles="1" noChangeArrowheads="1" noChangeShapeType="1" noTextEdit="1"/>
-          </p:cNvSpPr>
-          <p:nvPr>
-            <p:extLst>
-              <p:ext uri="{386F3935-93C4-4BCD-93E2-E3B085C9AB24}">
-                <p16:designElem xmlns:p16="http://schemas.microsoft.com/office/powerpoint/2015/main" val="1"/>
-              </p:ext>
-            </p:extLst>
-          </p:nvPr>
-        </p:nvSpPr>
-        <p:spPr>
-          <a:xfrm>
-            <a:off x="0" y="2015732"/>
-            <a:ext cx="12192000" cy="4118829"/>
-          </a:xfrm>
-          <a:prstGeom prst="rect">
-            <a:avLst/>
-          </a:prstGeom>
-          <a:gradFill flip="none" rotWithShape="1">
-            <a:gsLst>
-              <a:gs pos="0">
-                <a:schemeClr val="bg2">
-                  <a:alpha val="0"/>
-                </a:schemeClr>
-              </a:gs>
-              <a:gs pos="100000">
-                <a:schemeClr val="bg2"/>
-              </a:gs>
-            </a:gsLst>
-            <a:lin ang="5400000" scaled="0"/>
-            <a:tileRect/>
-          </a:gradFill>
-          <a:ln>
-            <a:noFill/>
-          </a:ln>
-        </p:spPr>
-        <p:style>
-          <a:lnRef idx="2">
-            <a:schemeClr val="accent1">
-              <a:shade val="50000"/>
-            </a:schemeClr>
-          </a:lnRef>
-          <a:fillRef idx="1">
-            <a:schemeClr val="accent1"/>
-          </a:fillRef>
-          <a:effectRef idx="0">
-            <a:schemeClr val="accent1"/>
-          </a:effectRef>
-          <a:fontRef idx="minor">
-            <a:schemeClr val="lt1"/>
-          </a:fontRef>
-        </p:style>
-      </p:sp>
-      <p:pic>
-        <p:nvPicPr>
-          <p:cNvPr id="25" name="Picture 24">
-            <a:extLst>
-              <a:ext uri="{FF2B5EF4-FFF2-40B4-BE49-F238E27FC236}">
-                <a16:creationId xmlns:a16="http://schemas.microsoft.com/office/drawing/2014/main" id="{D9E3E4AB-D495-4E09-86D0-3C3F1CD33C2A}"/>
-              </a:ext>
-              <a:ext uri="{C183D7F6-B498-43B3-948B-1728B52AA6E4}">
-                <adec:decorative xmlns:adec="http://schemas.microsoft.com/office/drawing/2017/decorative" val="1"/>
-              </a:ext>
-            </a:extLst>
-          </p:cNvPr>
-          <p:cNvPicPr>
-            <a:picLocks noGrp="1" noRot="1" noChangeAspect="1" noMove="1" noResize="1" noEditPoints="1" noAdjustHandles="1" noChangeArrowheads="1" noChangeShapeType="1" noCrop="1"/>
-          </p:cNvPicPr>
-          <p:nvPr>
-            <p:extLst>
-              <p:ext uri="{386F3935-93C4-4BCD-93E2-E3B085C9AB24}">
-                <p16:designElem xmlns:p16="http://schemas.microsoft.com/office/powerpoint/2015/main" val="1"/>
-              </p:ext>
-            </p:extLst>
-          </p:nvPr>
-        </p:nvPicPr>
-        <p:blipFill rotWithShape="1">
-          <a:blip r:embed="rId2"/>
-          <a:srcRect t="2769" b="-2769"/>
-          <a:stretch/>
-        </p:blipFill>
-        <p:spPr>
-          <a:xfrm>
-            <a:off x="0" y="6135624"/>
-            <a:ext cx="12192000" cy="742950"/>
-          </a:xfrm>
-          <a:prstGeom prst="rect">
-            <a:avLst/>
-          </a:prstGeom>
-        </p:spPr>
-      </p:pic>
-      <p:cxnSp>
-        <p:nvCxnSpPr>
-          <p:cNvPr id="27" name="Straight Connector 26">
-            <a:extLst>
-              <a:ext uri="{FF2B5EF4-FFF2-40B4-BE49-F238E27FC236}">
-                <a16:creationId xmlns:a16="http://schemas.microsoft.com/office/drawing/2014/main" id="{59D48945-BEE9-473E-9443-A1CE317E2D69}"/>
-              </a:ext>
-              <a:ext uri="{C183D7F6-B498-43B3-948B-1728B52AA6E4}">
-                <adec:decorative xmlns:adec="http://schemas.microsoft.com/office/drawing/2017/decorative" val="1"/>
-              </a:ext>
-            </a:extLst>
-          </p:cNvPr>
-          <p:cNvCxnSpPr>
-            <a:cxnSpLocks noGrp="1" noRot="1" noChangeAspect="1" noMove="1" noResize="1" noEditPoints="1" noAdjustHandles="1" noChangeArrowheads="1" noChangeShapeType="1"/>
-          </p:cNvCxnSpPr>
-          <p:nvPr>
-            <p:extLst>
-              <p:ext uri="{386F3935-93C4-4BCD-93E2-E3B085C9AB24}">
-                <p16:designElem xmlns:p16="http://schemas.microsoft.com/office/powerpoint/2015/main" val="1"/>
-              </p:ext>
-            </p:extLst>
-          </p:nvPr>
-        </p:nvCxnSpPr>
-        <p:spPr>
-          <a:xfrm>
-            <a:off x="0" y="6141705"/>
-            <a:ext cx="12192000" cy="0"/>
-          </a:xfrm>
-          <a:prstGeom prst="line">
-            <a:avLst/>
-          </a:prstGeom>
-          <a:ln w="12700">
-            <a:solidFill>
-              <a:srgbClr val="000001">
-                <a:alpha val="20000"/>
-              </a:srgbClr>
-            </a:solidFill>
-          </a:ln>
-        </p:spPr>
-        <p:style>
-          <a:lnRef idx="1">
-            <a:schemeClr val="accent1"/>
-          </a:lnRef>
-          <a:fillRef idx="0">
-            <a:schemeClr val="accent1"/>
-          </a:fillRef>
-          <a:effectRef idx="0">
-            <a:schemeClr val="accent1"/>
-          </a:effectRef>
-          <a:fontRef idx="minor">
-            <a:schemeClr val="tx1"/>
-          </a:fontRef>
-        </p:style>
-      </p:cxnSp>
-      <p:cxnSp>
-        <p:nvCxnSpPr>
-          <p:cNvPr id="29" name="Straight Connector 28">
-            <a:extLst>
-              <a:ext uri="{FF2B5EF4-FFF2-40B4-BE49-F238E27FC236}">
-                <a16:creationId xmlns:a16="http://schemas.microsoft.com/office/drawing/2014/main" id="{2DD6752A-2411-44BF-8C92-DF55B95F3ACA}"/>
-              </a:ext>
-              <a:ext uri="{C183D7F6-B498-43B3-948B-1728B52AA6E4}">
-                <adec:decorative xmlns:adec="http://schemas.microsoft.com/office/drawing/2017/decorative" val="1"/>
-              </a:ext>
-            </a:extLst>
-          </p:cNvPr>
-          <p:cNvCxnSpPr>
-            <a:cxnSpLocks noGrp="1" noRot="1" noChangeAspect="1" noMove="1" noResize="1" noEditPoints="1" noAdjustHandles="1" noChangeArrowheads="1" noChangeShapeType="1"/>
-          </p:cNvCxnSpPr>
-          <p:nvPr>
-            <p:extLst>
-              <p:ext uri="{386F3935-93C4-4BCD-93E2-E3B085C9AB24}">
-                <p16:designElem xmlns:p16="http://schemas.microsoft.com/office/powerpoint/2015/main" val="1"/>
-              </p:ext>
-            </p:extLst>
-          </p:nvPr>
-        </p:nvCxnSpPr>
-        <p:spPr>
-          <a:xfrm>
-            <a:off x="2334637" y="798973"/>
-            <a:ext cx="0" cy="2544756"/>
-          </a:xfrm>
-          <a:prstGeom prst="line">
-            <a:avLst/>
-          </a:prstGeom>
-          <a:ln w="38100" cmpd="sng">
-            <a:solidFill>
-              <a:schemeClr val="accent1"/>
-            </a:solidFill>
-            <a:prstDash val="solid"/>
-            <a:tailEnd type="none"/>
-          </a:ln>
-        </p:spPr>
-        <p:style>
-          <a:lnRef idx="3">
-            <a:schemeClr val="accent1"/>
-          </a:lnRef>
-          <a:fillRef idx="0">
-            <a:schemeClr val="accent1"/>
-          </a:fillRef>
-          <a:effectRef idx="2">
-            <a:schemeClr val="accent1"/>
-          </a:effectRef>
-          <a:fontRef idx="minor">
-            <a:schemeClr val="tx1"/>
-          </a:fontRef>
-        </p:style>
-      </p:cxnSp>
-      <p:sp useBgFill="1">
-        <p:nvSpPr>
-          <p:cNvPr id="31" name="Rectangle 30">
-            <a:extLst>
-              <a:ext uri="{FF2B5EF4-FFF2-40B4-BE49-F238E27FC236}">
-                <a16:creationId xmlns:a16="http://schemas.microsoft.com/office/drawing/2014/main" id="{65513E21-21B0-48DB-8CF1-35E43B33A477}"/>
-              </a:ext>
-              <a:ext uri="{C183D7F6-B498-43B3-948B-1728B52AA6E4}">
-                <adec:decorative xmlns:adec="http://schemas.microsoft.com/office/drawing/2017/decorative" val="1"/>
-              </a:ext>
-            </a:extLst>
-          </p:cNvPr>
-          <p:cNvSpPr>
-            <a:spLocks noGrp="1" noRot="1" noChangeAspect="1" noMove="1" noResize="1" noEditPoints="1" noAdjustHandles="1" noChangeArrowheads="1" noChangeShapeType="1" noTextEdit="1"/>
-          </p:cNvSpPr>
-          <p:nvPr>
-            <p:extLst>
-              <p:ext uri="{386F3935-93C4-4BCD-93E2-E3B085C9AB24}">
-                <p16:designElem xmlns:p16="http://schemas.microsoft.com/office/powerpoint/2015/main" val="1"/>
-              </p:ext>
-            </p:extLst>
-          </p:nvPr>
-        </p:nvSpPr>
-        <p:spPr>
-          <a:xfrm>
-            <a:off x="2" y="0"/>
-            <a:ext cx="12191695" cy="6858000"/>
-          </a:xfrm>
-          <a:prstGeom prst="rect">
-            <a:avLst/>
-          </a:prstGeom>
-          <a:ln>
-            <a:noFill/>
-          </a:ln>
-        </p:spPr>
-        <p:style>
-          <a:lnRef idx="2">
-            <a:schemeClr val="accent1">
-              <a:shade val="50000"/>
-            </a:schemeClr>
-          </a:lnRef>
-          <a:fillRef idx="1">
-            <a:schemeClr val="accent1"/>
-          </a:fillRef>
-          <a:effectRef idx="0">
-            <a:schemeClr val="accent1"/>
-          </a:effectRef>
-          <a:fontRef idx="minor">
-            <a:schemeClr val="lt1"/>
-          </a:fontRef>
-        </p:style>
-        <p:txBody>
-          <a:bodyPr rtlCol="0" anchor="ctr"/>
-          <a:lstStyle/>
-          <a:p>
-            <a:pPr algn="ctr"/>
-            <a:endParaRPr lang="en-US"/>
-          </a:p>
-        </p:txBody>
-      </p:sp>
       <p:pic>
         <p:nvPicPr>
           <p:cNvPr id="3" name="Picture 2" descr="A close up of a device&#10;&#10;Description automatically generated">
@@ -4345,7 +8321,7 @@
           </a:bodyPr>
           <a:lstStyle/>
           <a:p>
-            <a:pPr defTabSz="914400">
+            <a:pPr algn="ctr" defTabSz="914400">
               <a:lnSpc>
                 <a:spcPct val="90000"/>
               </a:lnSpc>
@@ -4358,6 +8334,19 @@
             </a:pPr>
             <a:r>
               <a:rPr lang="en-US" sz="4000" dirty="0">
+                <a:solidFill>
+                  <a:schemeClr val="accent4">
+                    <a:lumMod val="20000"/>
+                    <a:lumOff val="80000"/>
+                  </a:schemeClr>
+                </a:solidFill>
+                <a:effectLst>
+                  <a:outerShdw blurRad="38100" dist="38100" dir="2700000" algn="tl">
+                    <a:srgbClr val="000000">
+                      <a:alpha val="43137"/>
+                    </a:srgbClr>
+                  </a:outerShdw>
+                </a:effectLst>
                 <a:latin typeface="+mj-lt"/>
                 <a:ea typeface="+mj-ea"/>
                 <a:cs typeface="+mj-cs"/>
@@ -4367,60 +8356,6 @@
           </a:p>
         </p:txBody>
       </p:sp>
-      <p:cxnSp>
-        <p:nvCxnSpPr>
-          <p:cNvPr id="33" name="Straight Connector 32">
-            <a:extLst>
-              <a:ext uri="{FF2B5EF4-FFF2-40B4-BE49-F238E27FC236}">
-                <a16:creationId xmlns:a16="http://schemas.microsoft.com/office/drawing/2014/main" id="{580B8A35-DEA7-4D43-9DF8-90B4681D0FAD}"/>
-              </a:ext>
-              <a:ext uri="{C183D7F6-B498-43B3-948B-1728B52AA6E4}">
-                <adec:decorative xmlns:adec="http://schemas.microsoft.com/office/drawing/2017/decorative" val="1"/>
-              </a:ext>
-            </a:extLst>
-          </p:cNvPr>
-          <p:cNvCxnSpPr>
-            <a:cxnSpLocks noGrp="1" noRot="1" noChangeAspect="1" noMove="1" noResize="1" noEditPoints="1" noAdjustHandles="1" noChangeArrowheads="1" noChangeShapeType="1"/>
-          </p:cNvCxnSpPr>
-          <p:nvPr>
-            <p:extLst>
-              <p:ext uri="{386F3935-93C4-4BCD-93E2-E3B085C9AB24}">
-                <p16:designElem xmlns:p16="http://schemas.microsoft.com/office/powerpoint/2015/main" val="1"/>
-              </p:ext>
-            </p:extLst>
-          </p:nvPr>
-        </p:nvCxnSpPr>
-        <p:spPr>
-          <a:xfrm>
-            <a:off x="4654296" y="1600200"/>
-            <a:ext cx="0" cy="3657600"/>
-          </a:xfrm>
-          <a:prstGeom prst="line">
-            <a:avLst/>
-          </a:prstGeom>
-          <a:ln w="31750">
-            <a:solidFill>
-              <a:schemeClr val="tx1">
-                <a:alpha val="80000"/>
-              </a:schemeClr>
-            </a:solidFill>
-          </a:ln>
-        </p:spPr>
-        <p:style>
-          <a:lnRef idx="1">
-            <a:schemeClr val="accent1"/>
-          </a:lnRef>
-          <a:fillRef idx="0">
-            <a:schemeClr val="accent1"/>
-          </a:fillRef>
-          <a:effectRef idx="0">
-            <a:schemeClr val="accent1"/>
-          </a:effectRef>
-          <a:fontRef idx="minor">
-            <a:schemeClr val="tx1"/>
-          </a:fontRef>
-        </p:style>
-      </p:cxnSp>
       <p:sp>
         <p:nvSpPr>
           <p:cNvPr id="9" name="TextBox 8">
@@ -4442,6 +8377,11 @@
             <a:avLst/>
           </a:prstGeom>
           <a:noFill/>
+          <a:ln>
+            <a:solidFill>
+              <a:srgbClr val="0070C0"/>
+            </a:solidFill>
+          </a:ln>
         </p:spPr>
         <p:txBody>
           <a:bodyPr wrap="none" rtlCol="0">
@@ -4564,7 +8504,7 @@
         </p:blipFill>
         <p:spPr>
           <a:xfrm>
-            <a:off x="20" y="10"/>
+            <a:off x="67000" y="-190490"/>
             <a:ext cx="12191675" cy="6857990"/>
           </a:xfrm>
           <a:prstGeom prst="rect">
@@ -4599,7 +8539,7 @@
           </a:bodyPr>
           <a:lstStyle/>
           <a:p>
-            <a:pPr marL="0" marR="0" lvl="0" indent="0" algn="l" defTabSz="914400" rtl="0" eaLnBrk="1" fontAlgn="auto" latinLnBrk="0" hangingPunct="1">
+            <a:pPr defTabSz="914400">
               <a:lnSpc>
                 <a:spcPct val="90000"/>
               </a:lnSpc>
@@ -4609,34 +8549,127 @@
               <a:spcAft>
                 <a:spcPts val="600"/>
               </a:spcAft>
-              <a:buClrTx/>
-              <a:buSzTx/>
-              <a:buFontTx/>
-              <a:buNone/>
-              <a:tabLst/>
-              <a:defRPr/>
             </a:pPr>
-            <a:endParaRPr kumimoji="0" lang="en-US" sz="4000" b="0" i="0" u="none" strike="noStrike" kern="1200" cap="none" spc="0" normalizeH="0" baseline="0" noProof="0" dirty="0">
-              <a:ln>
-                <a:noFill/>
-              </a:ln>
-              <a:solidFill>
-                <a:prstClr val="black"/>
-              </a:solidFill>
-              <a:effectLst/>
-              <a:uLnTx/>
-              <a:uFillTx/>
-              <a:latin typeface="Palatino Linotype" panose="02040502050505030304"/>
-              <a:ea typeface="+mn-ea"/>
-              <a:cs typeface="+mn-cs"/>
+            <a:endParaRPr lang="en-US" sz="4000" dirty="0">
+              <a:latin typeface="+mj-lt"/>
+              <a:ea typeface="+mj-ea"/>
+              <a:cs typeface="+mj-cs"/>
             </a:endParaRPr>
           </a:p>
         </p:txBody>
       </p:sp>
+      <p:sp>
+        <p:nvSpPr>
+          <p:cNvPr id="11" name="Title 1">
+            <a:extLst>
+              <a:ext uri="{FF2B5EF4-FFF2-40B4-BE49-F238E27FC236}">
+                <a16:creationId xmlns:a16="http://schemas.microsoft.com/office/drawing/2014/main" id="{9F1D5401-5312-48A5-9FDC-50721B551E8A}"/>
+              </a:ext>
+            </a:extLst>
+          </p:cNvPr>
+          <p:cNvSpPr txBox="1">
+            <a:spLocks/>
+          </p:cNvSpPr>
+          <p:nvPr/>
+        </p:nvSpPr>
+        <p:spPr>
+          <a:xfrm>
+            <a:off x="2071139" y="69589"/>
+            <a:ext cx="8813199" cy="922632"/>
+          </a:xfrm>
+          <a:prstGeom prst="rect">
+            <a:avLst/>
+          </a:prstGeom>
+          <a:solidFill>
+            <a:schemeClr val="accent6">
+              <a:lumMod val="60000"/>
+              <a:lumOff val="40000"/>
+            </a:schemeClr>
+          </a:solidFill>
+          <a:ln>
+            <a:solidFill>
+              <a:schemeClr val="accent3"/>
+            </a:solidFill>
+          </a:ln>
+          <a:effectLst>
+            <a:glow rad="139700">
+              <a:schemeClr val="accent1">
+                <a:satMod val="175000"/>
+                <a:alpha val="40000"/>
+              </a:schemeClr>
+            </a:glow>
+            <a:innerShdw blurRad="63500" dist="50800" dir="13500000">
+              <a:prstClr val="black">
+                <a:alpha val="50000"/>
+              </a:prstClr>
+            </a:innerShdw>
+          </a:effectLst>
+        </p:spPr>
+        <p:txBody>
+          <a:bodyPr anchor="ctr"/>
+          <a:lstStyle>
+            <a:lvl1pPr algn="l" defTabSz="914400" rtl="0" eaLnBrk="1" latinLnBrk="0" hangingPunct="1">
+              <a:lnSpc>
+                <a:spcPct val="90000"/>
+              </a:lnSpc>
+              <a:spcBef>
+                <a:spcPct val="0"/>
+              </a:spcBef>
+              <a:buNone/>
+              <a:defRPr sz="3200" b="0" i="0" kern="1200" cap="none">
+                <a:solidFill>
+                  <a:schemeClr val="tx1"/>
+                </a:solidFill>
+                <a:effectLst/>
+                <a:latin typeface="+mj-lt"/>
+                <a:ea typeface="+mj-ea"/>
+                <a:cs typeface="+mj-cs"/>
+              </a:defRPr>
+            </a:lvl1pPr>
+          </a:lstStyle>
+          <a:p>
+            <a:pPr algn="ctr"/>
+            <a:r>
+              <a:rPr lang="en-US" sz="4400" b="1" dirty="0"/>
+              <a:t>Visualizations</a:t>
+            </a:r>
+          </a:p>
+        </p:txBody>
+      </p:sp>
+      <p:pic>
+        <p:nvPicPr>
+          <p:cNvPr id="2" name="Picture 1">
+            <a:extLst>
+              <a:ext uri="{FF2B5EF4-FFF2-40B4-BE49-F238E27FC236}">
+                <a16:creationId xmlns:a16="http://schemas.microsoft.com/office/drawing/2014/main" id="{E50F29EA-B868-4BA8-B56F-8B897CAB21C6}"/>
+              </a:ext>
+            </a:extLst>
+          </p:cNvPr>
+          <p:cNvPicPr>
+            <a:picLocks noChangeAspect="1"/>
+          </p:cNvPicPr>
+          <p:nvPr/>
+        </p:nvPicPr>
+        <p:blipFill>
+          <a:blip r:embed="rId3"/>
+          <a:stretch>
+            <a:fillRect/>
+          </a:stretch>
+        </p:blipFill>
+        <p:spPr>
+          <a:xfrm>
+            <a:off x="624049" y="1465730"/>
+            <a:ext cx="11077575" cy="2814687"/>
+          </a:xfrm>
+          <a:prstGeom prst="rect">
+            <a:avLst/>
+          </a:prstGeom>
+        </p:spPr>
+      </p:pic>
     </p:spTree>
     <p:extLst>
       <p:ext uri="{BB962C8B-B14F-4D97-AF65-F5344CB8AC3E}">
-        <p14:creationId xmlns:p14="http://schemas.microsoft.com/office/powerpoint/2010/main" val="384349807"/>
+        <p14:creationId xmlns:p14="http://schemas.microsoft.com/office/powerpoint/2010/main" val="1631511903"/>
       </p:ext>
     </p:extLst>
   </p:cSld>
@@ -4687,7 +8720,605 @@
         </p:blipFill>
         <p:spPr>
           <a:xfrm>
-            <a:off x="20" y="10"/>
+            <a:off x="67000" y="-190490"/>
+            <a:ext cx="12191675" cy="6857990"/>
+          </a:xfrm>
+          <a:prstGeom prst="rect">
+            <a:avLst/>
+          </a:prstGeom>
+        </p:spPr>
+      </p:pic>
+      <p:sp>
+        <p:nvSpPr>
+          <p:cNvPr id="7" name="TextBox 6">
+            <a:extLst>
+              <a:ext uri="{FF2B5EF4-FFF2-40B4-BE49-F238E27FC236}">
+                <a16:creationId xmlns:a16="http://schemas.microsoft.com/office/drawing/2014/main" id="{85C3DE35-BABC-4604-B917-C7F0195C550E}"/>
+              </a:ext>
+            </a:extLst>
+          </p:cNvPr>
+          <p:cNvSpPr txBox="1"/>
+          <p:nvPr/>
+        </p:nvSpPr>
+        <p:spPr>
+          <a:xfrm>
+            <a:off x="4976636" y="992221"/>
+            <a:ext cx="6247308" cy="4873558"/>
+          </a:xfrm>
+          <a:prstGeom prst="rect">
+            <a:avLst/>
+          </a:prstGeom>
+        </p:spPr>
+        <p:txBody>
+          <a:bodyPr vert="horz" lIns="91440" tIns="45720" rIns="91440" bIns="0" rtlCol="0" anchor="ctr">
+            <a:normAutofit/>
+          </a:bodyPr>
+          <a:lstStyle/>
+          <a:p>
+            <a:pPr defTabSz="914400">
+              <a:lnSpc>
+                <a:spcPct val="90000"/>
+              </a:lnSpc>
+              <a:spcBef>
+                <a:spcPct val="0"/>
+              </a:spcBef>
+              <a:spcAft>
+                <a:spcPts val="600"/>
+              </a:spcAft>
+            </a:pPr>
+            <a:endParaRPr lang="en-US" sz="4000" dirty="0">
+              <a:latin typeface="+mj-lt"/>
+              <a:ea typeface="+mj-ea"/>
+              <a:cs typeface="+mj-cs"/>
+            </a:endParaRPr>
+          </a:p>
+        </p:txBody>
+      </p:sp>
+      <p:sp>
+        <p:nvSpPr>
+          <p:cNvPr id="11" name="Title 1">
+            <a:extLst>
+              <a:ext uri="{FF2B5EF4-FFF2-40B4-BE49-F238E27FC236}">
+                <a16:creationId xmlns:a16="http://schemas.microsoft.com/office/drawing/2014/main" id="{9F1D5401-5312-48A5-9FDC-50721B551E8A}"/>
+              </a:ext>
+            </a:extLst>
+          </p:cNvPr>
+          <p:cNvSpPr txBox="1">
+            <a:spLocks/>
+          </p:cNvSpPr>
+          <p:nvPr/>
+        </p:nvSpPr>
+        <p:spPr>
+          <a:xfrm>
+            <a:off x="2071139" y="69589"/>
+            <a:ext cx="8813199" cy="922632"/>
+          </a:xfrm>
+          <a:prstGeom prst="rect">
+            <a:avLst/>
+          </a:prstGeom>
+          <a:solidFill>
+            <a:schemeClr val="accent6">
+              <a:lumMod val="60000"/>
+              <a:lumOff val="40000"/>
+            </a:schemeClr>
+          </a:solidFill>
+          <a:ln>
+            <a:solidFill>
+              <a:schemeClr val="accent3"/>
+            </a:solidFill>
+          </a:ln>
+          <a:effectLst>
+            <a:glow rad="139700">
+              <a:schemeClr val="accent1">
+                <a:satMod val="175000"/>
+                <a:alpha val="40000"/>
+              </a:schemeClr>
+            </a:glow>
+            <a:innerShdw blurRad="63500" dist="50800" dir="13500000">
+              <a:prstClr val="black">
+                <a:alpha val="50000"/>
+              </a:prstClr>
+            </a:innerShdw>
+          </a:effectLst>
+        </p:spPr>
+        <p:txBody>
+          <a:bodyPr anchor="ctr"/>
+          <a:lstStyle>
+            <a:lvl1pPr algn="l" defTabSz="914400" rtl="0" eaLnBrk="1" latinLnBrk="0" hangingPunct="1">
+              <a:lnSpc>
+                <a:spcPct val="90000"/>
+              </a:lnSpc>
+              <a:spcBef>
+                <a:spcPct val="0"/>
+              </a:spcBef>
+              <a:buNone/>
+              <a:defRPr sz="3200" b="0" i="0" kern="1200" cap="none">
+                <a:solidFill>
+                  <a:schemeClr val="tx1"/>
+                </a:solidFill>
+                <a:effectLst/>
+                <a:latin typeface="+mj-lt"/>
+                <a:ea typeface="+mj-ea"/>
+                <a:cs typeface="+mj-cs"/>
+              </a:defRPr>
+            </a:lvl1pPr>
+          </a:lstStyle>
+          <a:p>
+            <a:pPr algn="ctr"/>
+            <a:r>
+              <a:rPr lang="en-US" sz="4400" b="1" dirty="0"/>
+              <a:t>Visualizations</a:t>
+            </a:r>
+          </a:p>
+        </p:txBody>
+      </p:sp>
+      <p:pic>
+        <p:nvPicPr>
+          <p:cNvPr id="6" name="Picture 5">
+            <a:extLst>
+              <a:ext uri="{FF2B5EF4-FFF2-40B4-BE49-F238E27FC236}">
+                <a16:creationId xmlns:a16="http://schemas.microsoft.com/office/drawing/2014/main" id="{CDEC9D50-3B11-4297-B20C-34DF97B66289}"/>
+              </a:ext>
+            </a:extLst>
+          </p:cNvPr>
+          <p:cNvPicPr>
+            <a:picLocks noChangeAspect="1"/>
+          </p:cNvPicPr>
+          <p:nvPr/>
+        </p:nvPicPr>
+        <p:blipFill>
+          <a:blip r:embed="rId3"/>
+          <a:stretch>
+            <a:fillRect/>
+          </a:stretch>
+        </p:blipFill>
+        <p:spPr>
+          <a:xfrm>
+            <a:off x="258139" y="1252300"/>
+            <a:ext cx="6219599" cy="4654655"/>
+          </a:xfrm>
+          <a:prstGeom prst="rect">
+            <a:avLst/>
+          </a:prstGeom>
+        </p:spPr>
+      </p:pic>
+      <p:pic>
+        <p:nvPicPr>
+          <p:cNvPr id="8" name="Picture 7">
+            <a:extLst>
+              <a:ext uri="{FF2B5EF4-FFF2-40B4-BE49-F238E27FC236}">
+                <a16:creationId xmlns:a16="http://schemas.microsoft.com/office/drawing/2014/main" id="{798993C5-52EF-4CE3-8682-1D27B2F780EB}"/>
+              </a:ext>
+            </a:extLst>
+          </p:cNvPr>
+          <p:cNvPicPr>
+            <a:picLocks noChangeAspect="1"/>
+          </p:cNvPicPr>
+          <p:nvPr/>
+        </p:nvPicPr>
+        <p:blipFill>
+          <a:blip r:embed="rId4"/>
+          <a:stretch>
+            <a:fillRect/>
+          </a:stretch>
+        </p:blipFill>
+        <p:spPr>
+          <a:xfrm>
+            <a:off x="6737964" y="1252300"/>
+            <a:ext cx="5290542" cy="4654655"/>
+          </a:xfrm>
+          <a:prstGeom prst="rect">
+            <a:avLst/>
+          </a:prstGeom>
+        </p:spPr>
+      </p:pic>
+    </p:spTree>
+    <p:extLst>
+      <p:ext uri="{BB962C8B-B14F-4D97-AF65-F5344CB8AC3E}">
+        <p14:creationId xmlns:p14="http://schemas.microsoft.com/office/powerpoint/2010/main" val="1456518357"/>
+      </p:ext>
+    </p:extLst>
+  </p:cSld>
+  <p:clrMapOvr>
+    <a:masterClrMapping/>
+  </p:clrMapOvr>
+</p:sld>
+</file>
+
+<file path=ppt/slides/slide12.xml><?xml version="1.0" encoding="utf-8"?>
+<p:sld xmlns:a="http://schemas.openxmlformats.org/drawingml/2006/main" xmlns:r="http://schemas.openxmlformats.org/officeDocument/2006/relationships" xmlns:p="http://schemas.openxmlformats.org/presentationml/2006/main">
+  <p:cSld>
+    <p:spTree>
+      <p:nvGrpSpPr>
+        <p:cNvPr id="1" name=""/>
+        <p:cNvGrpSpPr/>
+        <p:nvPr/>
+      </p:nvGrpSpPr>
+      <p:grpSpPr>
+        <a:xfrm>
+          <a:off x="0" y="0"/>
+          <a:ext cx="0" cy="0"/>
+          <a:chOff x="0" y="0"/>
+          <a:chExt cx="0" cy="0"/>
+        </a:xfrm>
+      </p:grpSpPr>
+      <p:pic>
+        <p:nvPicPr>
+          <p:cNvPr id="3" name="Picture 2" descr="A close up of a device&#10;&#10;Description automatically generated">
+            <a:extLst>
+              <a:ext uri="{FF2B5EF4-FFF2-40B4-BE49-F238E27FC236}">
+                <a16:creationId xmlns:a16="http://schemas.microsoft.com/office/drawing/2014/main" id="{2886BC6A-B5C1-4C15-8E30-F2AC955DF440}"/>
+              </a:ext>
+            </a:extLst>
+          </p:cNvPr>
+          <p:cNvPicPr>
+            <a:picLocks noChangeAspect="1"/>
+          </p:cNvPicPr>
+          <p:nvPr/>
+        </p:nvPicPr>
+        <p:blipFill rotWithShape="1">
+          <a:blip r:embed="rId3">
+            <a:alphaModFix amt="50000"/>
+            <a:extLst/>
+          </a:blip>
+          <a:srcRect l="29335"/>
+          <a:stretch/>
+        </p:blipFill>
+        <p:spPr>
+          <a:xfrm>
+            <a:off x="161267" y="-152783"/>
+            <a:ext cx="12191675" cy="6857990"/>
+          </a:xfrm>
+          <a:prstGeom prst="rect">
+            <a:avLst/>
+          </a:prstGeom>
+        </p:spPr>
+      </p:pic>
+      <p:sp>
+        <p:nvSpPr>
+          <p:cNvPr id="7" name="TextBox 6">
+            <a:extLst>
+              <a:ext uri="{FF2B5EF4-FFF2-40B4-BE49-F238E27FC236}">
+                <a16:creationId xmlns:a16="http://schemas.microsoft.com/office/drawing/2014/main" id="{85C3DE35-BABC-4604-B917-C7F0195C550E}"/>
+              </a:ext>
+            </a:extLst>
+          </p:cNvPr>
+          <p:cNvSpPr txBox="1"/>
+          <p:nvPr/>
+        </p:nvSpPr>
+        <p:spPr>
+          <a:xfrm>
+            <a:off x="4976636" y="992221"/>
+            <a:ext cx="6247308" cy="4873558"/>
+          </a:xfrm>
+          <a:prstGeom prst="rect">
+            <a:avLst/>
+          </a:prstGeom>
+        </p:spPr>
+        <p:txBody>
+          <a:bodyPr vert="horz" lIns="91440" tIns="45720" rIns="91440" bIns="0" rtlCol="0" anchor="ctr">
+            <a:normAutofit/>
+          </a:bodyPr>
+          <a:lstStyle/>
+          <a:p>
+            <a:pPr defTabSz="914400">
+              <a:lnSpc>
+                <a:spcPct val="90000"/>
+              </a:lnSpc>
+              <a:spcBef>
+                <a:spcPct val="0"/>
+              </a:spcBef>
+              <a:spcAft>
+                <a:spcPts val="600"/>
+              </a:spcAft>
+            </a:pPr>
+            <a:endParaRPr lang="en-US" sz="4000" dirty="0">
+              <a:latin typeface="+mj-lt"/>
+              <a:ea typeface="+mj-ea"/>
+              <a:cs typeface="+mj-cs"/>
+            </a:endParaRPr>
+          </a:p>
+        </p:txBody>
+      </p:sp>
+      <p:sp>
+        <p:nvSpPr>
+          <p:cNvPr id="2" name="TextBox 1">
+            <a:extLst>
+              <a:ext uri="{FF2B5EF4-FFF2-40B4-BE49-F238E27FC236}">
+                <a16:creationId xmlns:a16="http://schemas.microsoft.com/office/drawing/2014/main" id="{F8A6F46F-2609-4808-B62D-79E0ED79B480}"/>
+              </a:ext>
+            </a:extLst>
+          </p:cNvPr>
+          <p:cNvSpPr txBox="1"/>
+          <p:nvPr/>
+        </p:nvSpPr>
+        <p:spPr>
+          <a:xfrm>
+            <a:off x="298753" y="6266639"/>
+            <a:ext cx="1313373" cy="369332"/>
+          </a:xfrm>
+          <a:prstGeom prst="rect">
+            <a:avLst/>
+          </a:prstGeom>
+          <a:solidFill>
+            <a:srgbClr val="FFFF00"/>
+          </a:solidFill>
+          <a:ln>
+            <a:solidFill>
+              <a:srgbClr val="FFFF00"/>
+            </a:solidFill>
+          </a:ln>
+        </p:spPr>
+        <p:txBody>
+          <a:bodyPr wrap="none" rtlCol="0">
+            <a:spAutoFit/>
+          </a:bodyPr>
+          <a:lstStyle/>
+          <a:p>
+            <a:r>
+              <a:rPr lang="en-US" b="1" dirty="0">
+                <a:effectLst>
+                  <a:outerShdw blurRad="38100" dist="38100" dir="2700000" algn="tl">
+                    <a:srgbClr val="000000">
+                      <a:alpha val="43137"/>
+                    </a:srgbClr>
+                  </a:outerShdw>
+                </a:effectLst>
+              </a:rPr>
+              <a:t>Live demo</a:t>
+            </a:r>
+          </a:p>
+        </p:txBody>
+      </p:sp>
+      <p:sp>
+        <p:nvSpPr>
+          <p:cNvPr id="8" name="Title 1">
+            <a:extLst>
+              <a:ext uri="{FF2B5EF4-FFF2-40B4-BE49-F238E27FC236}">
+                <a16:creationId xmlns:a16="http://schemas.microsoft.com/office/drawing/2014/main" id="{8E3AF584-A6F6-47C4-9AA2-0E97BB2754C6}"/>
+              </a:ext>
+            </a:extLst>
+          </p:cNvPr>
+          <p:cNvSpPr txBox="1">
+            <a:spLocks/>
+          </p:cNvSpPr>
+          <p:nvPr/>
+        </p:nvSpPr>
+        <p:spPr>
+          <a:xfrm>
+            <a:off x="2071139" y="69589"/>
+            <a:ext cx="8813199" cy="922632"/>
+          </a:xfrm>
+          <a:prstGeom prst="rect">
+            <a:avLst/>
+          </a:prstGeom>
+          <a:solidFill>
+            <a:schemeClr val="accent6">
+              <a:lumMod val="60000"/>
+              <a:lumOff val="40000"/>
+            </a:schemeClr>
+          </a:solidFill>
+          <a:ln>
+            <a:solidFill>
+              <a:schemeClr val="accent3"/>
+            </a:solidFill>
+          </a:ln>
+          <a:effectLst>
+            <a:glow rad="139700">
+              <a:schemeClr val="accent1">
+                <a:satMod val="175000"/>
+                <a:alpha val="40000"/>
+              </a:schemeClr>
+            </a:glow>
+            <a:innerShdw blurRad="63500" dist="50800" dir="13500000">
+              <a:prstClr val="black">
+                <a:alpha val="50000"/>
+              </a:prstClr>
+            </a:innerShdw>
+          </a:effectLst>
+        </p:spPr>
+        <p:txBody>
+          <a:bodyPr anchor="ctr"/>
+          <a:lstStyle>
+            <a:lvl1pPr algn="l" defTabSz="914400" rtl="0" eaLnBrk="1" latinLnBrk="0" hangingPunct="1">
+              <a:lnSpc>
+                <a:spcPct val="90000"/>
+              </a:lnSpc>
+              <a:spcBef>
+                <a:spcPct val="0"/>
+              </a:spcBef>
+              <a:buNone/>
+              <a:defRPr sz="3200" b="0" i="0" kern="1200" cap="none">
+                <a:solidFill>
+                  <a:schemeClr val="tx1"/>
+                </a:solidFill>
+                <a:effectLst/>
+                <a:latin typeface="+mj-lt"/>
+                <a:ea typeface="+mj-ea"/>
+                <a:cs typeface="+mj-cs"/>
+              </a:defRPr>
+            </a:lvl1pPr>
+          </a:lstStyle>
+          <a:p>
+            <a:pPr algn="ctr"/>
+            <a:r>
+              <a:rPr lang="en-US" sz="4400" b="1" dirty="0"/>
+              <a:t>Visualizations</a:t>
+            </a:r>
+          </a:p>
+        </p:txBody>
+      </p:sp>
+      <p:pic>
+        <p:nvPicPr>
+          <p:cNvPr id="6" name="Picture 5">
+            <a:extLst>
+              <a:ext uri="{FF2B5EF4-FFF2-40B4-BE49-F238E27FC236}">
+                <a16:creationId xmlns:a16="http://schemas.microsoft.com/office/drawing/2014/main" id="{1F40D883-5B8A-49E7-904E-529A39D29ABB}"/>
+              </a:ext>
+            </a:extLst>
+          </p:cNvPr>
+          <p:cNvPicPr>
+            <a:picLocks noChangeAspect="1"/>
+          </p:cNvPicPr>
+          <p:nvPr/>
+        </p:nvPicPr>
+        <p:blipFill>
+          <a:blip r:embed="rId4"/>
+          <a:stretch>
+            <a:fillRect/>
+          </a:stretch>
+        </p:blipFill>
+        <p:spPr>
+          <a:xfrm>
+            <a:off x="3394661" y="1334052"/>
+            <a:ext cx="5032391" cy="4613479"/>
+          </a:xfrm>
+          <a:prstGeom prst="rect">
+            <a:avLst/>
+          </a:prstGeom>
+        </p:spPr>
+      </p:pic>
+    </p:spTree>
+    <p:extLst>
+      <p:ext uri="{BB962C8B-B14F-4D97-AF65-F5344CB8AC3E}">
+        <p14:creationId xmlns:p14="http://schemas.microsoft.com/office/powerpoint/2010/main" val="10217472"/>
+      </p:ext>
+    </p:extLst>
+  </p:cSld>
+  <p:clrMapOvr>
+    <a:masterClrMapping/>
+  </p:clrMapOvr>
+  <p:timing>
+    <p:tnLst>
+      <p:par>
+        <p:cTn id="1" dur="indefinite" restart="never" nodeType="tmRoot">
+          <p:childTnLst>
+            <p:seq concurrent="1" nextAc="seek">
+              <p:cTn id="2" dur="indefinite" nodeType="mainSeq">
+                <p:childTnLst>
+                  <p:par>
+                    <p:cTn id="3" fill="hold">
+                      <p:stCondLst>
+                        <p:cond delay="indefinite"/>
+                      </p:stCondLst>
+                      <p:childTnLst>
+                        <p:par>
+                          <p:cTn id="4" fill="hold">
+                            <p:stCondLst>
+                              <p:cond delay="0"/>
+                            </p:stCondLst>
+                            <p:childTnLst>
+                              <p:par>
+                                <p:cTn id="5" presetID="21" presetClass="entr" presetSubtype="1" fill="hold" grpId="0" nodeType="clickEffect">
+                                  <p:stCondLst>
+                                    <p:cond delay="0"/>
+                                  </p:stCondLst>
+                                  <p:childTnLst>
+                                    <p:set>
+                                      <p:cBhvr>
+                                        <p:cTn id="6" dur="1" fill="hold">
+                                          <p:stCondLst>
+                                            <p:cond delay="0"/>
+                                          </p:stCondLst>
+                                        </p:cTn>
+                                        <p:tgtEl>
+                                          <p:spTgt spid="2"/>
+                                        </p:tgtEl>
+                                        <p:attrNameLst>
+                                          <p:attrName>style.visibility</p:attrName>
+                                        </p:attrNameLst>
+                                      </p:cBhvr>
+                                      <p:to>
+                                        <p:strVal val="visible"/>
+                                      </p:to>
+                                    </p:set>
+                                    <p:animEffect transition="in" filter="wheel(1)">
+                                      <p:cBhvr>
+                                        <p:cTn id="7" dur="2000"/>
+                                        <p:tgtEl>
+                                          <p:spTgt spid="2"/>
+                                        </p:tgtEl>
+                                      </p:cBhvr>
+                                    </p:animEffect>
+                                  </p:childTnLst>
+                                </p:cTn>
+                              </p:par>
+                            </p:childTnLst>
+                          </p:cTn>
+                        </p:par>
+                      </p:childTnLst>
+                    </p:cTn>
+                  </p:par>
+                </p:childTnLst>
+              </p:cTn>
+              <p:prevCondLst>
+                <p:cond evt="onPrev" delay="0">
+                  <p:tgtEl>
+                    <p:sldTgt/>
+                  </p:tgtEl>
+                </p:cond>
+              </p:prevCondLst>
+              <p:nextCondLst>
+                <p:cond evt="onNext" delay="0">
+                  <p:tgtEl>
+                    <p:sldTgt/>
+                  </p:tgtEl>
+                </p:cond>
+              </p:nextCondLst>
+            </p:seq>
+          </p:childTnLst>
+        </p:cTn>
+      </p:par>
+    </p:tnLst>
+    <p:bldLst>
+      <p:bldP spid="2" grpId="0" animBg="1"/>
+    </p:bldLst>
+  </p:timing>
+</p:sld>
+</file>
+
+<file path=ppt/slides/slide13.xml><?xml version="1.0" encoding="utf-8"?>
+<p:sld xmlns:a="http://schemas.openxmlformats.org/drawingml/2006/main" xmlns:r="http://schemas.openxmlformats.org/officeDocument/2006/relationships" xmlns:p="http://schemas.openxmlformats.org/presentationml/2006/main">
+  <p:cSld>
+    <p:spTree>
+      <p:nvGrpSpPr>
+        <p:cNvPr id="1" name=""/>
+        <p:cNvGrpSpPr/>
+        <p:nvPr/>
+      </p:nvGrpSpPr>
+      <p:grpSpPr>
+        <a:xfrm>
+          <a:off x="0" y="0"/>
+          <a:ext cx="0" cy="0"/>
+          <a:chOff x="0" y="0"/>
+          <a:chExt cx="0" cy="0"/>
+        </a:xfrm>
+      </p:grpSpPr>
+      <p:pic>
+        <p:nvPicPr>
+          <p:cNvPr id="3" name="Picture 2" descr="A close up of a device&#10;&#10;Description automatically generated">
+            <a:extLst>
+              <a:ext uri="{FF2B5EF4-FFF2-40B4-BE49-F238E27FC236}">
+                <a16:creationId xmlns:a16="http://schemas.microsoft.com/office/drawing/2014/main" id="{2886BC6A-B5C1-4C15-8E30-F2AC955DF440}"/>
+              </a:ext>
+            </a:extLst>
+          </p:cNvPr>
+          <p:cNvPicPr>
+            <a:picLocks noChangeAspect="1"/>
+          </p:cNvPicPr>
+          <p:nvPr/>
+        </p:nvPicPr>
+        <p:blipFill rotWithShape="1">
+          <a:blip r:embed="rId2">
+            <a:alphaModFix amt="50000"/>
+            <a:extLst/>
+          </a:blip>
+          <a:srcRect l="29335"/>
+          <a:stretch/>
+        </p:blipFill>
+        <p:spPr>
+          <a:xfrm>
+            <a:off x="0" y="65998"/>
             <a:ext cx="12191675" cy="6857990"/>
           </a:xfrm>
           <a:prstGeom prst="rect">
@@ -4852,7 +9483,7 @@
                 <a:latin typeface="MV Boli" panose="02000500030200090000" pitchFamily="2" charset="0"/>
                 <a:cs typeface="MV Boli" panose="02000500030200090000" pitchFamily="2" charset="0"/>
               </a:rPr>
-              <a:t>With more time we would like to have done.</a:t>
+              <a:t>Future enhancements…</a:t>
             </a:r>
             <a:endParaRPr kumimoji="0" lang="en-US" b="1" i="0" u="none" strike="noStrike" kern="1200" cap="none" spc="0" normalizeH="0" baseline="0" noProof="0" dirty="0">
               <a:ln>
@@ -4885,7 +9516,7 @@
         <p:spPr>
           <a:xfrm>
             <a:off x="701336" y="2317072"/>
-            <a:ext cx="2108269" cy="646331"/>
+            <a:ext cx="530915" cy="646331"/>
           </a:xfrm>
           <a:prstGeom prst="rect">
             <a:avLst/>
@@ -4898,13 +9529,119 @@
           </a:bodyPr>
           <a:lstStyle/>
           <a:p>
+            <a:pPr marL="342900" indent="-342900">
+              <a:buFont typeface="+mj-lt"/>
+              <a:buAutoNum type="arabicPeriod"/>
+            </a:pPr>
+            <a:endParaRPr lang="en-US" dirty="0"/>
+          </a:p>
+          <a:p>
+            <a:pPr marL="342900" indent="-342900">
+              <a:buFont typeface="+mj-lt"/>
+              <a:buAutoNum type="arabicPeriod"/>
+            </a:pPr>
+            <a:endParaRPr lang="en-US" dirty="0"/>
+          </a:p>
+        </p:txBody>
+      </p:sp>
+      <p:sp>
+        <p:nvSpPr>
+          <p:cNvPr id="6" name="TextBox 5">
+            <a:extLst>
+              <a:ext uri="{FF2B5EF4-FFF2-40B4-BE49-F238E27FC236}">
+                <a16:creationId xmlns:a16="http://schemas.microsoft.com/office/drawing/2014/main" id="{8097FED4-CFF5-4311-B52B-B84EA56665E3}"/>
+              </a:ext>
+            </a:extLst>
+          </p:cNvPr>
+          <p:cNvSpPr txBox="1"/>
+          <p:nvPr/>
+        </p:nvSpPr>
+        <p:spPr>
+          <a:xfrm>
+            <a:off x="1114425" y="1733550"/>
+            <a:ext cx="7595605" cy="2308324"/>
+          </a:xfrm>
+          <a:prstGeom prst="rect">
+            <a:avLst/>
+          </a:prstGeom>
+          <a:noFill/>
+        </p:spPr>
+        <p:txBody>
+          <a:bodyPr wrap="none" rtlCol="0">
+            <a:spAutoFit/>
+          </a:bodyPr>
+          <a:lstStyle/>
+          <a:p>
+            <a:pPr marL="342900" indent="-342900">
+              <a:buFont typeface="+mj-lt"/>
+              <a:buAutoNum type="arabicPeriod"/>
+            </a:pPr>
             <a:r>
-              <a:rPr lang="en-US" dirty="0"/>
-              <a:t>-Make a Heat-Map</a:t>
+              <a:rPr lang="en-US" sz="3600" b="1" dirty="0">
+                <a:effectLst>
+                  <a:outerShdw blurRad="38100" dist="38100" dir="2700000" algn="tl">
+                    <a:srgbClr val="000000">
+                      <a:alpha val="43137"/>
+                    </a:srgbClr>
+                  </a:outerShdw>
+                </a:effectLst>
+              </a:rPr>
+              <a:t> Auto update individual selection</a:t>
             </a:r>
           </a:p>
           <a:p>
-            <a:endParaRPr lang="en-US" dirty="0"/>
+            <a:pPr marL="342900" indent="-342900">
+              <a:buFont typeface="+mj-lt"/>
+              <a:buAutoNum type="arabicPeriod"/>
+            </a:pPr>
+            <a:r>
+              <a:rPr lang="en-US" sz="3600" b="1" dirty="0">
+                <a:effectLst>
+                  <a:outerShdw blurRad="38100" dist="38100" dir="2700000" algn="tl">
+                    <a:srgbClr val="000000">
+                      <a:alpha val="43137"/>
+                    </a:srgbClr>
+                  </a:outerShdw>
+                </a:effectLst>
+              </a:rPr>
+              <a:t> Year range</a:t>
+            </a:r>
+          </a:p>
+          <a:p>
+            <a:pPr marL="342900" indent="-342900">
+              <a:buFont typeface="+mj-lt"/>
+              <a:buAutoNum type="arabicPeriod"/>
+            </a:pPr>
+            <a:r>
+              <a:rPr lang="en-US" sz="3600" b="1" dirty="0">
+                <a:effectLst>
+                  <a:outerShdw blurRad="38100" dist="38100" dir="2700000" algn="tl">
+                    <a:srgbClr val="000000">
+                      <a:alpha val="43137"/>
+                    </a:srgbClr>
+                  </a:outerShdw>
+                </a:effectLst>
+              </a:rPr>
+              <a:t> Additional chart types </a:t>
+            </a:r>
+          </a:p>
+          <a:p>
+            <a:pPr marL="342900" indent="-342900">
+              <a:buFont typeface="+mj-lt"/>
+              <a:buAutoNum type="arabicPeriod"/>
+            </a:pPr>
+            <a:r>
+              <a:rPr lang="en-US" sz="3600" b="1" dirty="0">
+                <a:effectLst>
+                  <a:outerShdw blurRad="38100" dist="38100" dir="2700000" algn="tl">
+                    <a:srgbClr val="000000">
+                      <a:alpha val="43137"/>
+                    </a:srgbClr>
+                  </a:outerShdw>
+                </a:effectLst>
+              </a:rPr>
+              <a:t> Improved error handling</a:t>
+            </a:r>
           </a:p>
         </p:txBody>
       </p:sp>
@@ -4921,7 +9658,7 @@
 </p:sld>
 </file>
 
-<file path=ppt/slides/slide12.xml><?xml version="1.0" encoding="utf-8"?>
+<file path=ppt/slides/slide14.xml><?xml version="1.0" encoding="utf-8"?>
 <p:sld xmlns:a="http://schemas.openxmlformats.org/drawingml/2006/main" xmlns:r="http://schemas.openxmlformats.org/officeDocument/2006/relationships" xmlns:p="http://schemas.openxmlformats.org/presentationml/2006/main">
   <p:cSld>
     <p:spTree>
@@ -4962,7 +9699,7 @@
         </p:blipFill>
         <p:spPr>
           <a:xfrm>
-            <a:off x="20" y="10"/>
+            <a:off x="0" y="65998"/>
             <a:ext cx="12191675" cy="6857990"/>
           </a:xfrm>
           <a:prstGeom prst="rect">
@@ -5033,10 +9770,10 @@
       </p:sp>
       <p:sp>
         <p:nvSpPr>
-          <p:cNvPr id="4" name="Title 1">
+          <p:cNvPr id="5" name="Title 1">
             <a:extLst>
               <a:ext uri="{FF2B5EF4-FFF2-40B4-BE49-F238E27FC236}">
-                <a16:creationId xmlns:a16="http://schemas.microsoft.com/office/drawing/2014/main" id="{5F14990E-E3FA-4524-828B-0C28760F1297}"/>
+                <a16:creationId xmlns:a16="http://schemas.microsoft.com/office/drawing/2014/main" id="{D85E7F1A-4BF2-4459-893A-71C51E08E8E4}"/>
               </a:ext>
             </a:extLst>
           </p:cNvPr>
@@ -5061,7 +9798,7 @@
           </a:solidFill>
           <a:ln>
             <a:solidFill>
-              <a:schemeClr val="accent3"/>
+              <a:srgbClr val="FF0000"/>
             </a:solidFill>
           </a:ln>
           <a:effectLst>
@@ -5076,10 +9813,11 @@
                 <a:alpha val="50000"/>
               </a:prstClr>
             </a:innerShdw>
+            <a:softEdge rad="63500"/>
           </a:effectLst>
         </p:spPr>
         <p:txBody>
-          <a:bodyPr/>
+          <a:bodyPr anchor="ctr"/>
           <a:lstStyle>
             <a:lvl1pPr algn="l" defTabSz="914400" rtl="0" eaLnBrk="1" latinLnBrk="0" hangingPunct="1">
               <a:lnSpc>
@@ -5132,15 +9870,222 @@
                 <a:latin typeface="MV Boli" panose="02000500030200090000" pitchFamily="2" charset="0"/>
                 <a:cs typeface="MV Boli" panose="02000500030200090000" pitchFamily="2" charset="0"/>
               </a:rPr>
-              <a:t>Problems along the way…..</a:t>
+              <a:t>App</a:t>
             </a:r>
+            <a:r>
+              <a:rPr lang="en-US" sz="4400" b="1" dirty="0">
+                <a:solidFill>
+                  <a:prstClr val="black"/>
+                </a:solidFill>
+                <a:latin typeface="MV Boli" panose="02000500030200090000" pitchFamily="2" charset="0"/>
+                <a:cs typeface="MV Boli" panose="02000500030200090000" pitchFamily="2" charset="0"/>
+              </a:rPr>
+              <a:t>endix Page</a:t>
+            </a:r>
+            <a:endParaRPr kumimoji="0" lang="en-US" sz="4400" b="1" i="0" u="none" strike="noStrike" kern="1200" cap="none" spc="0" normalizeH="0" baseline="0" noProof="0" dirty="0">
+              <a:ln>
+                <a:noFill/>
+              </a:ln>
+              <a:solidFill>
+                <a:prstClr val="black"/>
+              </a:solidFill>
+              <a:effectLst/>
+              <a:uLnTx/>
+              <a:uFillTx/>
+              <a:latin typeface="MV Boli" panose="02000500030200090000" pitchFamily="2" charset="0"/>
+              <a:cs typeface="MV Boli" panose="02000500030200090000" pitchFamily="2" charset="0"/>
+            </a:endParaRPr>
+          </a:p>
+        </p:txBody>
+      </p:sp>
+      <p:sp>
+        <p:nvSpPr>
+          <p:cNvPr id="2" name="TextBox 1">
+            <a:extLst>
+              <a:ext uri="{FF2B5EF4-FFF2-40B4-BE49-F238E27FC236}">
+                <a16:creationId xmlns:a16="http://schemas.microsoft.com/office/drawing/2014/main" id="{E4645408-37BA-4C0A-992A-088134453021}"/>
+              </a:ext>
+            </a:extLst>
+          </p:cNvPr>
+          <p:cNvSpPr txBox="1"/>
+          <p:nvPr/>
+        </p:nvSpPr>
+        <p:spPr>
+          <a:xfrm>
+            <a:off x="701336" y="2317072"/>
+            <a:ext cx="530915" cy="646331"/>
+          </a:xfrm>
+          <a:prstGeom prst="rect">
+            <a:avLst/>
+          </a:prstGeom>
+          <a:noFill/>
+        </p:spPr>
+        <p:txBody>
+          <a:bodyPr wrap="none" rtlCol="0">
+            <a:spAutoFit/>
+          </a:bodyPr>
+          <a:lstStyle/>
+          <a:p>
+            <a:pPr marL="342900" indent="-342900">
+              <a:buFont typeface="+mj-lt"/>
+              <a:buAutoNum type="arabicPeriod"/>
+            </a:pPr>
+            <a:endParaRPr lang="en-US" dirty="0"/>
+          </a:p>
+          <a:p>
+            <a:pPr marL="342900" indent="-342900">
+              <a:buFont typeface="+mj-lt"/>
+              <a:buAutoNum type="arabicPeriod"/>
+            </a:pPr>
+            <a:endParaRPr lang="en-US" dirty="0"/>
+          </a:p>
+        </p:txBody>
+      </p:sp>
+      <p:sp>
+        <p:nvSpPr>
+          <p:cNvPr id="6" name="TextBox 5">
+            <a:extLst>
+              <a:ext uri="{FF2B5EF4-FFF2-40B4-BE49-F238E27FC236}">
+                <a16:creationId xmlns:a16="http://schemas.microsoft.com/office/drawing/2014/main" id="{8097FED4-CFF5-4311-B52B-B84EA56665E3}"/>
+              </a:ext>
+            </a:extLst>
+          </p:cNvPr>
+          <p:cNvSpPr txBox="1"/>
+          <p:nvPr/>
+        </p:nvSpPr>
+        <p:spPr>
+          <a:xfrm>
+            <a:off x="2468445" y="1670741"/>
+            <a:ext cx="6378221" cy="646331"/>
+          </a:xfrm>
+          <a:prstGeom prst="rect">
+            <a:avLst/>
+          </a:prstGeom>
+          <a:solidFill>
+            <a:schemeClr val="bg2">
+              <a:lumMod val="50000"/>
+            </a:schemeClr>
+          </a:solidFill>
+        </p:spPr>
+        <p:txBody>
+          <a:bodyPr wrap="none" rtlCol="0" anchor="ctr">
+            <a:spAutoFit/>
+          </a:bodyPr>
+          <a:lstStyle/>
+          <a:p>
+            <a:pPr marL="342900" indent="-342900" algn="just">
+              <a:buFont typeface="+mj-lt"/>
+              <a:buAutoNum type="arabicPeriod"/>
+            </a:pPr>
+            <a:r>
+              <a:rPr lang="en-US" sz="3600" b="1" dirty="0">
+                <a:effectLst>
+                  <a:outerShdw blurRad="38100" dist="38100" dir="2700000" algn="tl">
+                    <a:srgbClr val="000000">
+                      <a:alpha val="43137"/>
+                    </a:srgbClr>
+                  </a:outerShdw>
+                </a:effectLst>
+              </a:rPr>
+              <a:t> </a:t>
+            </a:r>
+            <a:r>
+              <a:rPr lang="en-US" sz="3600" dirty="0">
+                <a:hlinkClick r:id="rId3"/>
+              </a:rPr>
+              <a:t>http://www.bigcitieshealth.org/</a:t>
+            </a:r>
+            <a:endParaRPr lang="en-US" sz="3600" dirty="0"/>
           </a:p>
         </p:txBody>
       </p:sp>
     </p:spTree>
     <p:extLst>
       <p:ext uri="{BB962C8B-B14F-4D97-AF65-F5344CB8AC3E}">
-        <p14:creationId xmlns:p14="http://schemas.microsoft.com/office/powerpoint/2010/main" val="1778919290"/>
+        <p14:creationId xmlns:p14="http://schemas.microsoft.com/office/powerpoint/2010/main" val="2439121284"/>
+      </p:ext>
+    </p:extLst>
+  </p:cSld>
+  <p:clrMapOvr>
+    <a:masterClrMapping/>
+  </p:clrMapOvr>
+</p:sld>
+</file>
+
+<file path=ppt/slides/slide15.xml><?xml version="1.0" encoding="utf-8"?>
+<p:sld xmlns:a="http://schemas.openxmlformats.org/drawingml/2006/main" xmlns:r="http://schemas.openxmlformats.org/officeDocument/2006/relationships" xmlns:p="http://schemas.openxmlformats.org/presentationml/2006/main">
+  <p:cSld>
+    <p:bg>
+      <p:bgPr>
+        <a:gradFill rotWithShape="1">
+          <a:gsLst>
+            <a:gs pos="0">
+              <a:schemeClr val="bg2">
+                <a:tint val="94000"/>
+                <a:satMod val="80000"/>
+                <a:lumMod val="106000"/>
+              </a:schemeClr>
+            </a:gs>
+            <a:gs pos="100000">
+              <a:schemeClr val="bg2">
+                <a:shade val="80000"/>
+              </a:schemeClr>
+            </a:gs>
+          </a:gsLst>
+          <a:path path="circle">
+            <a:fillToRect l="43000" r="43000" b="100000"/>
+          </a:path>
+        </a:gradFill>
+        <a:effectLst/>
+      </p:bgPr>
+    </p:bg>
+    <p:spTree>
+      <p:nvGrpSpPr>
+        <p:cNvPr id="1" name=""/>
+        <p:cNvGrpSpPr/>
+        <p:nvPr/>
+      </p:nvGrpSpPr>
+      <p:grpSpPr>
+        <a:xfrm>
+          <a:off x="0" y="0"/>
+          <a:ext cx="0" cy="0"/>
+          <a:chOff x="0" y="0"/>
+          <a:chExt cx="0" cy="0"/>
+        </a:xfrm>
+      </p:grpSpPr>
+      <p:pic>
+        <p:nvPicPr>
+          <p:cNvPr id="3" name="Picture 2" descr="A close up of a piece of paper&#10;&#10;Description automatically generated">
+            <a:extLst>
+              <a:ext uri="{FF2B5EF4-FFF2-40B4-BE49-F238E27FC236}">
+                <a16:creationId xmlns:a16="http://schemas.microsoft.com/office/drawing/2014/main" id="{AC1943F7-5178-4EE5-A417-3FAA6228C3C0}"/>
+              </a:ext>
+            </a:extLst>
+          </p:cNvPr>
+          <p:cNvPicPr>
+            <a:picLocks noChangeAspect="1"/>
+          </p:cNvPicPr>
+          <p:nvPr/>
+        </p:nvPicPr>
+        <p:blipFill rotWithShape="1">
+          <a:blip r:embed="rId2"/>
+          <a:srcRect t="2427" r="1" b="20169"/>
+          <a:stretch/>
+        </p:blipFill>
+        <p:spPr>
+          <a:xfrm>
+            <a:off x="643467" y="285249"/>
+            <a:ext cx="10905066" cy="5571066"/>
+          </a:xfrm>
+          <a:prstGeom prst="rect">
+            <a:avLst/>
+          </a:prstGeom>
+        </p:spPr>
+      </p:pic>
+    </p:spTree>
+    <p:extLst>
+      <p:ext uri="{BB962C8B-B14F-4D97-AF65-F5344CB8AC3E}">
+        <p14:creationId xmlns:p14="http://schemas.microsoft.com/office/powerpoint/2010/main" val="1206292286"/>
       </p:ext>
     </p:extLst>
   </p:cSld>
@@ -5151,6 +10096,260 @@
 </file>
 
 <file path=ppt/slides/slide2.xml><?xml version="1.0" encoding="utf-8"?>
+<p:sld xmlns:a="http://schemas.openxmlformats.org/drawingml/2006/main" xmlns:r="http://schemas.openxmlformats.org/officeDocument/2006/relationships" xmlns:p="http://schemas.openxmlformats.org/presentationml/2006/main">
+  <p:cSld>
+    <p:spTree>
+      <p:nvGrpSpPr>
+        <p:cNvPr id="1" name=""/>
+        <p:cNvGrpSpPr/>
+        <p:nvPr/>
+      </p:nvGrpSpPr>
+      <p:grpSpPr>
+        <a:xfrm>
+          <a:off x="0" y="0"/>
+          <a:ext cx="0" cy="0"/>
+          <a:chOff x="0" y="0"/>
+          <a:chExt cx="0" cy="0"/>
+        </a:xfrm>
+      </p:grpSpPr>
+      <p:graphicFrame>
+        <p:nvGraphicFramePr>
+          <p:cNvPr id="4" name="Diagram 3">
+            <a:extLst>
+              <a:ext uri="{FF2B5EF4-FFF2-40B4-BE49-F238E27FC236}">
+                <a16:creationId xmlns:a16="http://schemas.microsoft.com/office/drawing/2014/main" id="{3218B66E-69E3-499B-AE91-C949029870DC}"/>
+              </a:ext>
+            </a:extLst>
+          </p:cNvPr>
+          <p:cNvGraphicFramePr/>
+          <p:nvPr>
+            <p:extLst>
+              <p:ext uri="{D42A27DB-BD31-4B8C-83A1-F6EECF244321}">
+                <p14:modId xmlns:p14="http://schemas.microsoft.com/office/powerpoint/2010/main" val="2613849380"/>
+              </p:ext>
+            </p:extLst>
+          </p:nvPr>
+        </p:nvGraphicFramePr>
+        <p:xfrm>
+          <a:off x="84861" y="10"/>
+          <a:ext cx="12191675" cy="6857990"/>
+        </p:xfrm>
+        <a:graphic>
+          <a:graphicData uri="http://schemas.openxmlformats.org/drawingml/2006/diagram">
+            <dgm:relIds xmlns:dgm="http://schemas.openxmlformats.org/drawingml/2006/diagram" xmlns:r="http://schemas.openxmlformats.org/officeDocument/2006/relationships" r:dm="rId2" r:lo="rId3" r:qs="rId4" r:cs="rId5"/>
+          </a:graphicData>
+        </a:graphic>
+      </p:graphicFrame>
+      <p:sp>
+        <p:nvSpPr>
+          <p:cNvPr id="7" name="TextBox 6">
+            <a:extLst>
+              <a:ext uri="{FF2B5EF4-FFF2-40B4-BE49-F238E27FC236}">
+                <a16:creationId xmlns:a16="http://schemas.microsoft.com/office/drawing/2014/main" id="{85C3DE35-BABC-4604-B917-C7F0195C550E}"/>
+              </a:ext>
+            </a:extLst>
+          </p:cNvPr>
+          <p:cNvSpPr txBox="1"/>
+          <p:nvPr/>
+        </p:nvSpPr>
+        <p:spPr>
+          <a:xfrm>
+            <a:off x="4976636" y="992221"/>
+            <a:ext cx="6247308" cy="4873558"/>
+          </a:xfrm>
+          <a:prstGeom prst="rect">
+            <a:avLst/>
+          </a:prstGeom>
+        </p:spPr>
+        <p:txBody>
+          <a:bodyPr vert="horz" lIns="91440" tIns="45720" rIns="91440" bIns="0" rtlCol="0" anchor="ctr">
+            <a:normAutofit/>
+          </a:bodyPr>
+          <a:lstStyle/>
+          <a:p>
+            <a:pPr defTabSz="914400">
+              <a:lnSpc>
+                <a:spcPct val="90000"/>
+              </a:lnSpc>
+              <a:spcBef>
+                <a:spcPct val="0"/>
+              </a:spcBef>
+              <a:spcAft>
+                <a:spcPts val="600"/>
+              </a:spcAft>
+            </a:pPr>
+            <a:endParaRPr lang="en-US" sz="4000" dirty="0">
+              <a:latin typeface="+mj-lt"/>
+              <a:ea typeface="+mj-ea"/>
+              <a:cs typeface="+mj-cs"/>
+            </a:endParaRPr>
+          </a:p>
+        </p:txBody>
+      </p:sp>
+      <p:sp>
+        <p:nvSpPr>
+          <p:cNvPr id="12" name="TextBox 11">
+            <a:extLst>
+              <a:ext uri="{FF2B5EF4-FFF2-40B4-BE49-F238E27FC236}">
+                <a16:creationId xmlns:a16="http://schemas.microsoft.com/office/drawing/2014/main" id="{06617E70-9359-4757-9DD2-0D366D8CCB33}"/>
+              </a:ext>
+            </a:extLst>
+          </p:cNvPr>
+          <p:cNvSpPr txBox="1"/>
+          <p:nvPr/>
+        </p:nvSpPr>
+        <p:spPr>
+          <a:xfrm>
+            <a:off x="207390" y="150828"/>
+            <a:ext cx="2591350" cy="461665"/>
+          </a:xfrm>
+          <a:prstGeom prst="rect">
+            <a:avLst/>
+          </a:prstGeom>
+          <a:solidFill>
+            <a:schemeClr val="bg1"/>
+          </a:solidFill>
+          <a:ln>
+            <a:solidFill>
+              <a:schemeClr val="accent1"/>
+            </a:solidFill>
+          </a:ln>
+          <a:effectLst>
+            <a:glow rad="228600">
+              <a:schemeClr val="accent1">
+                <a:satMod val="175000"/>
+                <a:alpha val="40000"/>
+              </a:schemeClr>
+            </a:glow>
+          </a:effectLst>
+        </p:spPr>
+        <p:txBody>
+          <a:bodyPr wrap="none" rtlCol="0">
+            <a:spAutoFit/>
+          </a:bodyPr>
+          <a:lstStyle/>
+          <a:p>
+            <a:r>
+              <a:rPr lang="en-US" sz="2400" b="1" dirty="0">
+                <a:effectLst>
+                  <a:outerShdw blurRad="38100" dist="38100" dir="2700000" algn="tl">
+                    <a:srgbClr val="000000">
+                      <a:alpha val="43137"/>
+                    </a:srgbClr>
+                  </a:outerShdw>
+                </a:effectLst>
+              </a:rPr>
+              <a:t>Table of Content</a:t>
+            </a:r>
+            <a:r>
+              <a:rPr lang="en-US" dirty="0"/>
+              <a:t>:</a:t>
+            </a:r>
+          </a:p>
+        </p:txBody>
+      </p:sp>
+    </p:spTree>
+    <p:extLst>
+      <p:ext uri="{BB962C8B-B14F-4D97-AF65-F5344CB8AC3E}">
+        <p14:creationId xmlns:p14="http://schemas.microsoft.com/office/powerpoint/2010/main" val="830936755"/>
+      </p:ext>
+    </p:extLst>
+  </p:cSld>
+  <p:clrMapOvr>
+    <a:masterClrMapping/>
+  </p:clrMapOvr>
+  <p:timing>
+    <p:tnLst>
+      <p:par>
+        <p:cTn id="1" dur="indefinite" restart="never" nodeType="tmRoot">
+          <p:childTnLst>
+            <p:seq concurrent="1" nextAc="seek">
+              <p:cTn id="2" dur="indefinite" nodeType="mainSeq">
+                <p:childTnLst>
+                  <p:par>
+                    <p:cTn id="3" fill="hold">
+                      <p:stCondLst>
+                        <p:cond delay="indefinite"/>
+                      </p:stCondLst>
+                      <p:childTnLst>
+                        <p:par>
+                          <p:cTn id="4" fill="hold">
+                            <p:stCondLst>
+                              <p:cond delay="0"/>
+                            </p:stCondLst>
+                            <p:childTnLst>
+                              <p:par>
+                                <p:cTn id="5" presetID="6" presetClass="entr" presetSubtype="16" fill="hold" grpId="0" nodeType="clickEffect">
+                                  <p:stCondLst>
+                                    <p:cond delay="0"/>
+                                  </p:stCondLst>
+                                  <p:childTnLst>
+                                    <p:set>
+                                      <p:cBhvr>
+                                        <p:cTn id="6" dur="1" fill="hold">
+                                          <p:stCondLst>
+                                            <p:cond delay="0"/>
+                                          </p:stCondLst>
+                                        </p:cTn>
+                                        <p:tgtEl>
+                                          <p:spTgt spid="4"/>
+                                        </p:tgtEl>
+                                        <p:attrNameLst>
+                                          <p:attrName>style.visibility</p:attrName>
+                                        </p:attrNameLst>
+                                      </p:cBhvr>
+                                      <p:to>
+                                        <p:strVal val="visible"/>
+                                      </p:to>
+                                    </p:set>
+                                    <p:animEffect transition="in" filter="circle(in)">
+                                      <p:cBhvr>
+                                        <p:cTn id="7" dur="2000"/>
+                                        <p:tgtEl>
+                                          <p:spTgt spid="4"/>
+                                        </p:tgtEl>
+                                      </p:cBhvr>
+                                    </p:animEffect>
+                                  </p:childTnLst>
+                                </p:cTn>
+                              </p:par>
+                            </p:childTnLst>
+                          </p:cTn>
+                        </p:par>
+                      </p:childTnLst>
+                    </p:cTn>
+                  </p:par>
+                </p:childTnLst>
+              </p:cTn>
+              <p:prevCondLst>
+                <p:cond evt="onPrev" delay="0">
+                  <p:tgtEl>
+                    <p:sldTgt/>
+                  </p:tgtEl>
+                </p:cond>
+              </p:prevCondLst>
+              <p:nextCondLst>
+                <p:cond evt="onNext" delay="0">
+                  <p:tgtEl>
+                    <p:sldTgt/>
+                  </p:tgtEl>
+                </p:cond>
+              </p:nextCondLst>
+            </p:seq>
+          </p:childTnLst>
+        </p:cTn>
+      </p:par>
+    </p:tnLst>
+    <p:bldLst>
+      <p:bldGraphic spid="4" grpId="0">
+        <p:bldAsOne/>
+      </p:bldGraphic>
+    </p:bldLst>
+  </p:timing>
+</p:sld>
+</file>
+
+<file path=ppt/slides/slide3.xml><?xml version="1.0" encoding="utf-8"?>
 <p:sld xmlns:a="http://schemas.openxmlformats.org/drawingml/2006/main" xmlns:r="http://schemas.openxmlformats.org/officeDocument/2006/relationships" xmlns:p="http://schemas.openxmlformats.org/presentationml/2006/main">
   <p:cSld>
     <p:spTree>
@@ -5191,7 +10390,7 @@
         </p:blipFill>
         <p:spPr>
           <a:xfrm>
-            <a:off x="20" y="10"/>
+            <a:off x="0" y="10"/>
             <a:ext cx="12191675" cy="6857990"/>
           </a:xfrm>
           <a:prstGeom prst="rect">
@@ -5334,8 +10533,8 @@
         </p:nvSpPr>
         <p:spPr>
           <a:xfrm>
-            <a:off x="532660" y="2317072"/>
-            <a:ext cx="530915" cy="3139321"/>
+            <a:off x="796611" y="2109683"/>
+            <a:ext cx="9205341" cy="2800767"/>
           </a:xfrm>
           <a:prstGeom prst="rect">
             <a:avLst/>
@@ -5348,44 +10547,75 @@
           </a:bodyPr>
           <a:lstStyle/>
           <a:p>
+            <a:pPr marL="342900" indent="-342900">
+              <a:buFont typeface="+mj-lt"/>
+              <a:buAutoNum type="arabicPeriod"/>
+            </a:pPr>
             <a:r>
-              <a:rPr lang="en-US" sz="3600" dirty="0"/>
-              <a:t>1.</a:t>
+              <a:rPr lang="en-US" sz="2200" b="1" dirty="0"/>
+              <a:t>Are females more likely  to die from breast cancer vs lung cancer?</a:t>
             </a:r>
           </a:p>
           <a:p>
+            <a:pPr marL="342900" indent="-342900">
+              <a:buFont typeface="+mj-lt"/>
+              <a:buAutoNum type="arabicPeriod"/>
+            </a:pPr>
+            <a:endParaRPr lang="en-US" sz="2200" b="1" dirty="0"/>
+          </a:p>
+          <a:p>
+            <a:pPr marL="342900" indent="-342900">
+              <a:buFont typeface="+mj-lt"/>
+              <a:buAutoNum type="arabicPeriod"/>
+            </a:pPr>
             <a:r>
-              <a:rPr lang="en-US" sz="3600" dirty="0"/>
-              <a:t>2.</a:t>
+              <a:rPr lang="en-US" sz="2200" b="1" dirty="0"/>
+              <a:t>How does the unemployment rate compare across ethnicities ?</a:t>
             </a:r>
           </a:p>
           <a:p>
+            <a:pPr marL="342900" indent="-342900">
+              <a:buFont typeface="+mj-lt"/>
+              <a:buAutoNum type="arabicPeriod"/>
+            </a:pPr>
+            <a:endParaRPr lang="en-US" sz="2200" b="1" dirty="0"/>
+          </a:p>
+          <a:p>
+            <a:pPr marL="342900" indent="-342900">
+              <a:buFont typeface="+mj-lt"/>
+              <a:buAutoNum type="arabicPeriod"/>
+            </a:pPr>
             <a:r>
-              <a:rPr lang="en-US" sz="3600" dirty="0"/>
-              <a:t>3.</a:t>
+              <a:rPr lang="en-US" sz="2200" b="1" dirty="0"/>
+              <a:t>Are men more likely to live longer than women?</a:t>
             </a:r>
           </a:p>
           <a:p>
+            <a:pPr marL="342900" indent="-342900">
+              <a:buFont typeface="+mj-lt"/>
+              <a:buAutoNum type="arabicPeriod"/>
+            </a:pPr>
+            <a:endParaRPr lang="en-US" sz="2200" b="1" dirty="0"/>
+          </a:p>
+          <a:p>
+            <a:pPr marL="342900" indent="-342900">
+              <a:buFont typeface="+mj-lt"/>
+              <a:buAutoNum type="arabicPeriod"/>
+            </a:pPr>
             <a:r>
-              <a:rPr lang="en-US" sz="3600" dirty="0"/>
-              <a:t>4.</a:t>
+              <a:rPr lang="en-US" sz="2200" b="1" dirty="0"/>
+              <a:t>What major city has the highest Spanish speaking population ?</a:t>
             </a:r>
           </a:p>
           <a:p>
-            <a:r>
-              <a:rPr lang="en-US" sz="3600" dirty="0"/>
-              <a:t>5.</a:t>
-            </a:r>
-          </a:p>
-          <a:p>
-            <a:endParaRPr lang="en-US" dirty="0"/>
+            <a:endParaRPr lang="en-US" sz="2200" b="1" dirty="0"/>
           </a:p>
         </p:txBody>
       </p:sp>
     </p:spTree>
     <p:extLst>
       <p:ext uri="{BB962C8B-B14F-4D97-AF65-F5344CB8AC3E}">
-        <p14:creationId xmlns:p14="http://schemas.microsoft.com/office/powerpoint/2010/main" val="830936755"/>
+        <p14:creationId xmlns:p14="http://schemas.microsoft.com/office/powerpoint/2010/main" val="603413271"/>
       </p:ext>
     </p:extLst>
   </p:cSld>
@@ -5395,7 +10625,7 @@
 </p:sld>
 </file>
 
-<file path=ppt/slides/slide3.xml><?xml version="1.0" encoding="utf-8"?>
+<file path=ppt/slides/slide4.xml><?xml version="1.0" encoding="utf-8"?>
 <p:sld xmlns:a="http://schemas.openxmlformats.org/drawingml/2006/main" xmlns:r="http://schemas.openxmlformats.org/officeDocument/2006/relationships" xmlns:p="http://schemas.openxmlformats.org/presentationml/2006/main">
   <p:cSld>
     <p:spTree>
@@ -5583,7 +10813,7 @@
         <p:spPr>
           <a:xfrm>
             <a:off x="604250" y="2154281"/>
-            <a:ext cx="11472889" cy="3447803"/>
+            <a:ext cx="11472889" cy="3182859"/>
           </a:xfrm>
           <a:prstGeom prst="rect">
             <a:avLst/>
@@ -5615,7 +10845,7 @@
                 <a:ea typeface="Calibri" panose="020F0502020204030204" pitchFamily="34" charset="0"/>
                 <a:cs typeface="Times New Roman" panose="02020603050405020304" pitchFamily="18" charset="0"/>
               </a:rPr>
-              <a:t>The dataset we used provides mortality rates for multiple major illnesses across 30+ major cities around the US. Purpose: The purpose of this website is to automatically create informative visualizations based around the users selected data from the KEY INDICATORS. Users will use dropdowns on the website to drill down to what kind of data they want to see. </a:t>
+              <a:t>The dataset we used provides healthcare, social and economical factors across 30+ major cities around the US. Purpose: The purpose of this website is to create informative visualizations based around the users selected data from the KEY INDICATORS. Users will use dropdowns on the website to drill down to what kind of data they want to see. </a:t>
             </a:r>
           </a:p>
           <a:p>
@@ -5654,7 +10884,7 @@
             </a:pPr>
             <a:r>
               <a:rPr lang="en-US" sz="1600" b="1" dirty="0"/>
-              <a:t>IE: Any user visits that website can go in and select what data they want to see involving Maternal and Child Health, by selecting that from the indicator category. After selection, the indicator dropdown will populate with illnesses related to their selection. That will then populate the year dropdown with all the available years, the sex dropdown with available genders, race dropdown with available races, and finally the location dropdown. Once their selections are made, they can click the submit button. This will provide a list of available chart types that will display their data. If a user selects an indicator and only wants to break the data by sex, then a pie chart would be listed. If they are trying to compare multiple indicators across multiple locations, then we may propose a line chart.</a:t>
+              <a:t>For example:  Any user visits that website can go in and select what data they want to see involving Maternal and Child Health, by selecting that from the indicator category. After selection, the indicator dropdown will populate with illnesses related to their selection. That will then populate the year dropdown with all the available years, the sex dropdown with available genders, race dropdown with available races, and finally the location dropdown. Once their selections are made, they can click the submit button. This will provide a list of available chart types that will display their data. If a user selects an indicator and only wants to break the data by sex, then a pie chart would be listed. If they are trying to compare multiple indicators across multiple locations, then we may propose a line chart.</a:t>
             </a:r>
             <a:endParaRPr lang="en-US" sz="1600" b="1" dirty="0">
               <a:latin typeface="Calibri" panose="020F0502020204030204" pitchFamily="34" charset="0"/>
@@ -5677,7 +10907,7 @@
 </p:sld>
 </file>
 
-<file path=ppt/slides/slide4.xml><?xml version="1.0" encoding="utf-8"?>
+<file path=ppt/slides/slide5.xml><?xml version="1.0" encoding="utf-8"?>
 <p:sld xmlns:a="http://schemas.openxmlformats.org/drawingml/2006/main" xmlns:r="http://schemas.openxmlformats.org/officeDocument/2006/relationships" xmlns:p="http://schemas.openxmlformats.org/presentationml/2006/main">
   <p:cSld>
     <p:spTree>
@@ -5718,7 +10948,7 @@
         </p:blipFill>
         <p:spPr>
           <a:xfrm>
-            <a:off x="325" y="10"/>
+            <a:off x="67000" y="-190490"/>
             <a:ext cx="12191675" cy="6857990"/>
           </a:xfrm>
           <a:prstGeom prst="rect">
@@ -5845,121 +11075,17 @@
             <a:pPr algn="ctr"/>
             <a:r>
               <a:rPr lang="en-US" sz="4400" b="1" dirty="0"/>
-              <a:t>How did we get to the DATA??</a:t>
+              <a:t>Data Manipulation Issues</a:t>
             </a:r>
           </a:p>
         </p:txBody>
       </p:sp>
-      <p:pic>
-        <p:nvPicPr>
-          <p:cNvPr id="4" name="Picture 3">
+      <p:sp>
+        <p:nvSpPr>
+          <p:cNvPr id="6" name="TextBox 5">
             <a:extLst>
               <a:ext uri="{FF2B5EF4-FFF2-40B4-BE49-F238E27FC236}">
-                <a16:creationId xmlns:a16="http://schemas.microsoft.com/office/drawing/2014/main" id="{28B91550-816C-438E-B960-072BC11E1989}"/>
-              </a:ext>
-            </a:extLst>
-          </p:cNvPr>
-          <p:cNvPicPr>
-            <a:picLocks noChangeAspect="1"/>
-          </p:cNvPicPr>
-          <p:nvPr/>
-        </p:nvPicPr>
-        <p:blipFill>
-          <a:blip r:embed="rId3"/>
-          <a:stretch>
-            <a:fillRect/>
-          </a:stretch>
-        </p:blipFill>
-        <p:spPr>
-          <a:xfrm>
-            <a:off x="1322772" y="1306036"/>
-            <a:ext cx="9732998" cy="4943097"/>
-          </a:xfrm>
-          <a:prstGeom prst="rect">
-            <a:avLst/>
-          </a:prstGeom>
-          <a:ln w="228600" cap="sq" cmpd="thickThin">
-            <a:solidFill>
-              <a:srgbClr val="000000"/>
-            </a:solidFill>
-            <a:prstDash val="solid"/>
-            <a:miter lim="800000"/>
-          </a:ln>
-          <a:effectLst>
-            <a:innerShdw blurRad="76200">
-              <a:srgbClr val="000000"/>
-            </a:innerShdw>
-          </a:effectLst>
-        </p:spPr>
-      </p:pic>
-    </p:spTree>
-    <p:extLst>
-      <p:ext uri="{BB962C8B-B14F-4D97-AF65-F5344CB8AC3E}">
-        <p14:creationId xmlns:p14="http://schemas.microsoft.com/office/powerpoint/2010/main" val="1818591728"/>
-      </p:ext>
-    </p:extLst>
-  </p:cSld>
-  <p:clrMapOvr>
-    <a:masterClrMapping/>
-  </p:clrMapOvr>
-</p:sld>
-</file>
-
-<file path=ppt/slides/slide5.xml><?xml version="1.0" encoding="utf-8"?>
-<p:sld xmlns:a="http://schemas.openxmlformats.org/drawingml/2006/main" xmlns:r="http://schemas.openxmlformats.org/officeDocument/2006/relationships" xmlns:p="http://schemas.openxmlformats.org/presentationml/2006/main">
-  <p:cSld>
-    <p:spTree>
-      <p:nvGrpSpPr>
-        <p:cNvPr id="1" name=""/>
-        <p:cNvGrpSpPr/>
-        <p:nvPr/>
-      </p:nvGrpSpPr>
-      <p:grpSpPr>
-        <a:xfrm>
-          <a:off x="0" y="0"/>
-          <a:ext cx="0" cy="0"/>
-          <a:chOff x="0" y="0"/>
-          <a:chExt cx="0" cy="0"/>
-        </a:xfrm>
-      </p:grpSpPr>
-      <p:pic>
-        <p:nvPicPr>
-          <p:cNvPr id="3" name="Picture 2" descr="A close up of a device&#10;&#10;Description automatically generated">
-            <a:extLst>
-              <a:ext uri="{FF2B5EF4-FFF2-40B4-BE49-F238E27FC236}">
-                <a16:creationId xmlns:a16="http://schemas.microsoft.com/office/drawing/2014/main" id="{2886BC6A-B5C1-4C15-8E30-F2AC955DF440}"/>
-              </a:ext>
-            </a:extLst>
-          </p:cNvPr>
-          <p:cNvPicPr>
-            <a:picLocks noChangeAspect="1"/>
-          </p:cNvPicPr>
-          <p:nvPr/>
-        </p:nvPicPr>
-        <p:blipFill rotWithShape="1">
-          <a:blip r:embed="rId2">
-            <a:alphaModFix amt="50000"/>
-            <a:extLst/>
-          </a:blip>
-          <a:srcRect l="29335"/>
-          <a:stretch/>
-        </p:blipFill>
-        <p:spPr>
-          <a:xfrm>
-            <a:off x="20" y="10"/>
-            <a:ext cx="12191675" cy="6857990"/>
-          </a:xfrm>
-          <a:prstGeom prst="rect">
-            <a:avLst/>
-          </a:prstGeom>
-        </p:spPr>
-      </p:pic>
-      <p:sp>
-        <p:nvSpPr>
-          <p:cNvPr id="7" name="TextBox 6">
-            <a:extLst>
-              <a:ext uri="{FF2B5EF4-FFF2-40B4-BE49-F238E27FC236}">
-                <a16:creationId xmlns:a16="http://schemas.microsoft.com/office/drawing/2014/main" id="{85C3DE35-BABC-4604-B917-C7F0195C550E}"/>
+                <a16:creationId xmlns:a16="http://schemas.microsoft.com/office/drawing/2014/main" id="{D5F71A14-D219-4102-983E-80C7539ABE15}"/>
               </a:ext>
             </a:extLst>
           </p:cNvPr>
@@ -5968,84 +11094,97 @@
         </p:nvSpPr>
         <p:spPr>
           <a:xfrm>
-            <a:off x="4976636" y="992221"/>
-            <a:ext cx="6247308" cy="4873558"/>
+            <a:off x="1114425" y="1733550"/>
+            <a:ext cx="7056740" cy="2308324"/>
           </a:xfrm>
           <a:prstGeom prst="rect">
             <a:avLst/>
           </a:prstGeom>
+          <a:noFill/>
         </p:spPr>
         <p:txBody>
-          <a:bodyPr vert="horz" lIns="91440" tIns="45720" rIns="91440" bIns="0" rtlCol="0" anchor="ctr">
-            <a:normAutofit/>
+          <a:bodyPr wrap="none" rtlCol="0">
+            <a:spAutoFit/>
           </a:bodyPr>
           <a:lstStyle/>
           <a:p>
-            <a:pPr defTabSz="914400">
-              <a:lnSpc>
-                <a:spcPct val="90000"/>
-              </a:lnSpc>
-              <a:spcBef>
-                <a:spcPct val="0"/>
-              </a:spcBef>
-              <a:spcAft>
-                <a:spcPts val="600"/>
-              </a:spcAft>
+            <a:pPr marL="342900" indent="-342900">
+              <a:buFont typeface="+mj-lt"/>
+              <a:buAutoNum type="arabicPeriod"/>
             </a:pPr>
-            <a:endParaRPr lang="en-US" sz="4000" dirty="0">
-              <a:latin typeface="+mj-lt"/>
-              <a:ea typeface="+mj-ea"/>
-              <a:cs typeface="+mj-cs"/>
-            </a:endParaRPr>
+            <a:r>
+              <a:rPr lang="en-US" sz="3600" b="1" dirty="0">
+                <a:effectLst>
+                  <a:outerShdw blurRad="38100" dist="38100" dir="2700000" algn="tl">
+                    <a:srgbClr val="000000">
+                      <a:alpha val="43137"/>
+                    </a:srgbClr>
+                  </a:outerShdw>
+                </a:effectLst>
+              </a:rPr>
+              <a:t> Data was missing primary key</a:t>
+            </a:r>
+          </a:p>
+          <a:p>
+            <a:pPr marL="342900" indent="-342900">
+              <a:buFont typeface="+mj-lt"/>
+              <a:buAutoNum type="arabicPeriod"/>
+            </a:pPr>
+            <a:r>
+              <a:rPr lang="en-US" sz="3600" b="1" dirty="0">
+                <a:effectLst>
+                  <a:outerShdw blurRad="38100" dist="38100" dir="2700000" algn="tl">
+                    <a:srgbClr val="000000">
+                      <a:alpha val="43137"/>
+                    </a:srgbClr>
+                  </a:outerShdw>
+                </a:effectLst>
+              </a:rPr>
+              <a:t> Data size</a:t>
+            </a:r>
+          </a:p>
+          <a:p>
+            <a:pPr marL="342900" indent="-342900">
+              <a:buFont typeface="+mj-lt"/>
+              <a:buAutoNum type="arabicPeriod"/>
+            </a:pPr>
+            <a:r>
+              <a:rPr lang="en-US" sz="3600" b="1" dirty="0">
+                <a:effectLst>
+                  <a:outerShdw blurRad="38100" dist="38100" dir="2700000" algn="tl">
+                    <a:srgbClr val="000000">
+                      <a:alpha val="43137"/>
+                    </a:srgbClr>
+                  </a:outerShdw>
+                </a:effectLst>
+              </a:rPr>
+              <a:t> ETL process</a:t>
+            </a:r>
+          </a:p>
+          <a:p>
+            <a:pPr marL="342900" indent="-342900">
+              <a:buFont typeface="+mj-lt"/>
+              <a:buAutoNum type="arabicPeriod"/>
+            </a:pPr>
+            <a:r>
+              <a:rPr lang="en-US" sz="3600" b="1" dirty="0">
+                <a:effectLst>
+                  <a:outerShdw blurRad="38100" dist="38100" dir="2700000" algn="tl">
+                    <a:srgbClr val="000000">
+                      <a:alpha val="43137"/>
+                    </a:srgbClr>
+                  </a:outerShdw>
+                </a:effectLst>
+              </a:rPr>
+              <a:t> Application speed </a:t>
+            </a:r>
           </a:p>
         </p:txBody>
       </p:sp>
-      <p:pic>
-        <p:nvPicPr>
-          <p:cNvPr id="5" name="Picture 4">
-            <a:extLst>
-              <a:ext uri="{FF2B5EF4-FFF2-40B4-BE49-F238E27FC236}">
-                <a16:creationId xmlns:a16="http://schemas.microsoft.com/office/drawing/2014/main" id="{C33920AE-D113-4628-8A7D-B0AD702208AD}"/>
-              </a:ext>
-            </a:extLst>
-          </p:cNvPr>
-          <p:cNvPicPr>
-            <a:picLocks noChangeAspect="1"/>
-          </p:cNvPicPr>
-          <p:nvPr/>
-        </p:nvPicPr>
-        <p:blipFill>
-          <a:blip r:embed="rId3"/>
-          <a:stretch>
-            <a:fillRect/>
-          </a:stretch>
-        </p:blipFill>
-        <p:spPr>
-          <a:xfrm>
-            <a:off x="1320924" y="384762"/>
-            <a:ext cx="10204326" cy="5519117"/>
-          </a:xfrm>
-          <a:prstGeom prst="rect">
-            <a:avLst/>
-          </a:prstGeom>
-          <a:ln w="228600" cap="sq" cmpd="thickThin">
-            <a:solidFill>
-              <a:srgbClr val="000000"/>
-            </a:solidFill>
-            <a:prstDash val="solid"/>
-            <a:miter lim="800000"/>
-          </a:ln>
-          <a:effectLst>
-            <a:innerShdw blurRad="76200">
-              <a:srgbClr val="000000"/>
-            </a:innerShdw>
-          </a:effectLst>
-        </p:spPr>
-      </p:pic>
     </p:spTree>
     <p:extLst>
       <p:ext uri="{BB962C8B-B14F-4D97-AF65-F5344CB8AC3E}">
-        <p14:creationId xmlns:p14="http://schemas.microsoft.com/office/powerpoint/2010/main" val="2101635506"/>
+        <p14:creationId xmlns:p14="http://schemas.microsoft.com/office/powerpoint/2010/main" val="1818591728"/>
       </p:ext>
     </p:extLst>
   </p:cSld>
@@ -6096,7 +11235,7 @@
         </p:blipFill>
         <p:spPr>
           <a:xfrm>
-            <a:off x="20" y="10"/>
+            <a:off x="67000" y="-190490"/>
             <a:ext cx="12191675" cy="6857990"/>
           </a:xfrm>
           <a:prstGeom prst="rect">
@@ -6150,60 +11289,171 @@
           </a:p>
         </p:txBody>
       </p:sp>
-      <p:pic>
-        <p:nvPicPr>
-          <p:cNvPr id="2" name="Picture 1">
+      <p:sp>
+        <p:nvSpPr>
+          <p:cNvPr id="11" name="Title 1">
             <a:extLst>
               <a:ext uri="{FF2B5EF4-FFF2-40B4-BE49-F238E27FC236}">
-                <a16:creationId xmlns:a16="http://schemas.microsoft.com/office/drawing/2014/main" id="{3C273390-F80F-432A-929A-B46C5042F16A}"/>
+                <a16:creationId xmlns:a16="http://schemas.microsoft.com/office/drawing/2014/main" id="{9F1D5401-5312-48A5-9FDC-50721B551E8A}"/>
               </a:ext>
             </a:extLst>
           </p:cNvPr>
-          <p:cNvPicPr>
-            <a:picLocks noChangeAspect="1"/>
-          </p:cNvPicPr>
+          <p:cNvSpPr txBox="1">
+            <a:spLocks/>
+          </p:cNvSpPr>
           <p:nvPr/>
-        </p:nvPicPr>
-        <p:blipFill>
-          <a:blip r:embed="rId3"/>
-          <a:stretch>
-            <a:fillRect/>
-          </a:stretch>
-        </p:blipFill>
+        </p:nvSpPr>
         <p:spPr>
           <a:xfrm>
-            <a:off x="480781" y="142170"/>
-            <a:ext cx="10868025" cy="6023243"/>
+            <a:off x="2071139" y="69589"/>
+            <a:ext cx="8813199" cy="922632"/>
           </a:xfrm>
           <a:prstGeom prst="rect">
             <a:avLst/>
           </a:prstGeom>
           <a:solidFill>
-            <a:srgbClr val="FFC000"/>
+            <a:schemeClr val="accent6">
+              <a:lumMod val="60000"/>
+              <a:lumOff val="40000"/>
+            </a:schemeClr>
           </a:solidFill>
           <a:ln>
             <a:solidFill>
-              <a:srgbClr val="FFC000"/>
+              <a:schemeClr val="accent3"/>
             </a:solidFill>
           </a:ln>
           <a:effectLst>
-            <a:innerShdw blurRad="114300">
-              <a:prstClr val="black"/>
+            <a:glow rad="139700">
+              <a:schemeClr val="accent1">
+                <a:satMod val="175000"/>
+                <a:alpha val="40000"/>
+              </a:schemeClr>
+            </a:glow>
+            <a:innerShdw blurRad="63500" dist="50800" dir="13500000">
+              <a:prstClr val="black">
+                <a:alpha val="50000"/>
+              </a:prstClr>
             </a:innerShdw>
           </a:effectLst>
-          <a:scene3d>
-            <a:camera prst="orthographicFront"/>
-            <a:lightRig rig="threePt" dir="t"/>
-          </a:scene3d>
-          <a:sp3d>
-            <a:bevelT/>
-          </a:sp3d>
         </p:spPr>
-      </p:pic>
+        <p:txBody>
+          <a:bodyPr anchor="ctr"/>
+          <a:lstStyle>
+            <a:lvl1pPr algn="l" defTabSz="914400" rtl="0" eaLnBrk="1" latinLnBrk="0" hangingPunct="1">
+              <a:lnSpc>
+                <a:spcPct val="90000"/>
+              </a:lnSpc>
+              <a:spcBef>
+                <a:spcPct val="0"/>
+              </a:spcBef>
+              <a:buNone/>
+              <a:defRPr sz="3200" b="0" i="0" kern="1200" cap="none">
+                <a:solidFill>
+                  <a:schemeClr val="tx1"/>
+                </a:solidFill>
+                <a:effectLst/>
+                <a:latin typeface="+mj-lt"/>
+                <a:ea typeface="+mj-ea"/>
+                <a:cs typeface="+mj-cs"/>
+              </a:defRPr>
+            </a:lvl1pPr>
+          </a:lstStyle>
+          <a:p>
+            <a:pPr algn="ctr"/>
+            <a:r>
+              <a:rPr lang="en-US" sz="4400" b="1" dirty="0"/>
+              <a:t>Coding Approach</a:t>
+            </a:r>
+          </a:p>
+        </p:txBody>
+      </p:sp>
+      <p:sp>
+        <p:nvSpPr>
+          <p:cNvPr id="6" name="TextBox 5">
+            <a:extLst>
+              <a:ext uri="{FF2B5EF4-FFF2-40B4-BE49-F238E27FC236}">
+                <a16:creationId xmlns:a16="http://schemas.microsoft.com/office/drawing/2014/main" id="{D5F71A14-D219-4102-983E-80C7539ABE15}"/>
+              </a:ext>
+            </a:extLst>
+          </p:cNvPr>
+          <p:cNvSpPr txBox="1"/>
+          <p:nvPr/>
+        </p:nvSpPr>
+        <p:spPr>
+          <a:xfrm>
+            <a:off x="1114425" y="1733550"/>
+            <a:ext cx="5669565" cy="1754326"/>
+          </a:xfrm>
+          <a:prstGeom prst="rect">
+            <a:avLst/>
+          </a:prstGeom>
+          <a:noFill/>
+        </p:spPr>
+        <p:txBody>
+          <a:bodyPr wrap="none" rtlCol="0">
+            <a:spAutoFit/>
+          </a:bodyPr>
+          <a:lstStyle/>
+          <a:p>
+            <a:pPr marL="342900" indent="-342900">
+              <a:buFont typeface="+mj-lt"/>
+              <a:buAutoNum type="arabicPeriod"/>
+            </a:pPr>
+            <a:r>
+              <a:rPr lang="en-US" sz="3600" b="1" dirty="0">
+                <a:effectLst>
+                  <a:outerShdw blurRad="38100" dist="38100" dir="2700000" algn="tl">
+                    <a:srgbClr val="000000">
+                      <a:alpha val="43137"/>
+                    </a:srgbClr>
+                  </a:outerShdw>
+                </a:effectLst>
+              </a:rPr>
+              <a:t> Website Design/ Layout</a:t>
+            </a:r>
+          </a:p>
+          <a:p>
+            <a:pPr marL="342900" indent="-342900">
+              <a:buFont typeface="+mj-lt"/>
+              <a:buAutoNum type="arabicPeriod"/>
+            </a:pPr>
+            <a:r>
+              <a:rPr lang="en-US" sz="3600" b="1" dirty="0">
+                <a:effectLst>
+                  <a:outerShdw blurRad="38100" dist="38100" dir="2700000" algn="tl">
+                    <a:srgbClr val="000000">
+                      <a:alpha val="43137"/>
+                    </a:srgbClr>
+                  </a:outerShdw>
+                </a:effectLst>
+              </a:rPr>
+              <a:t> Speed Consideration</a:t>
+            </a:r>
+          </a:p>
+          <a:p>
+            <a:pPr marL="342900" indent="-342900">
+              <a:buFont typeface="+mj-lt"/>
+              <a:buAutoNum type="arabicPeriod"/>
+            </a:pPr>
+            <a:r>
+              <a:rPr lang="en-US" sz="3600" b="1" dirty="0">
+                <a:effectLst>
+                  <a:outerShdw blurRad="38100" dist="38100" dir="2700000" algn="tl">
+                    <a:srgbClr val="000000">
+                      <a:alpha val="43137"/>
+                    </a:srgbClr>
+                  </a:outerShdw>
+                </a:effectLst>
+              </a:rPr>
+              <a:t> User experience</a:t>
+            </a:r>
+          </a:p>
+        </p:txBody>
+      </p:sp>
     </p:spTree>
     <p:extLst>
       <p:ext uri="{BB962C8B-B14F-4D97-AF65-F5344CB8AC3E}">
-        <p14:creationId xmlns:p14="http://schemas.microsoft.com/office/powerpoint/2010/main" val="751901751"/>
+        <p14:creationId xmlns:p14="http://schemas.microsoft.com/office/powerpoint/2010/main" val="816553353"/>
       </p:ext>
     </p:extLst>
   </p:cSld>
@@ -6254,7 +11504,7 @@
         </p:blipFill>
         <p:spPr>
           <a:xfrm>
-            <a:off x="20" y="10"/>
+            <a:off x="67000" y="-190490"/>
             <a:ext cx="12191675" cy="6857990"/>
           </a:xfrm>
           <a:prstGeom prst="rect">
@@ -6308,10 +11558,213 @@
           </a:p>
         </p:txBody>
       </p:sp>
+      <p:sp>
+        <p:nvSpPr>
+          <p:cNvPr id="11" name="Title 1">
+            <a:extLst>
+              <a:ext uri="{FF2B5EF4-FFF2-40B4-BE49-F238E27FC236}">
+                <a16:creationId xmlns:a16="http://schemas.microsoft.com/office/drawing/2014/main" id="{9F1D5401-5312-48A5-9FDC-50721B551E8A}"/>
+              </a:ext>
+            </a:extLst>
+          </p:cNvPr>
+          <p:cNvSpPr txBox="1">
+            <a:spLocks/>
+          </p:cNvSpPr>
+          <p:nvPr/>
+        </p:nvSpPr>
+        <p:spPr>
+          <a:xfrm>
+            <a:off x="2071139" y="69589"/>
+            <a:ext cx="8813199" cy="922632"/>
+          </a:xfrm>
+          <a:prstGeom prst="rect">
+            <a:avLst/>
+          </a:prstGeom>
+          <a:solidFill>
+            <a:schemeClr val="accent6">
+              <a:lumMod val="60000"/>
+              <a:lumOff val="40000"/>
+            </a:schemeClr>
+          </a:solidFill>
+          <a:ln>
+            <a:solidFill>
+              <a:schemeClr val="accent3"/>
+            </a:solidFill>
+          </a:ln>
+          <a:effectLst>
+            <a:glow rad="139700">
+              <a:schemeClr val="accent1">
+                <a:satMod val="175000"/>
+                <a:alpha val="40000"/>
+              </a:schemeClr>
+            </a:glow>
+            <a:innerShdw blurRad="63500" dist="50800" dir="13500000">
+              <a:prstClr val="black">
+                <a:alpha val="50000"/>
+              </a:prstClr>
+            </a:innerShdw>
+          </a:effectLst>
+        </p:spPr>
+        <p:txBody>
+          <a:bodyPr anchor="ctr"/>
+          <a:lstStyle>
+            <a:lvl1pPr algn="l" defTabSz="914400" rtl="0" eaLnBrk="1" latinLnBrk="0" hangingPunct="1">
+              <a:lnSpc>
+                <a:spcPct val="90000"/>
+              </a:lnSpc>
+              <a:spcBef>
+                <a:spcPct val="0"/>
+              </a:spcBef>
+              <a:buNone/>
+              <a:defRPr sz="3200" b="0" i="0" kern="1200" cap="none">
+                <a:solidFill>
+                  <a:schemeClr val="tx1"/>
+                </a:solidFill>
+                <a:effectLst/>
+                <a:latin typeface="+mj-lt"/>
+                <a:ea typeface="+mj-ea"/>
+                <a:cs typeface="+mj-cs"/>
+              </a:defRPr>
+            </a:lvl1pPr>
+          </a:lstStyle>
+          <a:p>
+            <a:pPr algn="ctr"/>
+            <a:r>
+              <a:rPr lang="en-US" sz="4000" b="1" dirty="0"/>
+              <a:t>Data/App Architecture </a:t>
+            </a:r>
+          </a:p>
+        </p:txBody>
+      </p:sp>
+      <p:sp>
+        <p:nvSpPr>
+          <p:cNvPr id="6" name="TextBox 5">
+            <a:extLst>
+              <a:ext uri="{FF2B5EF4-FFF2-40B4-BE49-F238E27FC236}">
+                <a16:creationId xmlns:a16="http://schemas.microsoft.com/office/drawing/2014/main" id="{D5F71A14-D219-4102-983E-80C7539ABE15}"/>
+              </a:ext>
+            </a:extLst>
+          </p:cNvPr>
+          <p:cNvSpPr txBox="1"/>
+          <p:nvPr/>
+        </p:nvSpPr>
+        <p:spPr>
+          <a:xfrm>
+            <a:off x="1114425" y="1733550"/>
+            <a:ext cx="10062626" cy="2308324"/>
+          </a:xfrm>
+          <a:prstGeom prst="rect">
+            <a:avLst/>
+          </a:prstGeom>
+          <a:noFill/>
+        </p:spPr>
+        <p:txBody>
+          <a:bodyPr wrap="none" rtlCol="0">
+            <a:spAutoFit/>
+          </a:bodyPr>
+          <a:lstStyle/>
+          <a:p>
+            <a:pPr marL="342900" indent="-342900">
+              <a:buFont typeface="+mj-lt"/>
+              <a:buAutoNum type="arabicPeriod"/>
+            </a:pPr>
+            <a:r>
+              <a:rPr lang="en-US" sz="3600" b="1" dirty="0">
+                <a:effectLst>
+                  <a:outerShdw blurRad="38100" dist="38100" dir="2700000" algn="tl">
+                    <a:srgbClr val="000000">
+                      <a:alpha val="43137"/>
+                    </a:srgbClr>
+                  </a:outerShdw>
+                </a:effectLst>
+              </a:rPr>
+              <a:t> App comprised of HTML,CSS,JS and PY file</a:t>
+            </a:r>
+          </a:p>
+          <a:p>
+            <a:pPr marL="342900" indent="-342900">
+              <a:buFont typeface="+mj-lt"/>
+              <a:buAutoNum type="arabicPeriod"/>
+            </a:pPr>
+            <a:r>
+              <a:rPr lang="en-US" sz="3600" b="1" dirty="0">
+                <a:effectLst>
+                  <a:outerShdw blurRad="38100" dist="38100" dir="2700000" algn="tl">
+                    <a:srgbClr val="000000">
+                      <a:alpha val="43137"/>
+                    </a:srgbClr>
+                  </a:outerShdw>
+                </a:effectLst>
+              </a:rPr>
+              <a:t> Flask App framework</a:t>
+            </a:r>
+          </a:p>
+          <a:p>
+            <a:pPr marL="342900" indent="-342900">
+              <a:buFont typeface="+mj-lt"/>
+              <a:buAutoNum type="arabicPeriod"/>
+            </a:pPr>
+            <a:r>
+              <a:rPr lang="en-US" sz="3600" b="1" dirty="0">
+                <a:effectLst>
+                  <a:outerShdw blurRad="38100" dist="38100" dir="2700000" algn="tl">
+                    <a:srgbClr val="000000">
+                      <a:alpha val="43137"/>
+                    </a:srgbClr>
+                  </a:outerShdw>
+                </a:effectLst>
+              </a:rPr>
+              <a:t> MySQL database</a:t>
+            </a:r>
+          </a:p>
+          <a:p>
+            <a:pPr marL="342900" indent="-342900">
+              <a:buFont typeface="+mj-lt"/>
+              <a:buAutoNum type="arabicPeriod"/>
+            </a:pPr>
+            <a:r>
+              <a:rPr lang="en-US" sz="3600" b="1" dirty="0">
+                <a:effectLst>
+                  <a:outerShdw blurRad="38100" dist="38100" dir="2700000" algn="tl">
+                    <a:srgbClr val="000000">
+                      <a:alpha val="43137"/>
+                    </a:srgbClr>
+                  </a:outerShdw>
+                </a:effectLst>
+              </a:rPr>
+              <a:t> *</a:t>
+            </a:r>
+            <a:r>
+              <a:rPr lang="en-US" sz="3600" b="1" dirty="0" err="1">
+                <a:effectLst>
+                  <a:outerShdw blurRad="38100" dist="38100" dir="2700000" algn="tl">
+                    <a:srgbClr val="000000">
+                      <a:alpha val="43137"/>
+                    </a:srgbClr>
+                  </a:outerShdw>
+                </a:effectLst>
+              </a:rPr>
+              <a:t>un_zip</a:t>
+            </a:r>
+            <a:r>
+              <a:rPr lang="en-US" sz="3600" b="1" dirty="0">
+                <a:effectLst>
+                  <a:outerShdw blurRad="38100" dist="38100" dir="2700000" algn="tl">
+                    <a:srgbClr val="000000">
+                      <a:alpha val="43137"/>
+                    </a:srgbClr>
+                  </a:outerShdw>
+                </a:effectLst>
+              </a:rPr>
+              <a:t> library *</a:t>
+            </a:r>
+          </a:p>
+        </p:txBody>
+      </p:sp>
     </p:spTree>
     <p:extLst>
       <p:ext uri="{BB962C8B-B14F-4D97-AF65-F5344CB8AC3E}">
-        <p14:creationId xmlns:p14="http://schemas.microsoft.com/office/powerpoint/2010/main" val="3626818423"/>
+        <p14:creationId xmlns:p14="http://schemas.microsoft.com/office/powerpoint/2010/main" val="3198717789"/>
       </p:ext>
     </p:extLst>
   </p:cSld>
@@ -6362,7 +11815,7 @@
         </p:blipFill>
         <p:spPr>
           <a:xfrm>
-            <a:off x="20" y="10"/>
+            <a:off x="75877" y="-163857"/>
             <a:ext cx="12191675" cy="6857990"/>
           </a:xfrm>
           <a:prstGeom prst="rect">
@@ -6397,7 +11850,7 @@
           </a:bodyPr>
           <a:lstStyle/>
           <a:p>
-            <a:pPr marL="0" marR="0" lvl="0" indent="0" algn="l" defTabSz="914400" rtl="0" eaLnBrk="1" fontAlgn="auto" latinLnBrk="0" hangingPunct="1">
+            <a:pPr defTabSz="914400">
               <a:lnSpc>
                 <a:spcPct val="90000"/>
               </a:lnSpc>
@@ -6407,26 +11860,11 @@
               <a:spcAft>
                 <a:spcPts val="600"/>
               </a:spcAft>
-              <a:buClrTx/>
-              <a:buSzTx/>
-              <a:buFontTx/>
-              <a:buNone/>
-              <a:tabLst/>
-              <a:defRPr/>
             </a:pPr>
-            <a:endParaRPr kumimoji="0" lang="en-US" sz="4000" b="0" i="0" u="none" strike="noStrike" kern="1200" cap="none" spc="0" normalizeH="0" baseline="0" noProof="0" dirty="0">
-              <a:ln>
-                <a:noFill/>
-              </a:ln>
-              <a:solidFill>
-                <a:prstClr val="black"/>
-              </a:solidFill>
-              <a:effectLst/>
-              <a:uLnTx/>
-              <a:uFillTx/>
-              <a:latin typeface="Palatino Linotype" panose="02040502050505030304"/>
-              <a:ea typeface="+mn-ea"/>
-              <a:cs typeface="+mn-cs"/>
+            <a:endParaRPr lang="en-US" sz="4000" dirty="0">
+              <a:latin typeface="+mj-lt"/>
+              <a:ea typeface="+mj-ea"/>
+              <a:cs typeface="+mj-cs"/>
             </a:endParaRPr>
           </a:p>
         </p:txBody>
@@ -6447,7 +11885,7 @@
         </p:nvSpPr>
         <p:spPr>
           <a:xfrm>
-            <a:off x="1556235" y="326230"/>
+            <a:off x="2071139" y="69589"/>
             <a:ext cx="8813199" cy="922632"/>
           </a:xfrm>
           <a:prstGeom prst="rect">
@@ -6479,7 +11917,7 @@
           </a:effectLst>
         </p:spPr>
         <p:txBody>
-          <a:bodyPr/>
+          <a:bodyPr anchor="ctr"/>
           <a:lstStyle>
             <a:lvl1pPr algn="l" defTabSz="914400" rtl="0" eaLnBrk="1" latinLnBrk="0" hangingPunct="1">
               <a:lnSpc>
@@ -6501,53 +11939,78 @@
             </a:lvl1pPr>
           </a:lstStyle>
           <a:p>
-            <a:pPr marL="0" marR="0" lvl="0" indent="0" algn="ctr" defTabSz="914400" rtl="0" eaLnBrk="1" fontAlgn="auto" latinLnBrk="0" hangingPunct="1">
-              <a:lnSpc>
-                <a:spcPct val="90000"/>
-              </a:lnSpc>
-              <a:spcBef>
-                <a:spcPct val="0"/>
-              </a:spcBef>
-              <a:spcAft>
-                <a:spcPts val="0"/>
-              </a:spcAft>
-              <a:buClrTx/>
-              <a:buSzTx/>
-              <a:buFontTx/>
-              <a:buNone/>
-              <a:tabLst/>
-              <a:defRPr/>
-            </a:pPr>
+            <a:pPr algn="ctr"/>
             <a:r>
-              <a:rPr lang="en-US" sz="4400" b="1" dirty="0">
-                <a:solidFill>
-                  <a:prstClr val="black"/>
-                </a:solidFill>
-                <a:latin typeface="Palatino Linotype" panose="02040502050505030304"/>
-              </a:rPr>
-              <a:t>Screen shots</a:t>
+              <a:rPr lang="en-US" sz="4400" b="1" dirty="0"/>
+              <a:t>Visualizations</a:t>
             </a:r>
-            <a:endParaRPr kumimoji="0" lang="en-US" sz="4400" b="1" i="0" u="none" strike="noStrike" kern="1200" cap="none" spc="0" normalizeH="0" baseline="0" noProof="0" dirty="0">
-              <a:ln>
-                <a:noFill/>
-              </a:ln>
-              <a:solidFill>
-                <a:prstClr val="black"/>
-              </a:solidFill>
-              <a:effectLst/>
-              <a:uLnTx/>
-              <a:uFillTx/>
-              <a:latin typeface="Palatino Linotype" panose="02040502050505030304"/>
-              <a:ea typeface="+mj-ea"/>
-              <a:cs typeface="+mj-cs"/>
-            </a:endParaRPr>
           </a:p>
         </p:txBody>
       </p:sp>
+      <p:pic>
+        <p:nvPicPr>
+          <p:cNvPr id="2" name="Picture 1">
+            <a:extLst>
+              <a:ext uri="{FF2B5EF4-FFF2-40B4-BE49-F238E27FC236}">
+                <a16:creationId xmlns:a16="http://schemas.microsoft.com/office/drawing/2014/main" id="{64867538-9709-4A67-B000-97E1C5C757DB}"/>
+              </a:ext>
+            </a:extLst>
+          </p:cNvPr>
+          <p:cNvPicPr>
+            <a:picLocks noChangeAspect="1"/>
+          </p:cNvPicPr>
+          <p:nvPr/>
+        </p:nvPicPr>
+        <p:blipFill>
+          <a:blip r:embed="rId3"/>
+          <a:stretch>
+            <a:fillRect/>
+          </a:stretch>
+        </p:blipFill>
+        <p:spPr>
+          <a:xfrm>
+            <a:off x="842600" y="2201818"/>
+            <a:ext cx="5362575" cy="3190875"/>
+          </a:xfrm>
+          <a:prstGeom prst="rect">
+            <a:avLst/>
+          </a:prstGeom>
+        </p:spPr>
+      </p:pic>
+      <p:pic>
+        <p:nvPicPr>
+          <p:cNvPr id="4" name="Picture 3">
+            <a:extLst>
+              <a:ext uri="{FF2B5EF4-FFF2-40B4-BE49-F238E27FC236}">
+                <a16:creationId xmlns:a16="http://schemas.microsoft.com/office/drawing/2014/main" id="{289776E0-A84F-439A-B370-43A7C35C1C29}"/>
+              </a:ext>
+            </a:extLst>
+          </p:cNvPr>
+          <p:cNvPicPr>
+            <a:picLocks noChangeAspect="1"/>
+          </p:cNvPicPr>
+          <p:nvPr/>
+        </p:nvPicPr>
+        <p:blipFill>
+          <a:blip r:embed="rId4"/>
+          <a:stretch>
+            <a:fillRect/>
+          </a:stretch>
+        </p:blipFill>
+        <p:spPr>
+          <a:xfrm>
+            <a:off x="7305961" y="1225667"/>
+            <a:ext cx="3917983" cy="5202913"/>
+          </a:xfrm>
+          <a:prstGeom prst="rect">
+            <a:avLst/>
+          </a:prstGeom>
+        </p:spPr>
+      </p:pic>
     </p:spTree>
     <p:extLst>
       <p:ext uri="{BB962C8B-B14F-4D97-AF65-F5344CB8AC3E}">
-        <p14:creationId xmlns:p14="http://schemas.microsoft.com/office/powerpoint/2010/main" val="1417232487"/>
+        <p14:creationId xmlns:p14="http://schemas.microsoft.com/office/powerpoint/2010/main" val="255787338"/>
       </p:ext>
     </p:extLst>
   </p:cSld>
@@ -6598,7 +12061,7 @@
         </p:blipFill>
         <p:spPr>
           <a:xfrm>
-            <a:off x="20" y="10"/>
+            <a:off x="67000" y="-190490"/>
             <a:ext cx="12191675" cy="6857990"/>
           </a:xfrm>
           <a:prstGeom prst="rect">
@@ -6633,7 +12096,7 @@
           </a:bodyPr>
           <a:lstStyle/>
           <a:p>
-            <a:pPr marL="0" marR="0" lvl="0" indent="0" algn="l" defTabSz="914400" rtl="0" eaLnBrk="1" fontAlgn="auto" latinLnBrk="0" hangingPunct="1">
+            <a:pPr defTabSz="914400">
               <a:lnSpc>
                 <a:spcPct val="90000"/>
               </a:lnSpc>
@@ -6643,34 +12106,157 @@
               <a:spcAft>
                 <a:spcPts val="600"/>
               </a:spcAft>
-              <a:buClrTx/>
-              <a:buSzTx/>
-              <a:buFontTx/>
-              <a:buNone/>
-              <a:tabLst/>
-              <a:defRPr/>
             </a:pPr>
-            <a:endParaRPr kumimoji="0" lang="en-US" sz="4000" b="0" i="0" u="none" strike="noStrike" kern="1200" cap="none" spc="0" normalizeH="0" baseline="0" noProof="0" dirty="0">
-              <a:ln>
-                <a:noFill/>
-              </a:ln>
-              <a:solidFill>
-                <a:prstClr val="black"/>
-              </a:solidFill>
-              <a:effectLst/>
-              <a:uLnTx/>
-              <a:uFillTx/>
-              <a:latin typeface="Palatino Linotype" panose="02040502050505030304"/>
-              <a:ea typeface="+mn-ea"/>
-              <a:cs typeface="+mn-cs"/>
+            <a:endParaRPr lang="en-US" sz="4000" dirty="0">
+              <a:latin typeface="+mj-lt"/>
+              <a:ea typeface="+mj-ea"/>
+              <a:cs typeface="+mj-cs"/>
             </a:endParaRPr>
           </a:p>
         </p:txBody>
       </p:sp>
+      <p:sp>
+        <p:nvSpPr>
+          <p:cNvPr id="11" name="Title 1">
+            <a:extLst>
+              <a:ext uri="{FF2B5EF4-FFF2-40B4-BE49-F238E27FC236}">
+                <a16:creationId xmlns:a16="http://schemas.microsoft.com/office/drawing/2014/main" id="{9F1D5401-5312-48A5-9FDC-50721B551E8A}"/>
+              </a:ext>
+            </a:extLst>
+          </p:cNvPr>
+          <p:cNvSpPr txBox="1">
+            <a:spLocks/>
+          </p:cNvSpPr>
+          <p:nvPr/>
+        </p:nvSpPr>
+        <p:spPr>
+          <a:xfrm>
+            <a:off x="2071139" y="69589"/>
+            <a:ext cx="8813199" cy="922632"/>
+          </a:xfrm>
+          <a:prstGeom prst="rect">
+            <a:avLst/>
+          </a:prstGeom>
+          <a:solidFill>
+            <a:schemeClr val="accent6">
+              <a:lumMod val="60000"/>
+              <a:lumOff val="40000"/>
+            </a:schemeClr>
+          </a:solidFill>
+          <a:ln>
+            <a:solidFill>
+              <a:schemeClr val="accent3"/>
+            </a:solidFill>
+          </a:ln>
+          <a:effectLst>
+            <a:glow rad="139700">
+              <a:schemeClr val="accent1">
+                <a:satMod val="175000"/>
+                <a:alpha val="40000"/>
+              </a:schemeClr>
+            </a:glow>
+            <a:innerShdw blurRad="63500" dist="50800" dir="13500000">
+              <a:prstClr val="black">
+                <a:alpha val="50000"/>
+              </a:prstClr>
+            </a:innerShdw>
+          </a:effectLst>
+        </p:spPr>
+        <p:txBody>
+          <a:bodyPr anchor="ctr"/>
+          <a:lstStyle>
+            <a:lvl1pPr algn="l" defTabSz="914400" rtl="0" eaLnBrk="1" latinLnBrk="0" hangingPunct="1">
+              <a:lnSpc>
+                <a:spcPct val="90000"/>
+              </a:lnSpc>
+              <a:spcBef>
+                <a:spcPct val="0"/>
+              </a:spcBef>
+              <a:buNone/>
+              <a:defRPr sz="3200" b="0" i="0" kern="1200" cap="none">
+                <a:solidFill>
+                  <a:schemeClr val="tx1"/>
+                </a:solidFill>
+                <a:effectLst/>
+                <a:latin typeface="+mj-lt"/>
+                <a:ea typeface="+mj-ea"/>
+                <a:cs typeface="+mj-cs"/>
+              </a:defRPr>
+            </a:lvl1pPr>
+          </a:lstStyle>
+          <a:p>
+            <a:pPr algn="ctr"/>
+            <a:r>
+              <a:rPr lang="en-US" sz="4400" b="1" dirty="0"/>
+              <a:t>Visualizations</a:t>
+            </a:r>
+          </a:p>
+        </p:txBody>
+      </p:sp>
+      <p:pic>
+        <p:nvPicPr>
+          <p:cNvPr id="2" name="Picture 1">
+            <a:extLst>
+              <a:ext uri="{FF2B5EF4-FFF2-40B4-BE49-F238E27FC236}">
+                <a16:creationId xmlns:a16="http://schemas.microsoft.com/office/drawing/2014/main" id="{010E228C-BCEF-485D-A83D-853A730B7D98}"/>
+              </a:ext>
+            </a:extLst>
+          </p:cNvPr>
+          <p:cNvPicPr>
+            <a:picLocks noChangeAspect="1"/>
+          </p:cNvPicPr>
+          <p:nvPr/>
+        </p:nvPicPr>
+        <p:blipFill>
+          <a:blip r:embed="rId3"/>
+          <a:stretch>
+            <a:fillRect/>
+          </a:stretch>
+        </p:blipFill>
+        <p:spPr>
+          <a:xfrm>
+            <a:off x="714314" y="1691334"/>
+            <a:ext cx="5200650" cy="2466975"/>
+          </a:xfrm>
+          <a:prstGeom prst="rect">
+            <a:avLst/>
+          </a:prstGeom>
+        </p:spPr>
+      </p:pic>
+      <p:pic>
+        <p:nvPicPr>
+          <p:cNvPr id="4" name="Picture 3">
+            <a:extLst>
+              <a:ext uri="{FF2B5EF4-FFF2-40B4-BE49-F238E27FC236}">
+                <a16:creationId xmlns:a16="http://schemas.microsoft.com/office/drawing/2014/main" id="{D99CE29C-98E9-4431-849C-51098CE1EEF6}"/>
+              </a:ext>
+            </a:extLst>
+          </p:cNvPr>
+          <p:cNvPicPr>
+            <a:picLocks noChangeAspect="1"/>
+          </p:cNvPicPr>
+          <p:nvPr/>
+        </p:nvPicPr>
+        <p:blipFill>
+          <a:blip r:embed="rId4"/>
+          <a:stretch>
+            <a:fillRect/>
+          </a:stretch>
+        </p:blipFill>
+        <p:spPr>
+          <a:xfrm>
+            <a:off x="6277037" y="1152106"/>
+            <a:ext cx="5101449" cy="4769530"/>
+          </a:xfrm>
+          <a:prstGeom prst="rect">
+            <a:avLst/>
+          </a:prstGeom>
+        </p:spPr>
+      </p:pic>
     </p:spTree>
     <p:extLst>
       <p:ext uri="{BB962C8B-B14F-4D97-AF65-F5344CB8AC3E}">
-        <p14:creationId xmlns:p14="http://schemas.microsoft.com/office/powerpoint/2010/main" val="383126405"/>
+        <p14:creationId xmlns:p14="http://schemas.microsoft.com/office/powerpoint/2010/main" val="1774300937"/>
       </p:ext>
     </p:extLst>
   </p:cSld>
@@ -6694,36 +12280,36 @@
         <a:srgbClr val="454545"/>
       </a:dk2>
       <a:lt2>
-        <a:srgbClr val="EDEBE7"/>
+        <a:srgbClr val="DFDBD5"/>
       </a:lt2>
       <a:accent1>
-        <a:srgbClr val="5FA534"/>
+        <a:srgbClr val="B71E42"/>
       </a:accent1>
       <a:accent2>
-        <a:srgbClr val="DCAB34"/>
+        <a:srgbClr val="DE478E"/>
       </a:accent2>
       <a:accent3>
-        <a:srgbClr val="D26D23"/>
+        <a:srgbClr val="BC72F0"/>
       </a:accent3>
       <a:accent4>
-        <a:srgbClr val="972323"/>
+        <a:srgbClr val="795FAF"/>
       </a:accent4>
       <a:accent5>
-        <a:srgbClr val="236797"/>
+        <a:srgbClr val="586EA6"/>
       </a:accent5>
       <a:accent6>
-        <a:srgbClr val="2FB6C6"/>
+        <a:srgbClr val="6892A0"/>
       </a:accent6>
       <a:hlink>
-        <a:srgbClr val="8FC639"/>
+        <a:srgbClr val="FA2B5C"/>
       </a:hlink>
       <a:folHlink>
-        <a:srgbClr val="E7C272"/>
+        <a:srgbClr val="BC658E"/>
       </a:folHlink>
     </a:clrScheme>
     <a:fontScheme name="Gallery">
       <a:majorFont>
-        <a:latin typeface="Palatino Linotype" panose="02040502050505030304"/>
+        <a:latin typeface="Gill Sans MT" panose="020B0502020104020203"/>
         <a:ea typeface=""/>
         <a:cs typeface=""/>
         <a:font script="Jpan" typeface="游ゴシック Light"/>
@@ -6758,7 +12344,7 @@
         <a:font script="Geor" typeface="Sylfaen"/>
       </a:majorFont>
       <a:minorFont>
-        <a:latin typeface="Palatino Linotype" panose="02040502050505030304"/>
+        <a:latin typeface="Gill Sans MT" panose="020B0502020104020203"/>
         <a:ea typeface=""/>
         <a:cs typeface=""/>
         <a:font script="Jpan" typeface="游ゴシック"/>
@@ -6917,7 +12503,7 @@
             </a:gs>
           </a:gsLst>
           <a:path path="circle">
-            <a:fillToRect l="50000" t="50000" r="50000" b="50000"/>
+            <a:fillToRect l="43000" r="43000" b="100000"/>
           </a:path>
         </a:gradFill>
       </a:bgFillStyleLst>
@@ -6927,7 +12513,7 @@
   <a:extraClrSchemeLst/>
   <a:extLst>
     <a:ext uri="{05A4C25C-085E-4340-85A3-A5531E510DB2}">
-      <thm15:themeFamily xmlns:thm15="http://schemas.microsoft.com/office/thememl/2012/main" name="Gallery" id="{BBFCD31E-59A1-489D-B089-A3EAD7CAE12E}" vid="{AC464412-510E-4F2B-8947-A0DDBD028997}"/>
+      <thm15:themeFamily xmlns:thm15="http://schemas.microsoft.com/office/thememl/2012/main" name="Gallery" id="{BBFCD31E-59A1-489D-B089-A3EAD7CAE12E}" vid="{F5E91637-A7B6-4E27-B710-77DA7014EE1E}"/>
     </a:ext>
   </a:extLst>
 </a:theme>
